--- a/Lessons/C_DM_Workflow_R_Viz/A_R_Classes_Joins.pptx
+++ b/Lessons/C_DM_Workflow_R_Viz/A_R_Classes_Joins.pptx
@@ -5,7 +5,7 @@
     <p:sldMasterId id="2147483672" r:id="rId1"/>
   </p:sldMasterIdLst>
   <p:notesMasterIdLst>
-    <p:notesMasterId r:id="rId24"/>
+    <p:notesMasterId r:id="rId17"/>
   </p:notesMasterIdLst>
   <p:sldIdLst>
     <p:sldId id="361" r:id="rId2"/>
@@ -17,19 +17,12 @@
     <p:sldId id="475" r:id="rId8"/>
     <p:sldId id="378" r:id="rId9"/>
     <p:sldId id="476" r:id="rId10"/>
-    <p:sldId id="477" r:id="rId11"/>
-    <p:sldId id="479" r:id="rId12"/>
-    <p:sldId id="480" r:id="rId13"/>
-    <p:sldId id="481" r:id="rId14"/>
-    <p:sldId id="483" r:id="rId15"/>
-    <p:sldId id="482" r:id="rId16"/>
-    <p:sldId id="484" r:id="rId17"/>
-    <p:sldId id="366" r:id="rId18"/>
-    <p:sldId id="311" r:id="rId19"/>
-    <p:sldId id="312" r:id="rId20"/>
-    <p:sldId id="313" r:id="rId21"/>
-    <p:sldId id="314" r:id="rId22"/>
-    <p:sldId id="377" r:id="rId23"/>
+    <p:sldId id="366" r:id="rId11"/>
+    <p:sldId id="311" r:id="rId12"/>
+    <p:sldId id="312" r:id="rId13"/>
+    <p:sldId id="313" r:id="rId14"/>
+    <p:sldId id="314" r:id="rId15"/>
+    <p:sldId id="377" r:id="rId16"/>
   </p:sldIdLst>
   <p:sldSz cx="9144000" cy="6858000" type="screen4x3"/>
   <p:notesSz cx="7010400" cy="9296400"/>
@@ -684,7 +677,7 @@
                 </a:solidFill>
               </a:rPr>
               <a:pPr/>
-              <a:t>17</a:t>
+              <a:t>10</a:t>
             </a:fld>
             <a:endParaRPr lang="en-US">
               <a:solidFill>
@@ -791,7 +784,7 @@
                 </a:solidFill>
               </a:rPr>
               <a:pPr/>
-              <a:t>18</a:t>
+              <a:t>11</a:t>
             </a:fld>
             <a:endParaRPr lang="en-US">
               <a:solidFill>
@@ -887,7 +880,7 @@
                 </a:solidFill>
               </a:rPr>
               <a:pPr/>
-              <a:t>19</a:t>
+              <a:t>12</a:t>
             </a:fld>
             <a:endParaRPr lang="en-US">
               <a:solidFill>
@@ -994,7 +987,7 @@
                 </a:solidFill>
               </a:rPr>
               <a:pPr/>
-              <a:t>20</a:t>
+              <a:t>13</a:t>
             </a:fld>
             <a:endParaRPr lang="en-US">
               <a:solidFill>
@@ -1101,7 +1094,7 @@
                 </a:solidFill>
               </a:rPr>
               <a:pPr/>
-              <a:t>21</a:t>
+              <a:t>14</a:t>
             </a:fld>
             <a:endParaRPr lang="en-US">
               <a:solidFill>
@@ -7082,4737 +7075,6 @@
       </p:grpSpPr>
       <p:sp>
         <p:nvSpPr>
-          <p:cNvPr id="2" name="Title 1">
-            <a:extLst>
-              <a:ext uri="{FF2B5EF4-FFF2-40B4-BE49-F238E27FC236}">
-                <a16:creationId xmlns:a16="http://schemas.microsoft.com/office/drawing/2014/main" id="{C2704038-62BD-A58E-658D-441C9591EB0F}"/>
-              </a:ext>
-            </a:extLst>
-          </p:cNvPr>
-          <p:cNvSpPr>
-            <a:spLocks noGrp="1"/>
-          </p:cNvSpPr>
-          <p:nvPr>
-            <p:ph type="title"/>
-          </p:nvPr>
-        </p:nvSpPr>
-        <p:spPr>
-          <a:xfrm>
-            <a:off x="182880" y="365126"/>
-            <a:ext cx="8823960" cy="591477"/>
-          </a:xfrm>
-        </p:spPr>
-        <p:txBody>
-          <a:bodyPr/>
-          <a:lstStyle/>
-          <a:p>
-            <a:r>
-              <a:rPr lang="en-US" sz="2800" dirty="0"/>
-              <a:t>When you have 2+ tables of data with a shared column</a:t>
-            </a:r>
-          </a:p>
-        </p:txBody>
-      </p:sp>
-      <p:sp>
-        <p:nvSpPr>
-          <p:cNvPr id="4" name="Date Placeholder 3">
-            <a:extLst>
-              <a:ext uri="{FF2B5EF4-FFF2-40B4-BE49-F238E27FC236}">
-                <a16:creationId xmlns:a16="http://schemas.microsoft.com/office/drawing/2014/main" id="{000CE65B-D69B-61C8-C75D-E14AA9434086}"/>
-              </a:ext>
-            </a:extLst>
-          </p:cNvPr>
-          <p:cNvSpPr>
-            <a:spLocks noGrp="1"/>
-          </p:cNvSpPr>
-          <p:nvPr>
-            <p:ph type="dt" sz="half" idx="10"/>
-          </p:nvPr>
-        </p:nvSpPr>
-        <p:spPr/>
-        <p:txBody>
-          <a:bodyPr/>
-          <a:lstStyle/>
-          <a:p>
-            <a:fld id="{D753EFC8-4232-4598-94F6-94C0EBAFC469}" type="datetime1">
-              <a:rPr lang="en-US" smtClean="0"/>
-              <a:t>9/5/22</a:t>
-            </a:fld>
-            <a:endParaRPr lang="en-US"/>
-          </a:p>
-        </p:txBody>
-      </p:sp>
-      <p:sp>
-        <p:nvSpPr>
-          <p:cNvPr id="5" name="Slide Number Placeholder 4">
-            <a:extLst>
-              <a:ext uri="{FF2B5EF4-FFF2-40B4-BE49-F238E27FC236}">
-                <a16:creationId xmlns:a16="http://schemas.microsoft.com/office/drawing/2014/main" id="{23A233B3-D793-7097-E8D3-34BD78666ED5}"/>
-              </a:ext>
-            </a:extLst>
-          </p:cNvPr>
-          <p:cNvSpPr>
-            <a:spLocks noGrp="1"/>
-          </p:cNvSpPr>
-          <p:nvPr>
-            <p:ph type="sldNum" sz="quarter" idx="12"/>
-          </p:nvPr>
-        </p:nvSpPr>
-        <p:spPr/>
-        <p:txBody>
-          <a:bodyPr/>
-          <a:lstStyle/>
-          <a:p>
-            <a:fld id="{37290FF7-652B-4475-AEAB-8B1A5D23AE09}" type="slidenum">
-              <a:rPr lang="en-US" smtClean="0"/>
-              <a:t>10</a:t>
-            </a:fld>
-            <a:endParaRPr lang="en-US"/>
-          </a:p>
-        </p:txBody>
-      </p:sp>
-      <p:sp>
-        <p:nvSpPr>
-          <p:cNvPr id="6" name="Footer Placeholder 5">
-            <a:extLst>
-              <a:ext uri="{FF2B5EF4-FFF2-40B4-BE49-F238E27FC236}">
-                <a16:creationId xmlns:a16="http://schemas.microsoft.com/office/drawing/2014/main" id="{6993DB78-1B87-A726-6130-55B4DA150BC8}"/>
-              </a:ext>
-            </a:extLst>
-          </p:cNvPr>
-          <p:cNvSpPr>
-            <a:spLocks noGrp="1"/>
-          </p:cNvSpPr>
-          <p:nvPr>
-            <p:ph type="ftr" sz="quarter" idx="3"/>
-          </p:nvPr>
-        </p:nvSpPr>
-        <p:spPr/>
-        <p:txBody>
-          <a:bodyPr/>
-          <a:lstStyle/>
-          <a:p>
-            <a:r>
-              <a:rPr lang="en-US"/>
-              <a:t>Kwartler CSCI S-96</a:t>
-            </a:r>
-            <a:endParaRPr lang="en-US" dirty="0"/>
-          </a:p>
-        </p:txBody>
-      </p:sp>
-      <p:sp>
-        <p:nvSpPr>
-          <p:cNvPr id="7" name="Rectangle 6">
-            <a:extLst>
-              <a:ext uri="{FF2B5EF4-FFF2-40B4-BE49-F238E27FC236}">
-                <a16:creationId xmlns:a16="http://schemas.microsoft.com/office/drawing/2014/main" id="{2BDBB0D3-2C1D-6778-EA80-ADAC3073197B}"/>
-              </a:ext>
-            </a:extLst>
-          </p:cNvPr>
-          <p:cNvSpPr/>
-          <p:nvPr/>
-        </p:nvSpPr>
-        <p:spPr>
-          <a:xfrm>
-            <a:off x="558769" y="5721081"/>
-            <a:ext cx="8026463" cy="470519"/>
-          </a:xfrm>
-          <a:prstGeom prst="rect">
-            <a:avLst/>
-          </a:prstGeom>
-          <a:solidFill>
-            <a:schemeClr val="accent6"/>
-          </a:solidFill>
-          <a:ln>
-            <a:noFill/>
-          </a:ln>
-        </p:spPr>
-        <p:style>
-          <a:lnRef idx="2">
-            <a:schemeClr val="accent1">
-              <a:shade val="50000"/>
-            </a:schemeClr>
-          </a:lnRef>
-          <a:fillRef idx="1">
-            <a:schemeClr val="accent1"/>
-          </a:fillRef>
-          <a:effectRef idx="0">
-            <a:schemeClr val="accent1"/>
-          </a:effectRef>
-          <a:fontRef idx="minor">
-            <a:schemeClr val="lt1"/>
-          </a:fontRef>
-        </p:style>
-        <p:txBody>
-          <a:bodyPr rtlCol="0" anchor="ctr"/>
-          <a:lstStyle/>
-          <a:p>
-            <a:pPr algn="ctr"/>
-            <a:r>
-              <a:rPr lang="en-US" sz="1400" b="1" u="sng" dirty="0"/>
-              <a:t>How do you want to bring them together?</a:t>
-            </a:r>
-          </a:p>
-        </p:txBody>
-      </p:sp>
-      <p:sp>
-        <p:nvSpPr>
-          <p:cNvPr id="8" name="Oval 7">
-            <a:extLst>
-              <a:ext uri="{FF2B5EF4-FFF2-40B4-BE49-F238E27FC236}">
-                <a16:creationId xmlns:a16="http://schemas.microsoft.com/office/drawing/2014/main" id="{617C069E-C836-E1E4-674B-C9C0B5EA42B5}"/>
-              </a:ext>
-            </a:extLst>
-          </p:cNvPr>
-          <p:cNvSpPr/>
-          <p:nvPr/>
-        </p:nvSpPr>
-        <p:spPr>
-          <a:xfrm>
-            <a:off x="725750" y="2278286"/>
-            <a:ext cx="2240280" cy="2240280"/>
-          </a:xfrm>
-          <a:prstGeom prst="ellipse">
-            <a:avLst/>
-          </a:prstGeom>
-          <a:solidFill>
-            <a:schemeClr val="accent2"/>
-          </a:solidFill>
-        </p:spPr>
-        <p:style>
-          <a:lnRef idx="2">
-            <a:schemeClr val="accent1">
-              <a:shade val="50000"/>
-            </a:schemeClr>
-          </a:lnRef>
-          <a:fillRef idx="1">
-            <a:schemeClr val="accent1"/>
-          </a:fillRef>
-          <a:effectRef idx="0">
-            <a:schemeClr val="accent1"/>
-          </a:effectRef>
-          <a:fontRef idx="minor">
-            <a:schemeClr val="lt1"/>
-          </a:fontRef>
-        </p:style>
-        <p:txBody>
-          <a:bodyPr rtlCol="0" anchor="ctr"/>
-          <a:lstStyle/>
-          <a:p>
-            <a:pPr algn="ctr"/>
-            <a:r>
-              <a:rPr lang="en-US" dirty="0"/>
-              <a:t>Table A</a:t>
-            </a:r>
-          </a:p>
-        </p:txBody>
-      </p:sp>
-      <p:sp>
-        <p:nvSpPr>
-          <p:cNvPr id="9" name="Oval 8">
-            <a:extLst>
-              <a:ext uri="{FF2B5EF4-FFF2-40B4-BE49-F238E27FC236}">
-                <a16:creationId xmlns:a16="http://schemas.microsoft.com/office/drawing/2014/main" id="{44DC2E36-9FA9-66B4-4BBC-257C2A02041F}"/>
-              </a:ext>
-            </a:extLst>
-          </p:cNvPr>
-          <p:cNvSpPr/>
-          <p:nvPr/>
-        </p:nvSpPr>
-        <p:spPr>
-          <a:xfrm>
-            <a:off x="5926510" y="2218702"/>
-            <a:ext cx="2240280" cy="2240280"/>
-          </a:xfrm>
-          <a:prstGeom prst="ellipse">
-            <a:avLst/>
-          </a:prstGeom>
-          <a:solidFill>
-            <a:schemeClr val="accent2"/>
-          </a:solidFill>
-        </p:spPr>
-        <p:style>
-          <a:lnRef idx="2">
-            <a:schemeClr val="accent1">
-              <a:shade val="50000"/>
-            </a:schemeClr>
-          </a:lnRef>
-          <a:fillRef idx="1">
-            <a:schemeClr val="accent1"/>
-          </a:fillRef>
-          <a:effectRef idx="0">
-            <a:schemeClr val="accent1"/>
-          </a:effectRef>
-          <a:fontRef idx="minor">
-            <a:schemeClr val="lt1"/>
-          </a:fontRef>
-        </p:style>
-        <p:txBody>
-          <a:bodyPr rtlCol="0" anchor="ctr"/>
-          <a:lstStyle/>
-          <a:p>
-            <a:pPr algn="ctr"/>
-            <a:r>
-              <a:rPr lang="en-US" dirty="0"/>
-              <a:t>Table B</a:t>
-            </a:r>
-          </a:p>
-        </p:txBody>
-      </p:sp>
-      <p:sp>
-        <p:nvSpPr>
-          <p:cNvPr id="10" name="TextBox 9">
-            <a:extLst>
-              <a:ext uri="{FF2B5EF4-FFF2-40B4-BE49-F238E27FC236}">
-                <a16:creationId xmlns:a16="http://schemas.microsoft.com/office/drawing/2014/main" id="{79D88C54-159D-8125-8E6E-6A0EDA87C148}"/>
-              </a:ext>
-            </a:extLst>
-          </p:cNvPr>
-          <p:cNvSpPr txBox="1"/>
-          <p:nvPr/>
-        </p:nvSpPr>
-        <p:spPr>
-          <a:xfrm>
-            <a:off x="2601569" y="3244537"/>
-            <a:ext cx="3689408" cy="523220"/>
-          </a:xfrm>
-          <a:prstGeom prst="rect">
-            <a:avLst/>
-          </a:prstGeom>
-          <a:noFill/>
-        </p:spPr>
-        <p:txBody>
-          <a:bodyPr wrap="none" rtlCol="0">
-            <a:spAutoFit/>
-          </a:bodyPr>
-          <a:lstStyle/>
-          <a:p>
-            <a:pPr algn="ctr"/>
-            <a:r>
-              <a:rPr lang="en-US" sz="1400" dirty="0">
-                <a:highlight>
-                  <a:srgbClr val="FFFF00"/>
-                </a:highlight>
-              </a:rPr>
-              <a:t>Come together by a unique yet shared identifier</a:t>
-            </a:r>
-          </a:p>
-          <a:p>
-            <a:pPr algn="ctr"/>
-            <a:r>
-              <a:rPr lang="en-US" sz="1400" dirty="0">
-                <a:highlight>
-                  <a:srgbClr val="FFFF00"/>
-                </a:highlight>
-              </a:rPr>
-              <a:t>Like a customer ID</a:t>
-            </a:r>
-          </a:p>
-        </p:txBody>
-      </p:sp>
-    </p:spTree>
-    <p:extLst>
-      <p:ext uri="{BB962C8B-B14F-4D97-AF65-F5344CB8AC3E}">
-        <p14:creationId xmlns:p14="http://schemas.microsoft.com/office/powerpoint/2010/main" val="1862262160"/>
-      </p:ext>
-    </p:extLst>
-  </p:cSld>
-  <p:clrMapOvr>
-    <a:masterClrMapping/>
-  </p:clrMapOvr>
-</p:sld>
-</file>
-
-<file path=ppt/slides/slide11.xml><?xml version="1.0" encoding="utf-8"?>
-<p:sld xmlns:a="http://schemas.openxmlformats.org/drawingml/2006/main" xmlns:r="http://schemas.openxmlformats.org/officeDocument/2006/relationships" xmlns:p="http://schemas.openxmlformats.org/presentationml/2006/main">
-  <p:cSld>
-    <p:spTree>
-      <p:nvGrpSpPr>
-        <p:cNvPr id="1" name=""/>
-        <p:cNvGrpSpPr/>
-        <p:nvPr/>
-      </p:nvGrpSpPr>
-      <p:grpSpPr>
-        <a:xfrm>
-          <a:off x="0" y="0"/>
-          <a:ext cx="0" cy="0"/>
-          <a:chOff x="0" y="0"/>
-          <a:chExt cx="0" cy="0"/>
-        </a:xfrm>
-      </p:grpSpPr>
-      <p:sp>
-        <p:nvSpPr>
-          <p:cNvPr id="2" name="Title 1">
-            <a:extLst>
-              <a:ext uri="{FF2B5EF4-FFF2-40B4-BE49-F238E27FC236}">
-                <a16:creationId xmlns:a16="http://schemas.microsoft.com/office/drawing/2014/main" id="{C2704038-62BD-A58E-658D-441C9591EB0F}"/>
-              </a:ext>
-            </a:extLst>
-          </p:cNvPr>
-          <p:cNvSpPr>
-            <a:spLocks noGrp="1"/>
-          </p:cNvSpPr>
-          <p:nvPr>
-            <p:ph type="title"/>
-          </p:nvPr>
-        </p:nvSpPr>
-        <p:spPr>
-          <a:xfrm>
-            <a:off x="182880" y="383980"/>
-            <a:ext cx="8823960" cy="591477"/>
-          </a:xfrm>
-        </p:spPr>
-        <p:txBody>
-          <a:bodyPr/>
-          <a:lstStyle/>
-          <a:p>
-            <a:r>
-              <a:rPr lang="en-US" sz="2400" dirty="0"/>
-              <a:t>Do you want to retain all records in table A &amp; append table B data?</a:t>
-            </a:r>
-          </a:p>
-        </p:txBody>
-      </p:sp>
-      <p:sp>
-        <p:nvSpPr>
-          <p:cNvPr id="4" name="Date Placeholder 3">
-            <a:extLst>
-              <a:ext uri="{FF2B5EF4-FFF2-40B4-BE49-F238E27FC236}">
-                <a16:creationId xmlns:a16="http://schemas.microsoft.com/office/drawing/2014/main" id="{000CE65B-D69B-61C8-C75D-E14AA9434086}"/>
-              </a:ext>
-            </a:extLst>
-          </p:cNvPr>
-          <p:cNvSpPr>
-            <a:spLocks noGrp="1"/>
-          </p:cNvSpPr>
-          <p:nvPr>
-            <p:ph type="dt" sz="half" idx="10"/>
-          </p:nvPr>
-        </p:nvSpPr>
-        <p:spPr/>
-        <p:txBody>
-          <a:bodyPr/>
-          <a:lstStyle/>
-          <a:p>
-            <a:fld id="{D753EFC8-4232-4598-94F6-94C0EBAFC469}" type="datetime1">
-              <a:rPr lang="en-US" smtClean="0"/>
-              <a:t>9/5/22</a:t>
-            </a:fld>
-            <a:endParaRPr lang="en-US"/>
-          </a:p>
-        </p:txBody>
-      </p:sp>
-      <p:sp>
-        <p:nvSpPr>
-          <p:cNvPr id="5" name="Slide Number Placeholder 4">
-            <a:extLst>
-              <a:ext uri="{FF2B5EF4-FFF2-40B4-BE49-F238E27FC236}">
-                <a16:creationId xmlns:a16="http://schemas.microsoft.com/office/drawing/2014/main" id="{23A233B3-D793-7097-E8D3-34BD78666ED5}"/>
-              </a:ext>
-            </a:extLst>
-          </p:cNvPr>
-          <p:cNvSpPr>
-            <a:spLocks noGrp="1"/>
-          </p:cNvSpPr>
-          <p:nvPr>
-            <p:ph type="sldNum" sz="quarter" idx="12"/>
-          </p:nvPr>
-        </p:nvSpPr>
-        <p:spPr/>
-        <p:txBody>
-          <a:bodyPr/>
-          <a:lstStyle/>
-          <a:p>
-            <a:fld id="{37290FF7-652B-4475-AEAB-8B1A5D23AE09}" type="slidenum">
-              <a:rPr lang="en-US" smtClean="0"/>
-              <a:t>11</a:t>
-            </a:fld>
-            <a:endParaRPr lang="en-US"/>
-          </a:p>
-        </p:txBody>
-      </p:sp>
-      <p:sp>
-        <p:nvSpPr>
-          <p:cNvPr id="6" name="Footer Placeholder 5">
-            <a:extLst>
-              <a:ext uri="{FF2B5EF4-FFF2-40B4-BE49-F238E27FC236}">
-                <a16:creationId xmlns:a16="http://schemas.microsoft.com/office/drawing/2014/main" id="{6993DB78-1B87-A726-6130-55B4DA150BC8}"/>
-              </a:ext>
-            </a:extLst>
-          </p:cNvPr>
-          <p:cNvSpPr>
-            <a:spLocks noGrp="1"/>
-          </p:cNvSpPr>
-          <p:nvPr>
-            <p:ph type="ftr" sz="quarter" idx="3"/>
-          </p:nvPr>
-        </p:nvSpPr>
-        <p:spPr/>
-        <p:txBody>
-          <a:bodyPr/>
-          <a:lstStyle/>
-          <a:p>
-            <a:r>
-              <a:rPr lang="en-US"/>
-              <a:t>Kwartler CSCI S-96</a:t>
-            </a:r>
-            <a:endParaRPr lang="en-US" dirty="0"/>
-          </a:p>
-        </p:txBody>
-      </p:sp>
-      <p:sp>
-        <p:nvSpPr>
-          <p:cNvPr id="7" name="Rectangle 6">
-            <a:extLst>
-              <a:ext uri="{FF2B5EF4-FFF2-40B4-BE49-F238E27FC236}">
-                <a16:creationId xmlns:a16="http://schemas.microsoft.com/office/drawing/2014/main" id="{2BDBB0D3-2C1D-6778-EA80-ADAC3073197B}"/>
-              </a:ext>
-            </a:extLst>
-          </p:cNvPr>
-          <p:cNvSpPr/>
-          <p:nvPr/>
-        </p:nvSpPr>
-        <p:spPr>
-          <a:xfrm>
-            <a:off x="558769" y="5721081"/>
-            <a:ext cx="8026463" cy="470519"/>
-          </a:xfrm>
-          <a:prstGeom prst="rect">
-            <a:avLst/>
-          </a:prstGeom>
-          <a:solidFill>
-            <a:schemeClr val="accent6"/>
-          </a:solidFill>
-          <a:ln>
-            <a:noFill/>
-          </a:ln>
-        </p:spPr>
-        <p:style>
-          <a:lnRef idx="2">
-            <a:schemeClr val="accent1">
-              <a:shade val="50000"/>
-            </a:schemeClr>
-          </a:lnRef>
-          <a:fillRef idx="1">
-            <a:schemeClr val="accent1"/>
-          </a:fillRef>
-          <a:effectRef idx="0">
-            <a:schemeClr val="accent1"/>
-          </a:effectRef>
-          <a:fontRef idx="minor">
-            <a:schemeClr val="lt1"/>
-          </a:fontRef>
-        </p:style>
-        <p:txBody>
-          <a:bodyPr rtlCol="0" anchor="ctr"/>
-          <a:lstStyle/>
-          <a:p>
-            <a:pPr algn="ctr"/>
-            <a:r>
-              <a:rPr lang="en-US" sz="1400" b="1" u="sng" dirty="0"/>
-              <a:t>In this case use a “left” join</a:t>
-            </a:r>
-          </a:p>
-        </p:txBody>
-      </p:sp>
-      <p:sp>
-        <p:nvSpPr>
-          <p:cNvPr id="12" name="Freeform 11">
-            <a:extLst>
-              <a:ext uri="{FF2B5EF4-FFF2-40B4-BE49-F238E27FC236}">
-                <a16:creationId xmlns:a16="http://schemas.microsoft.com/office/drawing/2014/main" id="{42A78397-5370-F243-2508-B901B40B0FC2}"/>
-              </a:ext>
-            </a:extLst>
-          </p:cNvPr>
-          <p:cNvSpPr/>
-          <p:nvPr/>
-        </p:nvSpPr>
-        <p:spPr>
-          <a:xfrm>
-            <a:off x="4399368" y="2706955"/>
-            <a:ext cx="442596" cy="1332787"/>
-          </a:xfrm>
-          <a:custGeom>
-            <a:avLst/>
-            <a:gdLst>
-              <a:gd name="connsiteX0" fmla="*/ 221298 w 442596"/>
-              <a:gd name="connsiteY0" fmla="*/ 0 h 1332787"/>
-              <a:gd name="connsiteX1" fmla="*/ 251294 w 442596"/>
-              <a:gd name="connsiteY1" fmla="*/ 40112 h 1332787"/>
-              <a:gd name="connsiteX2" fmla="*/ 442596 w 442596"/>
-              <a:gd name="connsiteY2" fmla="*/ 666393 h 1332787"/>
-              <a:gd name="connsiteX3" fmla="*/ 251294 w 442596"/>
-              <a:gd name="connsiteY3" fmla="*/ 1292674 h 1332787"/>
-              <a:gd name="connsiteX4" fmla="*/ 221298 w 442596"/>
-              <a:gd name="connsiteY4" fmla="*/ 1332787 h 1332787"/>
-              <a:gd name="connsiteX5" fmla="*/ 191302 w 442596"/>
-              <a:gd name="connsiteY5" fmla="*/ 1292674 h 1332787"/>
-              <a:gd name="connsiteX6" fmla="*/ 0 w 442596"/>
-              <a:gd name="connsiteY6" fmla="*/ 666393 h 1332787"/>
-              <a:gd name="connsiteX7" fmla="*/ 191302 w 442596"/>
-              <a:gd name="connsiteY7" fmla="*/ 40112 h 1332787"/>
-              <a:gd name="connsiteX8" fmla="*/ 221298 w 442596"/>
-              <a:gd name="connsiteY8" fmla="*/ 0 h 1332787"/>
-            </a:gdLst>
-            <a:ahLst/>
-            <a:cxnLst>
-              <a:cxn ang="0">
-                <a:pos x="connsiteX0" y="connsiteY0"/>
-              </a:cxn>
-              <a:cxn ang="0">
-                <a:pos x="connsiteX1" y="connsiteY1"/>
-              </a:cxn>
-              <a:cxn ang="0">
-                <a:pos x="connsiteX2" y="connsiteY2"/>
-              </a:cxn>
-              <a:cxn ang="0">
-                <a:pos x="connsiteX3" y="connsiteY3"/>
-              </a:cxn>
-              <a:cxn ang="0">
-                <a:pos x="connsiteX4" y="connsiteY4"/>
-              </a:cxn>
-              <a:cxn ang="0">
-                <a:pos x="connsiteX5" y="connsiteY5"/>
-              </a:cxn>
-              <a:cxn ang="0">
-                <a:pos x="connsiteX6" y="connsiteY6"/>
-              </a:cxn>
-              <a:cxn ang="0">
-                <a:pos x="connsiteX7" y="connsiteY7"/>
-              </a:cxn>
-              <a:cxn ang="0">
-                <a:pos x="connsiteX8" y="connsiteY8"/>
-              </a:cxn>
-            </a:cxnLst>
-            <a:rect l="l" t="t" r="r" b="b"/>
-            <a:pathLst>
-              <a:path w="442596" h="1332787">
-                <a:moveTo>
-                  <a:pt x="221298" y="0"/>
-                </a:moveTo>
-                <a:lnTo>
-                  <a:pt x="251294" y="40112"/>
-                </a:lnTo>
-                <a:cubicBezTo>
-                  <a:pt x="372072" y="218888"/>
-                  <a:pt x="442596" y="434405"/>
-                  <a:pt x="442596" y="666393"/>
-                </a:cubicBezTo>
-                <a:cubicBezTo>
-                  <a:pt x="442596" y="898382"/>
-                  <a:pt x="372072" y="1113898"/>
-                  <a:pt x="251294" y="1292674"/>
-                </a:cubicBezTo>
-                <a:lnTo>
-                  <a:pt x="221298" y="1332787"/>
-                </a:lnTo>
-                <a:lnTo>
-                  <a:pt x="191302" y="1292674"/>
-                </a:lnTo>
-                <a:cubicBezTo>
-                  <a:pt x="70524" y="1113898"/>
-                  <a:pt x="0" y="898382"/>
-                  <a:pt x="0" y="666393"/>
-                </a:cubicBezTo>
-                <a:cubicBezTo>
-                  <a:pt x="0" y="434405"/>
-                  <a:pt x="70524" y="218888"/>
-                  <a:pt x="191302" y="40112"/>
-                </a:cubicBezTo>
-                <a:lnTo>
-                  <a:pt x="221298" y="0"/>
-                </a:lnTo>
-                <a:close/>
-              </a:path>
-            </a:pathLst>
-          </a:custGeom>
-          <a:solidFill>
-            <a:schemeClr val="accent2"/>
-          </a:solidFill>
-        </p:spPr>
-        <p:style>
-          <a:lnRef idx="2">
-            <a:schemeClr val="accent1">
-              <a:shade val="50000"/>
-            </a:schemeClr>
-          </a:lnRef>
-          <a:fillRef idx="1">
-            <a:schemeClr val="accent1"/>
-          </a:fillRef>
-          <a:effectRef idx="0">
-            <a:schemeClr val="accent1"/>
-          </a:effectRef>
-          <a:fontRef idx="minor">
-            <a:schemeClr val="lt1"/>
-          </a:fontRef>
-        </p:style>
-        <p:txBody>
-          <a:bodyPr wrap="square" rtlCol="0" anchor="ctr">
-            <a:noAutofit/>
-          </a:bodyPr>
-          <a:lstStyle/>
-          <a:p>
-            <a:pPr algn="ctr"/>
-            <a:endParaRPr lang="en-US" dirty="0"/>
-          </a:p>
-        </p:txBody>
-      </p:sp>
-      <p:sp>
-        <p:nvSpPr>
-          <p:cNvPr id="11" name="Freeform 10">
-            <a:extLst>
-              <a:ext uri="{FF2B5EF4-FFF2-40B4-BE49-F238E27FC236}">
-                <a16:creationId xmlns:a16="http://schemas.microsoft.com/office/drawing/2014/main" id="{1F612FED-6126-8C7B-8025-FCDB739F80FD}"/>
-              </a:ext>
-            </a:extLst>
-          </p:cNvPr>
-          <p:cNvSpPr/>
-          <p:nvPr/>
-        </p:nvSpPr>
-        <p:spPr>
-          <a:xfrm>
-            <a:off x="2601684" y="2253207"/>
-            <a:ext cx="2018982" cy="2240280"/>
-          </a:xfrm>
-          <a:custGeom>
-            <a:avLst/>
-            <a:gdLst>
-              <a:gd name="connsiteX0" fmla="*/ 1120140 w 2018982"/>
-              <a:gd name="connsiteY0" fmla="*/ 0 h 2240280"/>
-              <a:gd name="connsiteX1" fmla="*/ 1984494 w 2018982"/>
-              <a:gd name="connsiteY1" fmla="*/ 407627 h 2240280"/>
-              <a:gd name="connsiteX2" fmla="*/ 2018982 w 2018982"/>
-              <a:gd name="connsiteY2" fmla="*/ 453747 h 2240280"/>
-              <a:gd name="connsiteX3" fmla="*/ 1988986 w 2018982"/>
-              <a:gd name="connsiteY3" fmla="*/ 493859 h 2240280"/>
-              <a:gd name="connsiteX4" fmla="*/ 1797684 w 2018982"/>
-              <a:gd name="connsiteY4" fmla="*/ 1120140 h 2240280"/>
-              <a:gd name="connsiteX5" fmla="*/ 1988986 w 2018982"/>
-              <a:gd name="connsiteY5" fmla="*/ 1746421 h 2240280"/>
-              <a:gd name="connsiteX6" fmla="*/ 2018982 w 2018982"/>
-              <a:gd name="connsiteY6" fmla="*/ 1786534 h 2240280"/>
-              <a:gd name="connsiteX7" fmla="*/ 1984494 w 2018982"/>
-              <a:gd name="connsiteY7" fmla="*/ 1832653 h 2240280"/>
-              <a:gd name="connsiteX8" fmla="*/ 1120140 w 2018982"/>
-              <a:gd name="connsiteY8" fmla="*/ 2240280 h 2240280"/>
-              <a:gd name="connsiteX9" fmla="*/ 0 w 2018982"/>
-              <a:gd name="connsiteY9" fmla="*/ 1120140 h 2240280"/>
-              <a:gd name="connsiteX10" fmla="*/ 1120140 w 2018982"/>
-              <a:gd name="connsiteY10" fmla="*/ 0 h 2240280"/>
-            </a:gdLst>
-            <a:ahLst/>
-            <a:cxnLst>
-              <a:cxn ang="0">
-                <a:pos x="connsiteX0" y="connsiteY0"/>
-              </a:cxn>
-              <a:cxn ang="0">
-                <a:pos x="connsiteX1" y="connsiteY1"/>
-              </a:cxn>
-              <a:cxn ang="0">
-                <a:pos x="connsiteX2" y="connsiteY2"/>
-              </a:cxn>
-              <a:cxn ang="0">
-                <a:pos x="connsiteX3" y="connsiteY3"/>
-              </a:cxn>
-              <a:cxn ang="0">
-                <a:pos x="connsiteX4" y="connsiteY4"/>
-              </a:cxn>
-              <a:cxn ang="0">
-                <a:pos x="connsiteX5" y="connsiteY5"/>
-              </a:cxn>
-              <a:cxn ang="0">
-                <a:pos x="connsiteX6" y="connsiteY6"/>
-              </a:cxn>
-              <a:cxn ang="0">
-                <a:pos x="connsiteX7" y="connsiteY7"/>
-              </a:cxn>
-              <a:cxn ang="0">
-                <a:pos x="connsiteX8" y="connsiteY8"/>
-              </a:cxn>
-              <a:cxn ang="0">
-                <a:pos x="connsiteX9" y="connsiteY9"/>
-              </a:cxn>
-              <a:cxn ang="0">
-                <a:pos x="connsiteX10" y="connsiteY10"/>
-              </a:cxn>
-            </a:cxnLst>
-            <a:rect l="l" t="t" r="r" b="b"/>
-            <a:pathLst>
-              <a:path w="2018982" h="2240280">
-                <a:moveTo>
-                  <a:pt x="1120140" y="0"/>
-                </a:moveTo>
-                <a:cubicBezTo>
-                  <a:pt x="1468123" y="0"/>
-                  <a:pt x="1779044" y="158679"/>
-                  <a:pt x="1984494" y="407627"/>
-                </a:cubicBezTo>
-                <a:lnTo>
-                  <a:pt x="2018982" y="453747"/>
-                </a:lnTo>
-                <a:lnTo>
-                  <a:pt x="1988986" y="493859"/>
-                </a:lnTo>
-                <a:cubicBezTo>
-                  <a:pt x="1868208" y="672635"/>
-                  <a:pt x="1797684" y="888152"/>
-                  <a:pt x="1797684" y="1120140"/>
-                </a:cubicBezTo>
-                <a:cubicBezTo>
-                  <a:pt x="1797684" y="1352129"/>
-                  <a:pt x="1868208" y="1567645"/>
-                  <a:pt x="1988986" y="1746421"/>
-                </a:cubicBezTo>
-                <a:lnTo>
-                  <a:pt x="2018982" y="1786534"/>
-                </a:lnTo>
-                <a:lnTo>
-                  <a:pt x="1984494" y="1832653"/>
-                </a:lnTo>
-                <a:cubicBezTo>
-                  <a:pt x="1779044" y="2081601"/>
-                  <a:pt x="1468123" y="2240280"/>
-                  <a:pt x="1120140" y="2240280"/>
-                </a:cubicBezTo>
-                <a:cubicBezTo>
-                  <a:pt x="501504" y="2240280"/>
-                  <a:pt x="0" y="1738776"/>
-                  <a:pt x="0" y="1120140"/>
-                </a:cubicBezTo>
-                <a:cubicBezTo>
-                  <a:pt x="0" y="501504"/>
-                  <a:pt x="501504" y="0"/>
-                  <a:pt x="1120140" y="0"/>
-                </a:cubicBezTo>
-                <a:close/>
-              </a:path>
-            </a:pathLst>
-          </a:custGeom>
-          <a:solidFill>
-            <a:schemeClr val="accent2"/>
-          </a:solidFill>
-        </p:spPr>
-        <p:style>
-          <a:lnRef idx="2">
-            <a:schemeClr val="accent1">
-              <a:shade val="50000"/>
-            </a:schemeClr>
-          </a:lnRef>
-          <a:fillRef idx="1">
-            <a:schemeClr val="accent1"/>
-          </a:fillRef>
-          <a:effectRef idx="0">
-            <a:schemeClr val="accent1"/>
-          </a:effectRef>
-          <a:fontRef idx="minor">
-            <a:schemeClr val="lt1"/>
-          </a:fontRef>
-        </p:style>
-        <p:txBody>
-          <a:bodyPr wrap="square" rtlCol="0" anchor="ctr">
-            <a:noAutofit/>
-          </a:bodyPr>
-          <a:lstStyle/>
-          <a:p>
-            <a:pPr algn="ctr"/>
-            <a:r>
-              <a:rPr lang="en-US" dirty="0"/>
-              <a:t>Table A</a:t>
-            </a:r>
-          </a:p>
-        </p:txBody>
-      </p:sp>
-      <p:sp>
-        <p:nvSpPr>
-          <p:cNvPr id="3" name="Freeform 2">
-            <a:extLst>
-              <a:ext uri="{FF2B5EF4-FFF2-40B4-BE49-F238E27FC236}">
-                <a16:creationId xmlns:a16="http://schemas.microsoft.com/office/drawing/2014/main" id="{9800262D-7EB6-BEA3-9C45-A948336D9680}"/>
-              </a:ext>
-            </a:extLst>
-          </p:cNvPr>
-          <p:cNvSpPr/>
-          <p:nvPr/>
-        </p:nvSpPr>
-        <p:spPr>
-          <a:xfrm>
-            <a:off x="4620666" y="2253207"/>
-            <a:ext cx="2018982" cy="2240280"/>
-          </a:xfrm>
-          <a:custGeom>
-            <a:avLst/>
-            <a:gdLst>
-              <a:gd name="connsiteX0" fmla="*/ 898842 w 2018982"/>
-              <a:gd name="connsiteY0" fmla="*/ 0 h 2240280"/>
-              <a:gd name="connsiteX1" fmla="*/ 2018982 w 2018982"/>
-              <a:gd name="connsiteY1" fmla="*/ 1120140 h 2240280"/>
-              <a:gd name="connsiteX2" fmla="*/ 898842 w 2018982"/>
-              <a:gd name="connsiteY2" fmla="*/ 2240280 h 2240280"/>
-              <a:gd name="connsiteX3" fmla="*/ 34488 w 2018982"/>
-              <a:gd name="connsiteY3" fmla="*/ 1832653 h 2240280"/>
-              <a:gd name="connsiteX4" fmla="*/ 0 w 2018982"/>
-              <a:gd name="connsiteY4" fmla="*/ 1786534 h 2240280"/>
-              <a:gd name="connsiteX5" fmla="*/ 29996 w 2018982"/>
-              <a:gd name="connsiteY5" fmla="*/ 1746421 h 2240280"/>
-              <a:gd name="connsiteX6" fmla="*/ 221298 w 2018982"/>
-              <a:gd name="connsiteY6" fmla="*/ 1120140 h 2240280"/>
-              <a:gd name="connsiteX7" fmla="*/ 29996 w 2018982"/>
-              <a:gd name="connsiteY7" fmla="*/ 493859 h 2240280"/>
-              <a:gd name="connsiteX8" fmla="*/ 0 w 2018982"/>
-              <a:gd name="connsiteY8" fmla="*/ 453747 h 2240280"/>
-              <a:gd name="connsiteX9" fmla="*/ 34488 w 2018982"/>
-              <a:gd name="connsiteY9" fmla="*/ 407627 h 2240280"/>
-              <a:gd name="connsiteX10" fmla="*/ 898842 w 2018982"/>
-              <a:gd name="connsiteY10" fmla="*/ 0 h 2240280"/>
-            </a:gdLst>
-            <a:ahLst/>
-            <a:cxnLst>
-              <a:cxn ang="0">
-                <a:pos x="connsiteX0" y="connsiteY0"/>
-              </a:cxn>
-              <a:cxn ang="0">
-                <a:pos x="connsiteX1" y="connsiteY1"/>
-              </a:cxn>
-              <a:cxn ang="0">
-                <a:pos x="connsiteX2" y="connsiteY2"/>
-              </a:cxn>
-              <a:cxn ang="0">
-                <a:pos x="connsiteX3" y="connsiteY3"/>
-              </a:cxn>
-              <a:cxn ang="0">
-                <a:pos x="connsiteX4" y="connsiteY4"/>
-              </a:cxn>
-              <a:cxn ang="0">
-                <a:pos x="connsiteX5" y="connsiteY5"/>
-              </a:cxn>
-              <a:cxn ang="0">
-                <a:pos x="connsiteX6" y="connsiteY6"/>
-              </a:cxn>
-              <a:cxn ang="0">
-                <a:pos x="connsiteX7" y="connsiteY7"/>
-              </a:cxn>
-              <a:cxn ang="0">
-                <a:pos x="connsiteX8" y="connsiteY8"/>
-              </a:cxn>
-              <a:cxn ang="0">
-                <a:pos x="connsiteX9" y="connsiteY9"/>
-              </a:cxn>
-              <a:cxn ang="0">
-                <a:pos x="connsiteX10" y="connsiteY10"/>
-              </a:cxn>
-            </a:cxnLst>
-            <a:rect l="l" t="t" r="r" b="b"/>
-            <a:pathLst>
-              <a:path w="2018982" h="2240280">
-                <a:moveTo>
-                  <a:pt x="898842" y="0"/>
-                </a:moveTo>
-                <a:cubicBezTo>
-                  <a:pt x="1517478" y="0"/>
-                  <a:pt x="2018982" y="501504"/>
-                  <a:pt x="2018982" y="1120140"/>
-                </a:cubicBezTo>
-                <a:cubicBezTo>
-                  <a:pt x="2018982" y="1738776"/>
-                  <a:pt x="1517478" y="2240280"/>
-                  <a:pt x="898842" y="2240280"/>
-                </a:cubicBezTo>
-                <a:cubicBezTo>
-                  <a:pt x="550859" y="2240280"/>
-                  <a:pt x="239938" y="2081601"/>
-                  <a:pt x="34488" y="1832653"/>
-                </a:cubicBezTo>
-                <a:lnTo>
-                  <a:pt x="0" y="1786534"/>
-                </a:lnTo>
-                <a:lnTo>
-                  <a:pt x="29996" y="1746421"/>
-                </a:lnTo>
-                <a:cubicBezTo>
-                  <a:pt x="150774" y="1567645"/>
-                  <a:pt x="221298" y="1352129"/>
-                  <a:pt x="221298" y="1120140"/>
-                </a:cubicBezTo>
-                <a:cubicBezTo>
-                  <a:pt x="221298" y="888152"/>
-                  <a:pt x="150774" y="672635"/>
-                  <a:pt x="29996" y="493859"/>
-                </a:cubicBezTo>
-                <a:lnTo>
-                  <a:pt x="0" y="453747"/>
-                </a:lnTo>
-                <a:lnTo>
-                  <a:pt x="34488" y="407627"/>
-                </a:lnTo>
-                <a:cubicBezTo>
-                  <a:pt x="239938" y="158679"/>
-                  <a:pt x="550859" y="0"/>
-                  <a:pt x="898842" y="0"/>
-                </a:cubicBezTo>
-                <a:close/>
-              </a:path>
-            </a:pathLst>
-          </a:custGeom>
-          <a:noFill/>
-        </p:spPr>
-        <p:style>
-          <a:lnRef idx="2">
-            <a:schemeClr val="accent1">
-              <a:shade val="50000"/>
-            </a:schemeClr>
-          </a:lnRef>
-          <a:fillRef idx="1">
-            <a:schemeClr val="accent1"/>
-          </a:fillRef>
-          <a:effectRef idx="0">
-            <a:schemeClr val="accent1"/>
-          </a:effectRef>
-          <a:fontRef idx="minor">
-            <a:schemeClr val="lt1"/>
-          </a:fontRef>
-        </p:style>
-        <p:txBody>
-          <a:bodyPr wrap="square" rtlCol="0" anchor="ctr">
-            <a:noAutofit/>
-          </a:bodyPr>
-          <a:lstStyle/>
-          <a:p>
-            <a:pPr algn="ctr"/>
-            <a:endParaRPr lang="en-US" dirty="0">
-              <a:ln>
-                <a:solidFill>
-                  <a:sysClr val="windowText" lastClr="000000"/>
-                </a:solidFill>
-              </a:ln>
-            </a:endParaRPr>
-          </a:p>
-        </p:txBody>
-      </p:sp>
-      <p:sp>
-        <p:nvSpPr>
-          <p:cNvPr id="13" name="TextBox 12">
-            <a:extLst>
-              <a:ext uri="{FF2B5EF4-FFF2-40B4-BE49-F238E27FC236}">
-                <a16:creationId xmlns:a16="http://schemas.microsoft.com/office/drawing/2014/main" id="{2C177C5D-C201-33E7-817F-4924EE7C09DC}"/>
-              </a:ext>
-            </a:extLst>
-          </p:cNvPr>
-          <p:cNvSpPr txBox="1"/>
-          <p:nvPr/>
-        </p:nvSpPr>
-        <p:spPr>
-          <a:xfrm>
-            <a:off x="4928616" y="3059668"/>
-            <a:ext cx="1489734" cy="738664"/>
-          </a:xfrm>
-          <a:prstGeom prst="rect">
-            <a:avLst/>
-          </a:prstGeom>
-          <a:noFill/>
-        </p:spPr>
-        <p:txBody>
-          <a:bodyPr wrap="square" rtlCol="0">
-            <a:spAutoFit/>
-          </a:bodyPr>
-          <a:lstStyle/>
-          <a:p>
-            <a:pPr algn="ctr"/>
-            <a:r>
-              <a:rPr lang="en-US" sz="1400" dirty="0">
-                <a:highlight>
-                  <a:srgbClr val="FFFF00"/>
-                </a:highlight>
-              </a:rPr>
-              <a:t>Records in table B NOT in Table A are dropped. </a:t>
-            </a:r>
-          </a:p>
-        </p:txBody>
-      </p:sp>
-    </p:spTree>
-    <p:extLst>
-      <p:ext uri="{BB962C8B-B14F-4D97-AF65-F5344CB8AC3E}">
-        <p14:creationId xmlns:p14="http://schemas.microsoft.com/office/powerpoint/2010/main" val="2703618904"/>
-      </p:ext>
-    </p:extLst>
-  </p:cSld>
-  <p:clrMapOvr>
-    <a:masterClrMapping/>
-  </p:clrMapOvr>
-</p:sld>
-</file>
-
-<file path=ppt/slides/slide12.xml><?xml version="1.0" encoding="utf-8"?>
-<p:sld xmlns:a="http://schemas.openxmlformats.org/drawingml/2006/main" xmlns:r="http://schemas.openxmlformats.org/officeDocument/2006/relationships" xmlns:p="http://schemas.openxmlformats.org/presentationml/2006/main">
-  <p:cSld>
-    <p:spTree>
-      <p:nvGrpSpPr>
-        <p:cNvPr id="1" name=""/>
-        <p:cNvGrpSpPr/>
-        <p:nvPr/>
-      </p:nvGrpSpPr>
-      <p:grpSpPr>
-        <a:xfrm>
-          <a:off x="0" y="0"/>
-          <a:ext cx="0" cy="0"/>
-          <a:chOff x="0" y="0"/>
-          <a:chExt cx="0" cy="0"/>
-        </a:xfrm>
-      </p:grpSpPr>
-      <p:sp>
-        <p:nvSpPr>
-          <p:cNvPr id="2" name="Title 1">
-            <a:extLst>
-              <a:ext uri="{FF2B5EF4-FFF2-40B4-BE49-F238E27FC236}">
-                <a16:creationId xmlns:a16="http://schemas.microsoft.com/office/drawing/2014/main" id="{C2704038-62BD-A58E-658D-441C9591EB0F}"/>
-              </a:ext>
-            </a:extLst>
-          </p:cNvPr>
-          <p:cNvSpPr>
-            <a:spLocks noGrp="1"/>
-          </p:cNvSpPr>
-          <p:nvPr>
-            <p:ph type="title"/>
-          </p:nvPr>
-        </p:nvSpPr>
-        <p:spPr>
-          <a:xfrm>
-            <a:off x="182880" y="383980"/>
-            <a:ext cx="8823960" cy="591477"/>
-          </a:xfrm>
-        </p:spPr>
-        <p:txBody>
-          <a:bodyPr/>
-          <a:lstStyle/>
-          <a:p>
-            <a:r>
-              <a:rPr lang="en-US" sz="2400" dirty="0"/>
-              <a:t>Do you want to retain all records in table B &amp; append table A data?</a:t>
-            </a:r>
-          </a:p>
-        </p:txBody>
-      </p:sp>
-      <p:sp>
-        <p:nvSpPr>
-          <p:cNvPr id="4" name="Date Placeholder 3">
-            <a:extLst>
-              <a:ext uri="{FF2B5EF4-FFF2-40B4-BE49-F238E27FC236}">
-                <a16:creationId xmlns:a16="http://schemas.microsoft.com/office/drawing/2014/main" id="{000CE65B-D69B-61C8-C75D-E14AA9434086}"/>
-              </a:ext>
-            </a:extLst>
-          </p:cNvPr>
-          <p:cNvSpPr>
-            <a:spLocks noGrp="1"/>
-          </p:cNvSpPr>
-          <p:nvPr>
-            <p:ph type="dt" sz="half" idx="10"/>
-          </p:nvPr>
-        </p:nvSpPr>
-        <p:spPr/>
-        <p:txBody>
-          <a:bodyPr/>
-          <a:lstStyle/>
-          <a:p>
-            <a:fld id="{D753EFC8-4232-4598-94F6-94C0EBAFC469}" type="datetime1">
-              <a:rPr lang="en-US" smtClean="0"/>
-              <a:t>9/5/22</a:t>
-            </a:fld>
-            <a:endParaRPr lang="en-US"/>
-          </a:p>
-        </p:txBody>
-      </p:sp>
-      <p:sp>
-        <p:nvSpPr>
-          <p:cNvPr id="5" name="Slide Number Placeholder 4">
-            <a:extLst>
-              <a:ext uri="{FF2B5EF4-FFF2-40B4-BE49-F238E27FC236}">
-                <a16:creationId xmlns:a16="http://schemas.microsoft.com/office/drawing/2014/main" id="{23A233B3-D793-7097-E8D3-34BD78666ED5}"/>
-              </a:ext>
-            </a:extLst>
-          </p:cNvPr>
-          <p:cNvSpPr>
-            <a:spLocks noGrp="1"/>
-          </p:cNvSpPr>
-          <p:nvPr>
-            <p:ph type="sldNum" sz="quarter" idx="12"/>
-          </p:nvPr>
-        </p:nvSpPr>
-        <p:spPr/>
-        <p:txBody>
-          <a:bodyPr/>
-          <a:lstStyle/>
-          <a:p>
-            <a:fld id="{37290FF7-652B-4475-AEAB-8B1A5D23AE09}" type="slidenum">
-              <a:rPr lang="en-US" smtClean="0"/>
-              <a:t>12</a:t>
-            </a:fld>
-            <a:endParaRPr lang="en-US"/>
-          </a:p>
-        </p:txBody>
-      </p:sp>
-      <p:sp>
-        <p:nvSpPr>
-          <p:cNvPr id="6" name="Footer Placeholder 5">
-            <a:extLst>
-              <a:ext uri="{FF2B5EF4-FFF2-40B4-BE49-F238E27FC236}">
-                <a16:creationId xmlns:a16="http://schemas.microsoft.com/office/drawing/2014/main" id="{6993DB78-1B87-A726-6130-55B4DA150BC8}"/>
-              </a:ext>
-            </a:extLst>
-          </p:cNvPr>
-          <p:cNvSpPr>
-            <a:spLocks noGrp="1"/>
-          </p:cNvSpPr>
-          <p:nvPr>
-            <p:ph type="ftr" sz="quarter" idx="3"/>
-          </p:nvPr>
-        </p:nvSpPr>
-        <p:spPr/>
-        <p:txBody>
-          <a:bodyPr/>
-          <a:lstStyle/>
-          <a:p>
-            <a:r>
-              <a:rPr lang="en-US"/>
-              <a:t>Kwartler CSCI S-96</a:t>
-            </a:r>
-            <a:endParaRPr lang="en-US" dirty="0"/>
-          </a:p>
-        </p:txBody>
-      </p:sp>
-      <p:sp>
-        <p:nvSpPr>
-          <p:cNvPr id="7" name="Rectangle 6">
-            <a:extLst>
-              <a:ext uri="{FF2B5EF4-FFF2-40B4-BE49-F238E27FC236}">
-                <a16:creationId xmlns:a16="http://schemas.microsoft.com/office/drawing/2014/main" id="{2BDBB0D3-2C1D-6778-EA80-ADAC3073197B}"/>
-              </a:ext>
-            </a:extLst>
-          </p:cNvPr>
-          <p:cNvSpPr/>
-          <p:nvPr/>
-        </p:nvSpPr>
-        <p:spPr>
-          <a:xfrm>
-            <a:off x="558769" y="5721081"/>
-            <a:ext cx="8026463" cy="470519"/>
-          </a:xfrm>
-          <a:prstGeom prst="rect">
-            <a:avLst/>
-          </a:prstGeom>
-          <a:solidFill>
-            <a:schemeClr val="accent6"/>
-          </a:solidFill>
-          <a:ln>
-            <a:noFill/>
-          </a:ln>
-        </p:spPr>
-        <p:style>
-          <a:lnRef idx="2">
-            <a:schemeClr val="accent1">
-              <a:shade val="50000"/>
-            </a:schemeClr>
-          </a:lnRef>
-          <a:fillRef idx="1">
-            <a:schemeClr val="accent1"/>
-          </a:fillRef>
-          <a:effectRef idx="0">
-            <a:schemeClr val="accent1"/>
-          </a:effectRef>
-          <a:fontRef idx="minor">
-            <a:schemeClr val="lt1"/>
-          </a:fontRef>
-        </p:style>
-        <p:txBody>
-          <a:bodyPr rtlCol="0" anchor="ctr"/>
-          <a:lstStyle/>
-          <a:p>
-            <a:pPr algn="ctr"/>
-            <a:r>
-              <a:rPr lang="en-US" sz="1400" b="1" u="sng" dirty="0"/>
-              <a:t>In this case use a “right” join</a:t>
-            </a:r>
-          </a:p>
-        </p:txBody>
-      </p:sp>
-      <p:sp>
-        <p:nvSpPr>
-          <p:cNvPr id="12" name="Freeform 11">
-            <a:extLst>
-              <a:ext uri="{FF2B5EF4-FFF2-40B4-BE49-F238E27FC236}">
-                <a16:creationId xmlns:a16="http://schemas.microsoft.com/office/drawing/2014/main" id="{42A78397-5370-F243-2508-B901B40B0FC2}"/>
-              </a:ext>
-            </a:extLst>
-          </p:cNvPr>
-          <p:cNvSpPr/>
-          <p:nvPr/>
-        </p:nvSpPr>
-        <p:spPr>
-          <a:xfrm>
-            <a:off x="4399368" y="2706955"/>
-            <a:ext cx="442596" cy="1332787"/>
-          </a:xfrm>
-          <a:custGeom>
-            <a:avLst/>
-            <a:gdLst>
-              <a:gd name="connsiteX0" fmla="*/ 221298 w 442596"/>
-              <a:gd name="connsiteY0" fmla="*/ 0 h 1332787"/>
-              <a:gd name="connsiteX1" fmla="*/ 251294 w 442596"/>
-              <a:gd name="connsiteY1" fmla="*/ 40112 h 1332787"/>
-              <a:gd name="connsiteX2" fmla="*/ 442596 w 442596"/>
-              <a:gd name="connsiteY2" fmla="*/ 666393 h 1332787"/>
-              <a:gd name="connsiteX3" fmla="*/ 251294 w 442596"/>
-              <a:gd name="connsiteY3" fmla="*/ 1292674 h 1332787"/>
-              <a:gd name="connsiteX4" fmla="*/ 221298 w 442596"/>
-              <a:gd name="connsiteY4" fmla="*/ 1332787 h 1332787"/>
-              <a:gd name="connsiteX5" fmla="*/ 191302 w 442596"/>
-              <a:gd name="connsiteY5" fmla="*/ 1292674 h 1332787"/>
-              <a:gd name="connsiteX6" fmla="*/ 0 w 442596"/>
-              <a:gd name="connsiteY6" fmla="*/ 666393 h 1332787"/>
-              <a:gd name="connsiteX7" fmla="*/ 191302 w 442596"/>
-              <a:gd name="connsiteY7" fmla="*/ 40112 h 1332787"/>
-              <a:gd name="connsiteX8" fmla="*/ 221298 w 442596"/>
-              <a:gd name="connsiteY8" fmla="*/ 0 h 1332787"/>
-            </a:gdLst>
-            <a:ahLst/>
-            <a:cxnLst>
-              <a:cxn ang="0">
-                <a:pos x="connsiteX0" y="connsiteY0"/>
-              </a:cxn>
-              <a:cxn ang="0">
-                <a:pos x="connsiteX1" y="connsiteY1"/>
-              </a:cxn>
-              <a:cxn ang="0">
-                <a:pos x="connsiteX2" y="connsiteY2"/>
-              </a:cxn>
-              <a:cxn ang="0">
-                <a:pos x="connsiteX3" y="connsiteY3"/>
-              </a:cxn>
-              <a:cxn ang="0">
-                <a:pos x="connsiteX4" y="connsiteY4"/>
-              </a:cxn>
-              <a:cxn ang="0">
-                <a:pos x="connsiteX5" y="connsiteY5"/>
-              </a:cxn>
-              <a:cxn ang="0">
-                <a:pos x="connsiteX6" y="connsiteY6"/>
-              </a:cxn>
-              <a:cxn ang="0">
-                <a:pos x="connsiteX7" y="connsiteY7"/>
-              </a:cxn>
-              <a:cxn ang="0">
-                <a:pos x="connsiteX8" y="connsiteY8"/>
-              </a:cxn>
-            </a:cxnLst>
-            <a:rect l="l" t="t" r="r" b="b"/>
-            <a:pathLst>
-              <a:path w="442596" h="1332787">
-                <a:moveTo>
-                  <a:pt x="221298" y="0"/>
-                </a:moveTo>
-                <a:lnTo>
-                  <a:pt x="251294" y="40112"/>
-                </a:lnTo>
-                <a:cubicBezTo>
-                  <a:pt x="372072" y="218888"/>
-                  <a:pt x="442596" y="434405"/>
-                  <a:pt x="442596" y="666393"/>
-                </a:cubicBezTo>
-                <a:cubicBezTo>
-                  <a:pt x="442596" y="898382"/>
-                  <a:pt x="372072" y="1113898"/>
-                  <a:pt x="251294" y="1292674"/>
-                </a:cubicBezTo>
-                <a:lnTo>
-                  <a:pt x="221298" y="1332787"/>
-                </a:lnTo>
-                <a:lnTo>
-                  <a:pt x="191302" y="1292674"/>
-                </a:lnTo>
-                <a:cubicBezTo>
-                  <a:pt x="70524" y="1113898"/>
-                  <a:pt x="0" y="898382"/>
-                  <a:pt x="0" y="666393"/>
-                </a:cubicBezTo>
-                <a:cubicBezTo>
-                  <a:pt x="0" y="434405"/>
-                  <a:pt x="70524" y="218888"/>
-                  <a:pt x="191302" y="40112"/>
-                </a:cubicBezTo>
-                <a:lnTo>
-                  <a:pt x="221298" y="0"/>
-                </a:lnTo>
-                <a:close/>
-              </a:path>
-            </a:pathLst>
-          </a:custGeom>
-          <a:solidFill>
-            <a:schemeClr val="accent2"/>
-          </a:solidFill>
-        </p:spPr>
-        <p:style>
-          <a:lnRef idx="2">
-            <a:schemeClr val="accent1">
-              <a:shade val="50000"/>
-            </a:schemeClr>
-          </a:lnRef>
-          <a:fillRef idx="1">
-            <a:schemeClr val="accent1"/>
-          </a:fillRef>
-          <a:effectRef idx="0">
-            <a:schemeClr val="accent1"/>
-          </a:effectRef>
-          <a:fontRef idx="minor">
-            <a:schemeClr val="lt1"/>
-          </a:fontRef>
-        </p:style>
-        <p:txBody>
-          <a:bodyPr wrap="square" rtlCol="0" anchor="ctr">
-            <a:noAutofit/>
-          </a:bodyPr>
-          <a:lstStyle/>
-          <a:p>
-            <a:pPr algn="ctr"/>
-            <a:endParaRPr lang="en-US" dirty="0"/>
-          </a:p>
-        </p:txBody>
-      </p:sp>
-      <p:sp>
-        <p:nvSpPr>
-          <p:cNvPr id="11" name="Freeform 10">
-            <a:extLst>
-              <a:ext uri="{FF2B5EF4-FFF2-40B4-BE49-F238E27FC236}">
-                <a16:creationId xmlns:a16="http://schemas.microsoft.com/office/drawing/2014/main" id="{1F612FED-6126-8C7B-8025-FCDB739F80FD}"/>
-              </a:ext>
-            </a:extLst>
-          </p:cNvPr>
-          <p:cNvSpPr/>
-          <p:nvPr/>
-        </p:nvSpPr>
-        <p:spPr>
-          <a:xfrm>
-            <a:off x="2601684" y="2253207"/>
-            <a:ext cx="2018982" cy="2240280"/>
-          </a:xfrm>
-          <a:custGeom>
-            <a:avLst/>
-            <a:gdLst>
-              <a:gd name="connsiteX0" fmla="*/ 1120140 w 2018982"/>
-              <a:gd name="connsiteY0" fmla="*/ 0 h 2240280"/>
-              <a:gd name="connsiteX1" fmla="*/ 1984494 w 2018982"/>
-              <a:gd name="connsiteY1" fmla="*/ 407627 h 2240280"/>
-              <a:gd name="connsiteX2" fmla="*/ 2018982 w 2018982"/>
-              <a:gd name="connsiteY2" fmla="*/ 453747 h 2240280"/>
-              <a:gd name="connsiteX3" fmla="*/ 1988986 w 2018982"/>
-              <a:gd name="connsiteY3" fmla="*/ 493859 h 2240280"/>
-              <a:gd name="connsiteX4" fmla="*/ 1797684 w 2018982"/>
-              <a:gd name="connsiteY4" fmla="*/ 1120140 h 2240280"/>
-              <a:gd name="connsiteX5" fmla="*/ 1988986 w 2018982"/>
-              <a:gd name="connsiteY5" fmla="*/ 1746421 h 2240280"/>
-              <a:gd name="connsiteX6" fmla="*/ 2018982 w 2018982"/>
-              <a:gd name="connsiteY6" fmla="*/ 1786534 h 2240280"/>
-              <a:gd name="connsiteX7" fmla="*/ 1984494 w 2018982"/>
-              <a:gd name="connsiteY7" fmla="*/ 1832653 h 2240280"/>
-              <a:gd name="connsiteX8" fmla="*/ 1120140 w 2018982"/>
-              <a:gd name="connsiteY8" fmla="*/ 2240280 h 2240280"/>
-              <a:gd name="connsiteX9" fmla="*/ 0 w 2018982"/>
-              <a:gd name="connsiteY9" fmla="*/ 1120140 h 2240280"/>
-              <a:gd name="connsiteX10" fmla="*/ 1120140 w 2018982"/>
-              <a:gd name="connsiteY10" fmla="*/ 0 h 2240280"/>
-            </a:gdLst>
-            <a:ahLst/>
-            <a:cxnLst>
-              <a:cxn ang="0">
-                <a:pos x="connsiteX0" y="connsiteY0"/>
-              </a:cxn>
-              <a:cxn ang="0">
-                <a:pos x="connsiteX1" y="connsiteY1"/>
-              </a:cxn>
-              <a:cxn ang="0">
-                <a:pos x="connsiteX2" y="connsiteY2"/>
-              </a:cxn>
-              <a:cxn ang="0">
-                <a:pos x="connsiteX3" y="connsiteY3"/>
-              </a:cxn>
-              <a:cxn ang="0">
-                <a:pos x="connsiteX4" y="connsiteY4"/>
-              </a:cxn>
-              <a:cxn ang="0">
-                <a:pos x="connsiteX5" y="connsiteY5"/>
-              </a:cxn>
-              <a:cxn ang="0">
-                <a:pos x="connsiteX6" y="connsiteY6"/>
-              </a:cxn>
-              <a:cxn ang="0">
-                <a:pos x="connsiteX7" y="connsiteY7"/>
-              </a:cxn>
-              <a:cxn ang="0">
-                <a:pos x="connsiteX8" y="connsiteY8"/>
-              </a:cxn>
-              <a:cxn ang="0">
-                <a:pos x="connsiteX9" y="connsiteY9"/>
-              </a:cxn>
-              <a:cxn ang="0">
-                <a:pos x="connsiteX10" y="connsiteY10"/>
-              </a:cxn>
-            </a:cxnLst>
-            <a:rect l="l" t="t" r="r" b="b"/>
-            <a:pathLst>
-              <a:path w="2018982" h="2240280">
-                <a:moveTo>
-                  <a:pt x="1120140" y="0"/>
-                </a:moveTo>
-                <a:cubicBezTo>
-                  <a:pt x="1468123" y="0"/>
-                  <a:pt x="1779044" y="158679"/>
-                  <a:pt x="1984494" y="407627"/>
-                </a:cubicBezTo>
-                <a:lnTo>
-                  <a:pt x="2018982" y="453747"/>
-                </a:lnTo>
-                <a:lnTo>
-                  <a:pt x="1988986" y="493859"/>
-                </a:lnTo>
-                <a:cubicBezTo>
-                  <a:pt x="1868208" y="672635"/>
-                  <a:pt x="1797684" y="888152"/>
-                  <a:pt x="1797684" y="1120140"/>
-                </a:cubicBezTo>
-                <a:cubicBezTo>
-                  <a:pt x="1797684" y="1352129"/>
-                  <a:pt x="1868208" y="1567645"/>
-                  <a:pt x="1988986" y="1746421"/>
-                </a:cubicBezTo>
-                <a:lnTo>
-                  <a:pt x="2018982" y="1786534"/>
-                </a:lnTo>
-                <a:lnTo>
-                  <a:pt x="1984494" y="1832653"/>
-                </a:lnTo>
-                <a:cubicBezTo>
-                  <a:pt x="1779044" y="2081601"/>
-                  <a:pt x="1468123" y="2240280"/>
-                  <a:pt x="1120140" y="2240280"/>
-                </a:cubicBezTo>
-                <a:cubicBezTo>
-                  <a:pt x="501504" y="2240280"/>
-                  <a:pt x="0" y="1738776"/>
-                  <a:pt x="0" y="1120140"/>
-                </a:cubicBezTo>
-                <a:cubicBezTo>
-                  <a:pt x="0" y="501504"/>
-                  <a:pt x="501504" y="0"/>
-                  <a:pt x="1120140" y="0"/>
-                </a:cubicBezTo>
-                <a:close/>
-              </a:path>
-            </a:pathLst>
-          </a:custGeom>
-          <a:noFill/>
-        </p:spPr>
-        <p:style>
-          <a:lnRef idx="2">
-            <a:schemeClr val="accent1">
-              <a:shade val="50000"/>
-            </a:schemeClr>
-          </a:lnRef>
-          <a:fillRef idx="1">
-            <a:schemeClr val="accent1"/>
-          </a:fillRef>
-          <a:effectRef idx="0">
-            <a:schemeClr val="accent1"/>
-          </a:effectRef>
-          <a:fontRef idx="minor">
-            <a:schemeClr val="lt1"/>
-          </a:fontRef>
-        </p:style>
-        <p:txBody>
-          <a:bodyPr wrap="square" rtlCol="0" anchor="ctr">
-            <a:noAutofit/>
-          </a:bodyPr>
-          <a:lstStyle/>
-          <a:p>
-            <a:pPr algn="ctr"/>
-            <a:endParaRPr lang="en-US" dirty="0"/>
-          </a:p>
-        </p:txBody>
-      </p:sp>
-      <p:sp>
-        <p:nvSpPr>
-          <p:cNvPr id="3" name="Freeform 2">
-            <a:extLst>
-              <a:ext uri="{FF2B5EF4-FFF2-40B4-BE49-F238E27FC236}">
-                <a16:creationId xmlns:a16="http://schemas.microsoft.com/office/drawing/2014/main" id="{9800262D-7EB6-BEA3-9C45-A948336D9680}"/>
-              </a:ext>
-            </a:extLst>
-          </p:cNvPr>
-          <p:cNvSpPr/>
-          <p:nvPr/>
-        </p:nvSpPr>
-        <p:spPr>
-          <a:xfrm>
-            <a:off x="4620666" y="2253207"/>
-            <a:ext cx="2018982" cy="2240280"/>
-          </a:xfrm>
-          <a:custGeom>
-            <a:avLst/>
-            <a:gdLst>
-              <a:gd name="connsiteX0" fmla="*/ 898842 w 2018982"/>
-              <a:gd name="connsiteY0" fmla="*/ 0 h 2240280"/>
-              <a:gd name="connsiteX1" fmla="*/ 2018982 w 2018982"/>
-              <a:gd name="connsiteY1" fmla="*/ 1120140 h 2240280"/>
-              <a:gd name="connsiteX2" fmla="*/ 898842 w 2018982"/>
-              <a:gd name="connsiteY2" fmla="*/ 2240280 h 2240280"/>
-              <a:gd name="connsiteX3" fmla="*/ 34488 w 2018982"/>
-              <a:gd name="connsiteY3" fmla="*/ 1832653 h 2240280"/>
-              <a:gd name="connsiteX4" fmla="*/ 0 w 2018982"/>
-              <a:gd name="connsiteY4" fmla="*/ 1786534 h 2240280"/>
-              <a:gd name="connsiteX5" fmla="*/ 29996 w 2018982"/>
-              <a:gd name="connsiteY5" fmla="*/ 1746421 h 2240280"/>
-              <a:gd name="connsiteX6" fmla="*/ 221298 w 2018982"/>
-              <a:gd name="connsiteY6" fmla="*/ 1120140 h 2240280"/>
-              <a:gd name="connsiteX7" fmla="*/ 29996 w 2018982"/>
-              <a:gd name="connsiteY7" fmla="*/ 493859 h 2240280"/>
-              <a:gd name="connsiteX8" fmla="*/ 0 w 2018982"/>
-              <a:gd name="connsiteY8" fmla="*/ 453747 h 2240280"/>
-              <a:gd name="connsiteX9" fmla="*/ 34488 w 2018982"/>
-              <a:gd name="connsiteY9" fmla="*/ 407627 h 2240280"/>
-              <a:gd name="connsiteX10" fmla="*/ 898842 w 2018982"/>
-              <a:gd name="connsiteY10" fmla="*/ 0 h 2240280"/>
-            </a:gdLst>
-            <a:ahLst/>
-            <a:cxnLst>
-              <a:cxn ang="0">
-                <a:pos x="connsiteX0" y="connsiteY0"/>
-              </a:cxn>
-              <a:cxn ang="0">
-                <a:pos x="connsiteX1" y="connsiteY1"/>
-              </a:cxn>
-              <a:cxn ang="0">
-                <a:pos x="connsiteX2" y="connsiteY2"/>
-              </a:cxn>
-              <a:cxn ang="0">
-                <a:pos x="connsiteX3" y="connsiteY3"/>
-              </a:cxn>
-              <a:cxn ang="0">
-                <a:pos x="connsiteX4" y="connsiteY4"/>
-              </a:cxn>
-              <a:cxn ang="0">
-                <a:pos x="connsiteX5" y="connsiteY5"/>
-              </a:cxn>
-              <a:cxn ang="0">
-                <a:pos x="connsiteX6" y="connsiteY6"/>
-              </a:cxn>
-              <a:cxn ang="0">
-                <a:pos x="connsiteX7" y="connsiteY7"/>
-              </a:cxn>
-              <a:cxn ang="0">
-                <a:pos x="connsiteX8" y="connsiteY8"/>
-              </a:cxn>
-              <a:cxn ang="0">
-                <a:pos x="connsiteX9" y="connsiteY9"/>
-              </a:cxn>
-              <a:cxn ang="0">
-                <a:pos x="connsiteX10" y="connsiteY10"/>
-              </a:cxn>
-            </a:cxnLst>
-            <a:rect l="l" t="t" r="r" b="b"/>
-            <a:pathLst>
-              <a:path w="2018982" h="2240280">
-                <a:moveTo>
-                  <a:pt x="898842" y="0"/>
-                </a:moveTo>
-                <a:cubicBezTo>
-                  <a:pt x="1517478" y="0"/>
-                  <a:pt x="2018982" y="501504"/>
-                  <a:pt x="2018982" y="1120140"/>
-                </a:cubicBezTo>
-                <a:cubicBezTo>
-                  <a:pt x="2018982" y="1738776"/>
-                  <a:pt x="1517478" y="2240280"/>
-                  <a:pt x="898842" y="2240280"/>
-                </a:cubicBezTo>
-                <a:cubicBezTo>
-                  <a:pt x="550859" y="2240280"/>
-                  <a:pt x="239938" y="2081601"/>
-                  <a:pt x="34488" y="1832653"/>
-                </a:cubicBezTo>
-                <a:lnTo>
-                  <a:pt x="0" y="1786534"/>
-                </a:lnTo>
-                <a:lnTo>
-                  <a:pt x="29996" y="1746421"/>
-                </a:lnTo>
-                <a:cubicBezTo>
-                  <a:pt x="150774" y="1567645"/>
-                  <a:pt x="221298" y="1352129"/>
-                  <a:pt x="221298" y="1120140"/>
-                </a:cubicBezTo>
-                <a:cubicBezTo>
-                  <a:pt x="221298" y="888152"/>
-                  <a:pt x="150774" y="672635"/>
-                  <a:pt x="29996" y="493859"/>
-                </a:cubicBezTo>
-                <a:lnTo>
-                  <a:pt x="0" y="453747"/>
-                </a:lnTo>
-                <a:lnTo>
-                  <a:pt x="34488" y="407627"/>
-                </a:lnTo>
-                <a:cubicBezTo>
-                  <a:pt x="239938" y="158679"/>
-                  <a:pt x="550859" y="0"/>
-                  <a:pt x="898842" y="0"/>
-                </a:cubicBezTo>
-                <a:close/>
-              </a:path>
-            </a:pathLst>
-          </a:custGeom>
-          <a:solidFill>
-            <a:schemeClr val="accent2"/>
-          </a:solidFill>
-        </p:spPr>
-        <p:style>
-          <a:lnRef idx="2">
-            <a:schemeClr val="accent1">
-              <a:shade val="50000"/>
-            </a:schemeClr>
-          </a:lnRef>
-          <a:fillRef idx="1">
-            <a:schemeClr val="accent1"/>
-          </a:fillRef>
-          <a:effectRef idx="0">
-            <a:schemeClr val="accent1"/>
-          </a:effectRef>
-          <a:fontRef idx="minor">
-            <a:schemeClr val="lt1"/>
-          </a:fontRef>
-        </p:style>
-        <p:txBody>
-          <a:bodyPr wrap="square" rtlCol="0" anchor="ctr">
-            <a:noAutofit/>
-          </a:bodyPr>
-          <a:lstStyle/>
-          <a:p>
-            <a:pPr algn="ctr"/>
-            <a:endParaRPr lang="en-US" dirty="0">
-              <a:ln>
-                <a:solidFill>
-                  <a:sysClr val="windowText" lastClr="000000"/>
-                </a:solidFill>
-              </a:ln>
-            </a:endParaRPr>
-          </a:p>
-        </p:txBody>
-      </p:sp>
-      <p:sp>
-        <p:nvSpPr>
-          <p:cNvPr id="13" name="TextBox 12">
-            <a:extLst>
-              <a:ext uri="{FF2B5EF4-FFF2-40B4-BE49-F238E27FC236}">
-                <a16:creationId xmlns:a16="http://schemas.microsoft.com/office/drawing/2014/main" id="{2C177C5D-C201-33E7-817F-4924EE7C09DC}"/>
-              </a:ext>
-            </a:extLst>
-          </p:cNvPr>
-          <p:cNvSpPr txBox="1"/>
-          <p:nvPr/>
-        </p:nvSpPr>
-        <p:spPr>
-          <a:xfrm>
-            <a:off x="2755659" y="3059668"/>
-            <a:ext cx="1489734" cy="738664"/>
-          </a:xfrm>
-          <a:prstGeom prst="rect">
-            <a:avLst/>
-          </a:prstGeom>
-          <a:noFill/>
-        </p:spPr>
-        <p:txBody>
-          <a:bodyPr wrap="square" rtlCol="0">
-            <a:spAutoFit/>
-          </a:bodyPr>
-          <a:lstStyle/>
-          <a:p>
-            <a:pPr algn="ctr"/>
-            <a:r>
-              <a:rPr lang="en-US" sz="1400" dirty="0">
-                <a:highlight>
-                  <a:srgbClr val="FFFF00"/>
-                </a:highlight>
-              </a:rPr>
-              <a:t>Records in table A NOT in Table B are dropped. </a:t>
-            </a:r>
-          </a:p>
-        </p:txBody>
-      </p:sp>
-    </p:spTree>
-    <p:extLst>
-      <p:ext uri="{BB962C8B-B14F-4D97-AF65-F5344CB8AC3E}">
-        <p14:creationId xmlns:p14="http://schemas.microsoft.com/office/powerpoint/2010/main" val="989329902"/>
-      </p:ext>
-    </p:extLst>
-  </p:cSld>
-  <p:clrMapOvr>
-    <a:masterClrMapping/>
-  </p:clrMapOvr>
-</p:sld>
-</file>
-
-<file path=ppt/slides/slide13.xml><?xml version="1.0" encoding="utf-8"?>
-<p:sld xmlns:a="http://schemas.openxmlformats.org/drawingml/2006/main" xmlns:r="http://schemas.openxmlformats.org/officeDocument/2006/relationships" xmlns:p="http://schemas.openxmlformats.org/presentationml/2006/main">
-  <p:cSld>
-    <p:spTree>
-      <p:nvGrpSpPr>
-        <p:cNvPr id="1" name=""/>
-        <p:cNvGrpSpPr/>
-        <p:nvPr/>
-      </p:nvGrpSpPr>
-      <p:grpSpPr>
-        <a:xfrm>
-          <a:off x="0" y="0"/>
-          <a:ext cx="0" cy="0"/>
-          <a:chOff x="0" y="0"/>
-          <a:chExt cx="0" cy="0"/>
-        </a:xfrm>
-      </p:grpSpPr>
-      <p:sp>
-        <p:nvSpPr>
-          <p:cNvPr id="2" name="Title 1">
-            <a:extLst>
-              <a:ext uri="{FF2B5EF4-FFF2-40B4-BE49-F238E27FC236}">
-                <a16:creationId xmlns:a16="http://schemas.microsoft.com/office/drawing/2014/main" id="{C2704038-62BD-A58E-658D-441C9591EB0F}"/>
-              </a:ext>
-            </a:extLst>
-          </p:cNvPr>
-          <p:cNvSpPr>
-            <a:spLocks noGrp="1"/>
-          </p:cNvSpPr>
-          <p:nvPr>
-            <p:ph type="title"/>
-          </p:nvPr>
-        </p:nvSpPr>
-        <p:spPr>
-          <a:xfrm>
-            <a:off x="182880" y="383980"/>
-            <a:ext cx="8823960" cy="591477"/>
-          </a:xfrm>
-        </p:spPr>
-        <p:txBody>
-          <a:bodyPr/>
-          <a:lstStyle/>
-          <a:p>
-            <a:r>
-              <a:rPr lang="en-US" sz="2400" dirty="0"/>
-              <a:t>Do you want to retain records only if they are in A &amp; B?</a:t>
-            </a:r>
-          </a:p>
-        </p:txBody>
-      </p:sp>
-      <p:sp>
-        <p:nvSpPr>
-          <p:cNvPr id="4" name="Date Placeholder 3">
-            <a:extLst>
-              <a:ext uri="{FF2B5EF4-FFF2-40B4-BE49-F238E27FC236}">
-                <a16:creationId xmlns:a16="http://schemas.microsoft.com/office/drawing/2014/main" id="{000CE65B-D69B-61C8-C75D-E14AA9434086}"/>
-              </a:ext>
-            </a:extLst>
-          </p:cNvPr>
-          <p:cNvSpPr>
-            <a:spLocks noGrp="1"/>
-          </p:cNvSpPr>
-          <p:nvPr>
-            <p:ph type="dt" sz="half" idx="10"/>
-          </p:nvPr>
-        </p:nvSpPr>
-        <p:spPr/>
-        <p:txBody>
-          <a:bodyPr/>
-          <a:lstStyle/>
-          <a:p>
-            <a:fld id="{D753EFC8-4232-4598-94F6-94C0EBAFC469}" type="datetime1">
-              <a:rPr lang="en-US" smtClean="0"/>
-              <a:t>9/5/22</a:t>
-            </a:fld>
-            <a:endParaRPr lang="en-US"/>
-          </a:p>
-        </p:txBody>
-      </p:sp>
-      <p:sp>
-        <p:nvSpPr>
-          <p:cNvPr id="5" name="Slide Number Placeholder 4">
-            <a:extLst>
-              <a:ext uri="{FF2B5EF4-FFF2-40B4-BE49-F238E27FC236}">
-                <a16:creationId xmlns:a16="http://schemas.microsoft.com/office/drawing/2014/main" id="{23A233B3-D793-7097-E8D3-34BD78666ED5}"/>
-              </a:ext>
-            </a:extLst>
-          </p:cNvPr>
-          <p:cNvSpPr>
-            <a:spLocks noGrp="1"/>
-          </p:cNvSpPr>
-          <p:nvPr>
-            <p:ph type="sldNum" sz="quarter" idx="12"/>
-          </p:nvPr>
-        </p:nvSpPr>
-        <p:spPr/>
-        <p:txBody>
-          <a:bodyPr/>
-          <a:lstStyle/>
-          <a:p>
-            <a:fld id="{37290FF7-652B-4475-AEAB-8B1A5D23AE09}" type="slidenum">
-              <a:rPr lang="en-US" smtClean="0"/>
-              <a:t>13</a:t>
-            </a:fld>
-            <a:endParaRPr lang="en-US"/>
-          </a:p>
-        </p:txBody>
-      </p:sp>
-      <p:sp>
-        <p:nvSpPr>
-          <p:cNvPr id="6" name="Footer Placeholder 5">
-            <a:extLst>
-              <a:ext uri="{FF2B5EF4-FFF2-40B4-BE49-F238E27FC236}">
-                <a16:creationId xmlns:a16="http://schemas.microsoft.com/office/drawing/2014/main" id="{6993DB78-1B87-A726-6130-55B4DA150BC8}"/>
-              </a:ext>
-            </a:extLst>
-          </p:cNvPr>
-          <p:cNvSpPr>
-            <a:spLocks noGrp="1"/>
-          </p:cNvSpPr>
-          <p:nvPr>
-            <p:ph type="ftr" sz="quarter" idx="3"/>
-          </p:nvPr>
-        </p:nvSpPr>
-        <p:spPr/>
-        <p:txBody>
-          <a:bodyPr/>
-          <a:lstStyle/>
-          <a:p>
-            <a:r>
-              <a:rPr lang="en-US"/>
-              <a:t>Kwartler CSCI S-96</a:t>
-            </a:r>
-            <a:endParaRPr lang="en-US" dirty="0"/>
-          </a:p>
-        </p:txBody>
-      </p:sp>
-      <p:sp>
-        <p:nvSpPr>
-          <p:cNvPr id="7" name="Rectangle 6">
-            <a:extLst>
-              <a:ext uri="{FF2B5EF4-FFF2-40B4-BE49-F238E27FC236}">
-                <a16:creationId xmlns:a16="http://schemas.microsoft.com/office/drawing/2014/main" id="{2BDBB0D3-2C1D-6778-EA80-ADAC3073197B}"/>
-              </a:ext>
-            </a:extLst>
-          </p:cNvPr>
-          <p:cNvSpPr/>
-          <p:nvPr/>
-        </p:nvSpPr>
-        <p:spPr>
-          <a:xfrm>
-            <a:off x="558769" y="5721081"/>
-            <a:ext cx="8026463" cy="470519"/>
-          </a:xfrm>
-          <a:prstGeom prst="rect">
-            <a:avLst/>
-          </a:prstGeom>
-          <a:solidFill>
-            <a:schemeClr val="accent6"/>
-          </a:solidFill>
-          <a:ln>
-            <a:noFill/>
-          </a:ln>
-        </p:spPr>
-        <p:style>
-          <a:lnRef idx="2">
-            <a:schemeClr val="accent1">
-              <a:shade val="50000"/>
-            </a:schemeClr>
-          </a:lnRef>
-          <a:fillRef idx="1">
-            <a:schemeClr val="accent1"/>
-          </a:fillRef>
-          <a:effectRef idx="0">
-            <a:schemeClr val="accent1"/>
-          </a:effectRef>
-          <a:fontRef idx="minor">
-            <a:schemeClr val="lt1"/>
-          </a:fontRef>
-        </p:style>
-        <p:txBody>
-          <a:bodyPr rtlCol="0" anchor="ctr"/>
-          <a:lstStyle/>
-          <a:p>
-            <a:pPr algn="ctr"/>
-            <a:r>
-              <a:rPr lang="en-US" sz="1400" b="1" u="sng" dirty="0"/>
-              <a:t>In this case use an “inner” join</a:t>
-            </a:r>
-          </a:p>
-        </p:txBody>
-      </p:sp>
-      <p:sp>
-        <p:nvSpPr>
-          <p:cNvPr id="12" name="Freeform 11">
-            <a:extLst>
-              <a:ext uri="{FF2B5EF4-FFF2-40B4-BE49-F238E27FC236}">
-                <a16:creationId xmlns:a16="http://schemas.microsoft.com/office/drawing/2014/main" id="{42A78397-5370-F243-2508-B901B40B0FC2}"/>
-              </a:ext>
-            </a:extLst>
-          </p:cNvPr>
-          <p:cNvSpPr/>
-          <p:nvPr/>
-        </p:nvSpPr>
-        <p:spPr>
-          <a:xfrm>
-            <a:off x="4399368" y="2706955"/>
-            <a:ext cx="442596" cy="1332787"/>
-          </a:xfrm>
-          <a:custGeom>
-            <a:avLst/>
-            <a:gdLst>
-              <a:gd name="connsiteX0" fmla="*/ 221298 w 442596"/>
-              <a:gd name="connsiteY0" fmla="*/ 0 h 1332787"/>
-              <a:gd name="connsiteX1" fmla="*/ 251294 w 442596"/>
-              <a:gd name="connsiteY1" fmla="*/ 40112 h 1332787"/>
-              <a:gd name="connsiteX2" fmla="*/ 442596 w 442596"/>
-              <a:gd name="connsiteY2" fmla="*/ 666393 h 1332787"/>
-              <a:gd name="connsiteX3" fmla="*/ 251294 w 442596"/>
-              <a:gd name="connsiteY3" fmla="*/ 1292674 h 1332787"/>
-              <a:gd name="connsiteX4" fmla="*/ 221298 w 442596"/>
-              <a:gd name="connsiteY4" fmla="*/ 1332787 h 1332787"/>
-              <a:gd name="connsiteX5" fmla="*/ 191302 w 442596"/>
-              <a:gd name="connsiteY5" fmla="*/ 1292674 h 1332787"/>
-              <a:gd name="connsiteX6" fmla="*/ 0 w 442596"/>
-              <a:gd name="connsiteY6" fmla="*/ 666393 h 1332787"/>
-              <a:gd name="connsiteX7" fmla="*/ 191302 w 442596"/>
-              <a:gd name="connsiteY7" fmla="*/ 40112 h 1332787"/>
-              <a:gd name="connsiteX8" fmla="*/ 221298 w 442596"/>
-              <a:gd name="connsiteY8" fmla="*/ 0 h 1332787"/>
-            </a:gdLst>
-            <a:ahLst/>
-            <a:cxnLst>
-              <a:cxn ang="0">
-                <a:pos x="connsiteX0" y="connsiteY0"/>
-              </a:cxn>
-              <a:cxn ang="0">
-                <a:pos x="connsiteX1" y="connsiteY1"/>
-              </a:cxn>
-              <a:cxn ang="0">
-                <a:pos x="connsiteX2" y="connsiteY2"/>
-              </a:cxn>
-              <a:cxn ang="0">
-                <a:pos x="connsiteX3" y="connsiteY3"/>
-              </a:cxn>
-              <a:cxn ang="0">
-                <a:pos x="connsiteX4" y="connsiteY4"/>
-              </a:cxn>
-              <a:cxn ang="0">
-                <a:pos x="connsiteX5" y="connsiteY5"/>
-              </a:cxn>
-              <a:cxn ang="0">
-                <a:pos x="connsiteX6" y="connsiteY6"/>
-              </a:cxn>
-              <a:cxn ang="0">
-                <a:pos x="connsiteX7" y="connsiteY7"/>
-              </a:cxn>
-              <a:cxn ang="0">
-                <a:pos x="connsiteX8" y="connsiteY8"/>
-              </a:cxn>
-            </a:cxnLst>
-            <a:rect l="l" t="t" r="r" b="b"/>
-            <a:pathLst>
-              <a:path w="442596" h="1332787">
-                <a:moveTo>
-                  <a:pt x="221298" y="0"/>
-                </a:moveTo>
-                <a:lnTo>
-                  <a:pt x="251294" y="40112"/>
-                </a:lnTo>
-                <a:cubicBezTo>
-                  <a:pt x="372072" y="218888"/>
-                  <a:pt x="442596" y="434405"/>
-                  <a:pt x="442596" y="666393"/>
-                </a:cubicBezTo>
-                <a:cubicBezTo>
-                  <a:pt x="442596" y="898382"/>
-                  <a:pt x="372072" y="1113898"/>
-                  <a:pt x="251294" y="1292674"/>
-                </a:cubicBezTo>
-                <a:lnTo>
-                  <a:pt x="221298" y="1332787"/>
-                </a:lnTo>
-                <a:lnTo>
-                  <a:pt x="191302" y="1292674"/>
-                </a:lnTo>
-                <a:cubicBezTo>
-                  <a:pt x="70524" y="1113898"/>
-                  <a:pt x="0" y="898382"/>
-                  <a:pt x="0" y="666393"/>
-                </a:cubicBezTo>
-                <a:cubicBezTo>
-                  <a:pt x="0" y="434405"/>
-                  <a:pt x="70524" y="218888"/>
-                  <a:pt x="191302" y="40112"/>
-                </a:cubicBezTo>
-                <a:lnTo>
-                  <a:pt x="221298" y="0"/>
-                </a:lnTo>
-                <a:close/>
-              </a:path>
-            </a:pathLst>
-          </a:custGeom>
-          <a:solidFill>
-            <a:schemeClr val="accent2"/>
-          </a:solidFill>
-        </p:spPr>
-        <p:style>
-          <a:lnRef idx="2">
-            <a:schemeClr val="accent1">
-              <a:shade val="50000"/>
-            </a:schemeClr>
-          </a:lnRef>
-          <a:fillRef idx="1">
-            <a:schemeClr val="accent1"/>
-          </a:fillRef>
-          <a:effectRef idx="0">
-            <a:schemeClr val="accent1"/>
-          </a:effectRef>
-          <a:fontRef idx="minor">
-            <a:schemeClr val="lt1"/>
-          </a:fontRef>
-        </p:style>
-        <p:txBody>
-          <a:bodyPr wrap="square" rtlCol="0" anchor="ctr">
-            <a:noAutofit/>
-          </a:bodyPr>
-          <a:lstStyle/>
-          <a:p>
-            <a:pPr algn="ctr"/>
-            <a:endParaRPr lang="en-US" dirty="0"/>
-          </a:p>
-        </p:txBody>
-      </p:sp>
-      <p:sp>
-        <p:nvSpPr>
-          <p:cNvPr id="11" name="Freeform 10">
-            <a:extLst>
-              <a:ext uri="{FF2B5EF4-FFF2-40B4-BE49-F238E27FC236}">
-                <a16:creationId xmlns:a16="http://schemas.microsoft.com/office/drawing/2014/main" id="{1F612FED-6126-8C7B-8025-FCDB739F80FD}"/>
-              </a:ext>
-            </a:extLst>
-          </p:cNvPr>
-          <p:cNvSpPr/>
-          <p:nvPr/>
-        </p:nvSpPr>
-        <p:spPr>
-          <a:xfrm>
-            <a:off x="2601684" y="2253207"/>
-            <a:ext cx="2018982" cy="2240280"/>
-          </a:xfrm>
-          <a:custGeom>
-            <a:avLst/>
-            <a:gdLst>
-              <a:gd name="connsiteX0" fmla="*/ 1120140 w 2018982"/>
-              <a:gd name="connsiteY0" fmla="*/ 0 h 2240280"/>
-              <a:gd name="connsiteX1" fmla="*/ 1984494 w 2018982"/>
-              <a:gd name="connsiteY1" fmla="*/ 407627 h 2240280"/>
-              <a:gd name="connsiteX2" fmla="*/ 2018982 w 2018982"/>
-              <a:gd name="connsiteY2" fmla="*/ 453747 h 2240280"/>
-              <a:gd name="connsiteX3" fmla="*/ 1988986 w 2018982"/>
-              <a:gd name="connsiteY3" fmla="*/ 493859 h 2240280"/>
-              <a:gd name="connsiteX4" fmla="*/ 1797684 w 2018982"/>
-              <a:gd name="connsiteY4" fmla="*/ 1120140 h 2240280"/>
-              <a:gd name="connsiteX5" fmla="*/ 1988986 w 2018982"/>
-              <a:gd name="connsiteY5" fmla="*/ 1746421 h 2240280"/>
-              <a:gd name="connsiteX6" fmla="*/ 2018982 w 2018982"/>
-              <a:gd name="connsiteY6" fmla="*/ 1786534 h 2240280"/>
-              <a:gd name="connsiteX7" fmla="*/ 1984494 w 2018982"/>
-              <a:gd name="connsiteY7" fmla="*/ 1832653 h 2240280"/>
-              <a:gd name="connsiteX8" fmla="*/ 1120140 w 2018982"/>
-              <a:gd name="connsiteY8" fmla="*/ 2240280 h 2240280"/>
-              <a:gd name="connsiteX9" fmla="*/ 0 w 2018982"/>
-              <a:gd name="connsiteY9" fmla="*/ 1120140 h 2240280"/>
-              <a:gd name="connsiteX10" fmla="*/ 1120140 w 2018982"/>
-              <a:gd name="connsiteY10" fmla="*/ 0 h 2240280"/>
-            </a:gdLst>
-            <a:ahLst/>
-            <a:cxnLst>
-              <a:cxn ang="0">
-                <a:pos x="connsiteX0" y="connsiteY0"/>
-              </a:cxn>
-              <a:cxn ang="0">
-                <a:pos x="connsiteX1" y="connsiteY1"/>
-              </a:cxn>
-              <a:cxn ang="0">
-                <a:pos x="connsiteX2" y="connsiteY2"/>
-              </a:cxn>
-              <a:cxn ang="0">
-                <a:pos x="connsiteX3" y="connsiteY3"/>
-              </a:cxn>
-              <a:cxn ang="0">
-                <a:pos x="connsiteX4" y="connsiteY4"/>
-              </a:cxn>
-              <a:cxn ang="0">
-                <a:pos x="connsiteX5" y="connsiteY5"/>
-              </a:cxn>
-              <a:cxn ang="0">
-                <a:pos x="connsiteX6" y="connsiteY6"/>
-              </a:cxn>
-              <a:cxn ang="0">
-                <a:pos x="connsiteX7" y="connsiteY7"/>
-              </a:cxn>
-              <a:cxn ang="0">
-                <a:pos x="connsiteX8" y="connsiteY8"/>
-              </a:cxn>
-              <a:cxn ang="0">
-                <a:pos x="connsiteX9" y="connsiteY9"/>
-              </a:cxn>
-              <a:cxn ang="0">
-                <a:pos x="connsiteX10" y="connsiteY10"/>
-              </a:cxn>
-            </a:cxnLst>
-            <a:rect l="l" t="t" r="r" b="b"/>
-            <a:pathLst>
-              <a:path w="2018982" h="2240280">
-                <a:moveTo>
-                  <a:pt x="1120140" y="0"/>
-                </a:moveTo>
-                <a:cubicBezTo>
-                  <a:pt x="1468123" y="0"/>
-                  <a:pt x="1779044" y="158679"/>
-                  <a:pt x="1984494" y="407627"/>
-                </a:cubicBezTo>
-                <a:lnTo>
-                  <a:pt x="2018982" y="453747"/>
-                </a:lnTo>
-                <a:lnTo>
-                  <a:pt x="1988986" y="493859"/>
-                </a:lnTo>
-                <a:cubicBezTo>
-                  <a:pt x="1868208" y="672635"/>
-                  <a:pt x="1797684" y="888152"/>
-                  <a:pt x="1797684" y="1120140"/>
-                </a:cubicBezTo>
-                <a:cubicBezTo>
-                  <a:pt x="1797684" y="1352129"/>
-                  <a:pt x="1868208" y="1567645"/>
-                  <a:pt x="1988986" y="1746421"/>
-                </a:cubicBezTo>
-                <a:lnTo>
-                  <a:pt x="2018982" y="1786534"/>
-                </a:lnTo>
-                <a:lnTo>
-                  <a:pt x="1984494" y="1832653"/>
-                </a:lnTo>
-                <a:cubicBezTo>
-                  <a:pt x="1779044" y="2081601"/>
-                  <a:pt x="1468123" y="2240280"/>
-                  <a:pt x="1120140" y="2240280"/>
-                </a:cubicBezTo>
-                <a:cubicBezTo>
-                  <a:pt x="501504" y="2240280"/>
-                  <a:pt x="0" y="1738776"/>
-                  <a:pt x="0" y="1120140"/>
-                </a:cubicBezTo>
-                <a:cubicBezTo>
-                  <a:pt x="0" y="501504"/>
-                  <a:pt x="501504" y="0"/>
-                  <a:pt x="1120140" y="0"/>
-                </a:cubicBezTo>
-                <a:close/>
-              </a:path>
-            </a:pathLst>
-          </a:custGeom>
-          <a:noFill/>
-        </p:spPr>
-        <p:style>
-          <a:lnRef idx="2">
-            <a:schemeClr val="accent1">
-              <a:shade val="50000"/>
-            </a:schemeClr>
-          </a:lnRef>
-          <a:fillRef idx="1">
-            <a:schemeClr val="accent1"/>
-          </a:fillRef>
-          <a:effectRef idx="0">
-            <a:schemeClr val="accent1"/>
-          </a:effectRef>
-          <a:fontRef idx="minor">
-            <a:schemeClr val="lt1"/>
-          </a:fontRef>
-        </p:style>
-        <p:txBody>
-          <a:bodyPr wrap="square" rtlCol="0" anchor="ctr">
-            <a:noAutofit/>
-          </a:bodyPr>
-          <a:lstStyle/>
-          <a:p>
-            <a:pPr algn="ctr"/>
-            <a:endParaRPr lang="en-US" dirty="0"/>
-          </a:p>
-        </p:txBody>
-      </p:sp>
-      <p:sp>
-        <p:nvSpPr>
-          <p:cNvPr id="3" name="Freeform 2">
-            <a:extLst>
-              <a:ext uri="{FF2B5EF4-FFF2-40B4-BE49-F238E27FC236}">
-                <a16:creationId xmlns:a16="http://schemas.microsoft.com/office/drawing/2014/main" id="{9800262D-7EB6-BEA3-9C45-A948336D9680}"/>
-              </a:ext>
-            </a:extLst>
-          </p:cNvPr>
-          <p:cNvSpPr/>
-          <p:nvPr/>
-        </p:nvSpPr>
-        <p:spPr>
-          <a:xfrm>
-            <a:off x="4620666" y="2253207"/>
-            <a:ext cx="2018982" cy="2240280"/>
-          </a:xfrm>
-          <a:custGeom>
-            <a:avLst/>
-            <a:gdLst>
-              <a:gd name="connsiteX0" fmla="*/ 898842 w 2018982"/>
-              <a:gd name="connsiteY0" fmla="*/ 0 h 2240280"/>
-              <a:gd name="connsiteX1" fmla="*/ 2018982 w 2018982"/>
-              <a:gd name="connsiteY1" fmla="*/ 1120140 h 2240280"/>
-              <a:gd name="connsiteX2" fmla="*/ 898842 w 2018982"/>
-              <a:gd name="connsiteY2" fmla="*/ 2240280 h 2240280"/>
-              <a:gd name="connsiteX3" fmla="*/ 34488 w 2018982"/>
-              <a:gd name="connsiteY3" fmla="*/ 1832653 h 2240280"/>
-              <a:gd name="connsiteX4" fmla="*/ 0 w 2018982"/>
-              <a:gd name="connsiteY4" fmla="*/ 1786534 h 2240280"/>
-              <a:gd name="connsiteX5" fmla="*/ 29996 w 2018982"/>
-              <a:gd name="connsiteY5" fmla="*/ 1746421 h 2240280"/>
-              <a:gd name="connsiteX6" fmla="*/ 221298 w 2018982"/>
-              <a:gd name="connsiteY6" fmla="*/ 1120140 h 2240280"/>
-              <a:gd name="connsiteX7" fmla="*/ 29996 w 2018982"/>
-              <a:gd name="connsiteY7" fmla="*/ 493859 h 2240280"/>
-              <a:gd name="connsiteX8" fmla="*/ 0 w 2018982"/>
-              <a:gd name="connsiteY8" fmla="*/ 453747 h 2240280"/>
-              <a:gd name="connsiteX9" fmla="*/ 34488 w 2018982"/>
-              <a:gd name="connsiteY9" fmla="*/ 407627 h 2240280"/>
-              <a:gd name="connsiteX10" fmla="*/ 898842 w 2018982"/>
-              <a:gd name="connsiteY10" fmla="*/ 0 h 2240280"/>
-            </a:gdLst>
-            <a:ahLst/>
-            <a:cxnLst>
-              <a:cxn ang="0">
-                <a:pos x="connsiteX0" y="connsiteY0"/>
-              </a:cxn>
-              <a:cxn ang="0">
-                <a:pos x="connsiteX1" y="connsiteY1"/>
-              </a:cxn>
-              <a:cxn ang="0">
-                <a:pos x="connsiteX2" y="connsiteY2"/>
-              </a:cxn>
-              <a:cxn ang="0">
-                <a:pos x="connsiteX3" y="connsiteY3"/>
-              </a:cxn>
-              <a:cxn ang="0">
-                <a:pos x="connsiteX4" y="connsiteY4"/>
-              </a:cxn>
-              <a:cxn ang="0">
-                <a:pos x="connsiteX5" y="connsiteY5"/>
-              </a:cxn>
-              <a:cxn ang="0">
-                <a:pos x="connsiteX6" y="connsiteY6"/>
-              </a:cxn>
-              <a:cxn ang="0">
-                <a:pos x="connsiteX7" y="connsiteY7"/>
-              </a:cxn>
-              <a:cxn ang="0">
-                <a:pos x="connsiteX8" y="connsiteY8"/>
-              </a:cxn>
-              <a:cxn ang="0">
-                <a:pos x="connsiteX9" y="connsiteY9"/>
-              </a:cxn>
-              <a:cxn ang="0">
-                <a:pos x="connsiteX10" y="connsiteY10"/>
-              </a:cxn>
-            </a:cxnLst>
-            <a:rect l="l" t="t" r="r" b="b"/>
-            <a:pathLst>
-              <a:path w="2018982" h="2240280">
-                <a:moveTo>
-                  <a:pt x="898842" y="0"/>
-                </a:moveTo>
-                <a:cubicBezTo>
-                  <a:pt x="1517478" y="0"/>
-                  <a:pt x="2018982" y="501504"/>
-                  <a:pt x="2018982" y="1120140"/>
-                </a:cubicBezTo>
-                <a:cubicBezTo>
-                  <a:pt x="2018982" y="1738776"/>
-                  <a:pt x="1517478" y="2240280"/>
-                  <a:pt x="898842" y="2240280"/>
-                </a:cubicBezTo>
-                <a:cubicBezTo>
-                  <a:pt x="550859" y="2240280"/>
-                  <a:pt x="239938" y="2081601"/>
-                  <a:pt x="34488" y="1832653"/>
-                </a:cubicBezTo>
-                <a:lnTo>
-                  <a:pt x="0" y="1786534"/>
-                </a:lnTo>
-                <a:lnTo>
-                  <a:pt x="29996" y="1746421"/>
-                </a:lnTo>
-                <a:cubicBezTo>
-                  <a:pt x="150774" y="1567645"/>
-                  <a:pt x="221298" y="1352129"/>
-                  <a:pt x="221298" y="1120140"/>
-                </a:cubicBezTo>
-                <a:cubicBezTo>
-                  <a:pt x="221298" y="888152"/>
-                  <a:pt x="150774" y="672635"/>
-                  <a:pt x="29996" y="493859"/>
-                </a:cubicBezTo>
-                <a:lnTo>
-                  <a:pt x="0" y="453747"/>
-                </a:lnTo>
-                <a:lnTo>
-                  <a:pt x="34488" y="407627"/>
-                </a:lnTo>
-                <a:cubicBezTo>
-                  <a:pt x="239938" y="158679"/>
-                  <a:pt x="550859" y="0"/>
-                  <a:pt x="898842" y="0"/>
-                </a:cubicBezTo>
-                <a:close/>
-              </a:path>
-            </a:pathLst>
-          </a:custGeom>
-          <a:noFill/>
-        </p:spPr>
-        <p:style>
-          <a:lnRef idx="2">
-            <a:schemeClr val="accent1">
-              <a:shade val="50000"/>
-            </a:schemeClr>
-          </a:lnRef>
-          <a:fillRef idx="1">
-            <a:schemeClr val="accent1"/>
-          </a:fillRef>
-          <a:effectRef idx="0">
-            <a:schemeClr val="accent1"/>
-          </a:effectRef>
-          <a:fontRef idx="minor">
-            <a:schemeClr val="lt1"/>
-          </a:fontRef>
-        </p:style>
-        <p:txBody>
-          <a:bodyPr wrap="square" rtlCol="0" anchor="ctr">
-            <a:noAutofit/>
-          </a:bodyPr>
-          <a:lstStyle/>
-          <a:p>
-            <a:pPr algn="ctr"/>
-            <a:endParaRPr lang="en-US" dirty="0">
-              <a:ln>
-                <a:solidFill>
-                  <a:sysClr val="windowText" lastClr="000000"/>
-                </a:solidFill>
-              </a:ln>
-            </a:endParaRPr>
-          </a:p>
-        </p:txBody>
-      </p:sp>
-      <p:sp>
-        <p:nvSpPr>
-          <p:cNvPr id="13" name="TextBox 12">
-            <a:extLst>
-              <a:ext uri="{FF2B5EF4-FFF2-40B4-BE49-F238E27FC236}">
-                <a16:creationId xmlns:a16="http://schemas.microsoft.com/office/drawing/2014/main" id="{2C177C5D-C201-33E7-817F-4924EE7C09DC}"/>
-              </a:ext>
-            </a:extLst>
-          </p:cNvPr>
-          <p:cNvSpPr txBox="1"/>
-          <p:nvPr/>
-        </p:nvSpPr>
-        <p:spPr>
-          <a:xfrm>
-            <a:off x="2755659" y="3059668"/>
-            <a:ext cx="1489734" cy="738664"/>
-          </a:xfrm>
-          <a:prstGeom prst="rect">
-            <a:avLst/>
-          </a:prstGeom>
-          <a:noFill/>
-        </p:spPr>
-        <p:txBody>
-          <a:bodyPr wrap="square" rtlCol="0">
-            <a:spAutoFit/>
-          </a:bodyPr>
-          <a:lstStyle/>
-          <a:p>
-            <a:pPr algn="ctr"/>
-            <a:r>
-              <a:rPr lang="en-US" sz="1400" dirty="0">
-                <a:highlight>
-                  <a:srgbClr val="FFFF00"/>
-                </a:highlight>
-              </a:rPr>
-              <a:t>Records in table A NOT in Table B are dropped. </a:t>
-            </a:r>
-          </a:p>
-        </p:txBody>
-      </p:sp>
-      <p:sp>
-        <p:nvSpPr>
-          <p:cNvPr id="8" name="TextBox 7">
-            <a:extLst>
-              <a:ext uri="{FF2B5EF4-FFF2-40B4-BE49-F238E27FC236}">
-                <a16:creationId xmlns:a16="http://schemas.microsoft.com/office/drawing/2014/main" id="{634BCC87-D496-BBEB-025C-1D6E3E2C88DC}"/>
-              </a:ext>
-            </a:extLst>
-          </p:cNvPr>
-          <p:cNvSpPr txBox="1"/>
-          <p:nvPr/>
-        </p:nvSpPr>
-        <p:spPr>
-          <a:xfrm>
-            <a:off x="4928616" y="3059668"/>
-            <a:ext cx="1489734" cy="738664"/>
-          </a:xfrm>
-          <a:prstGeom prst="rect">
-            <a:avLst/>
-          </a:prstGeom>
-          <a:noFill/>
-        </p:spPr>
-        <p:txBody>
-          <a:bodyPr wrap="square" rtlCol="0">
-            <a:spAutoFit/>
-          </a:bodyPr>
-          <a:lstStyle/>
-          <a:p>
-            <a:pPr algn="ctr"/>
-            <a:r>
-              <a:rPr lang="en-US" sz="1400" dirty="0">
-                <a:highlight>
-                  <a:srgbClr val="FFFF00"/>
-                </a:highlight>
-              </a:rPr>
-              <a:t>Records in table B NOT in Table A are dropped. </a:t>
-            </a:r>
-          </a:p>
-        </p:txBody>
-      </p:sp>
-    </p:spTree>
-    <p:extLst>
-      <p:ext uri="{BB962C8B-B14F-4D97-AF65-F5344CB8AC3E}">
-        <p14:creationId xmlns:p14="http://schemas.microsoft.com/office/powerpoint/2010/main" val="860738645"/>
-      </p:ext>
-    </p:extLst>
-  </p:cSld>
-  <p:clrMapOvr>
-    <a:masterClrMapping/>
-  </p:clrMapOvr>
-</p:sld>
-</file>
-
-<file path=ppt/slides/slide14.xml><?xml version="1.0" encoding="utf-8"?>
-<p:sld xmlns:a="http://schemas.openxmlformats.org/drawingml/2006/main" xmlns:r="http://schemas.openxmlformats.org/officeDocument/2006/relationships" xmlns:p="http://schemas.openxmlformats.org/presentationml/2006/main">
-  <p:cSld>
-    <p:spTree>
-      <p:nvGrpSpPr>
-        <p:cNvPr id="1" name=""/>
-        <p:cNvGrpSpPr/>
-        <p:nvPr/>
-      </p:nvGrpSpPr>
-      <p:grpSpPr>
-        <a:xfrm>
-          <a:off x="0" y="0"/>
-          <a:ext cx="0" cy="0"/>
-          <a:chOff x="0" y="0"/>
-          <a:chExt cx="0" cy="0"/>
-        </a:xfrm>
-      </p:grpSpPr>
-      <p:sp>
-        <p:nvSpPr>
-          <p:cNvPr id="2" name="Title 1">
-            <a:extLst>
-              <a:ext uri="{FF2B5EF4-FFF2-40B4-BE49-F238E27FC236}">
-                <a16:creationId xmlns:a16="http://schemas.microsoft.com/office/drawing/2014/main" id="{C2704038-62BD-A58E-658D-441C9591EB0F}"/>
-              </a:ext>
-            </a:extLst>
-          </p:cNvPr>
-          <p:cNvSpPr>
-            <a:spLocks noGrp="1"/>
-          </p:cNvSpPr>
-          <p:nvPr>
-            <p:ph type="title"/>
-          </p:nvPr>
-        </p:nvSpPr>
-        <p:spPr>
-          <a:xfrm>
-            <a:off x="182880" y="383980"/>
-            <a:ext cx="8823960" cy="591477"/>
-          </a:xfrm>
-        </p:spPr>
-        <p:txBody>
-          <a:bodyPr/>
-          <a:lstStyle/>
-          <a:p>
-            <a:r>
-              <a:rPr lang="en-US" sz="2400" dirty="0"/>
-              <a:t>Do you want to keep unique data points not shared in the tables?</a:t>
-            </a:r>
-          </a:p>
-        </p:txBody>
-      </p:sp>
-      <p:sp>
-        <p:nvSpPr>
-          <p:cNvPr id="4" name="Date Placeholder 3">
-            <a:extLst>
-              <a:ext uri="{FF2B5EF4-FFF2-40B4-BE49-F238E27FC236}">
-                <a16:creationId xmlns:a16="http://schemas.microsoft.com/office/drawing/2014/main" id="{000CE65B-D69B-61C8-C75D-E14AA9434086}"/>
-              </a:ext>
-            </a:extLst>
-          </p:cNvPr>
-          <p:cNvSpPr>
-            <a:spLocks noGrp="1"/>
-          </p:cNvSpPr>
-          <p:nvPr>
-            <p:ph type="dt" sz="half" idx="10"/>
-          </p:nvPr>
-        </p:nvSpPr>
-        <p:spPr/>
-        <p:txBody>
-          <a:bodyPr/>
-          <a:lstStyle/>
-          <a:p>
-            <a:fld id="{D753EFC8-4232-4598-94F6-94C0EBAFC469}" type="datetime1">
-              <a:rPr lang="en-US" smtClean="0"/>
-              <a:t>9/5/22</a:t>
-            </a:fld>
-            <a:endParaRPr lang="en-US"/>
-          </a:p>
-        </p:txBody>
-      </p:sp>
-      <p:sp>
-        <p:nvSpPr>
-          <p:cNvPr id="5" name="Slide Number Placeholder 4">
-            <a:extLst>
-              <a:ext uri="{FF2B5EF4-FFF2-40B4-BE49-F238E27FC236}">
-                <a16:creationId xmlns:a16="http://schemas.microsoft.com/office/drawing/2014/main" id="{23A233B3-D793-7097-E8D3-34BD78666ED5}"/>
-              </a:ext>
-            </a:extLst>
-          </p:cNvPr>
-          <p:cNvSpPr>
-            <a:spLocks noGrp="1"/>
-          </p:cNvSpPr>
-          <p:nvPr>
-            <p:ph type="sldNum" sz="quarter" idx="12"/>
-          </p:nvPr>
-        </p:nvSpPr>
-        <p:spPr/>
-        <p:txBody>
-          <a:bodyPr/>
-          <a:lstStyle/>
-          <a:p>
-            <a:fld id="{37290FF7-652B-4475-AEAB-8B1A5D23AE09}" type="slidenum">
-              <a:rPr lang="en-US" smtClean="0"/>
-              <a:t>14</a:t>
-            </a:fld>
-            <a:endParaRPr lang="en-US"/>
-          </a:p>
-        </p:txBody>
-      </p:sp>
-      <p:sp>
-        <p:nvSpPr>
-          <p:cNvPr id="6" name="Footer Placeholder 5">
-            <a:extLst>
-              <a:ext uri="{FF2B5EF4-FFF2-40B4-BE49-F238E27FC236}">
-                <a16:creationId xmlns:a16="http://schemas.microsoft.com/office/drawing/2014/main" id="{6993DB78-1B87-A726-6130-55B4DA150BC8}"/>
-              </a:ext>
-            </a:extLst>
-          </p:cNvPr>
-          <p:cNvSpPr>
-            <a:spLocks noGrp="1"/>
-          </p:cNvSpPr>
-          <p:nvPr>
-            <p:ph type="ftr" sz="quarter" idx="3"/>
-          </p:nvPr>
-        </p:nvSpPr>
-        <p:spPr/>
-        <p:txBody>
-          <a:bodyPr/>
-          <a:lstStyle/>
-          <a:p>
-            <a:r>
-              <a:rPr lang="en-US"/>
-              <a:t>Kwartler CSCI S-96</a:t>
-            </a:r>
-            <a:endParaRPr lang="en-US" dirty="0"/>
-          </a:p>
-        </p:txBody>
-      </p:sp>
-      <p:sp>
-        <p:nvSpPr>
-          <p:cNvPr id="7" name="Rectangle 6">
-            <a:extLst>
-              <a:ext uri="{FF2B5EF4-FFF2-40B4-BE49-F238E27FC236}">
-                <a16:creationId xmlns:a16="http://schemas.microsoft.com/office/drawing/2014/main" id="{2BDBB0D3-2C1D-6778-EA80-ADAC3073197B}"/>
-              </a:ext>
-            </a:extLst>
-          </p:cNvPr>
-          <p:cNvSpPr/>
-          <p:nvPr/>
-        </p:nvSpPr>
-        <p:spPr>
-          <a:xfrm>
-            <a:off x="558769" y="5721081"/>
-            <a:ext cx="8026463" cy="470519"/>
-          </a:xfrm>
-          <a:prstGeom prst="rect">
-            <a:avLst/>
-          </a:prstGeom>
-          <a:solidFill>
-            <a:schemeClr val="accent6"/>
-          </a:solidFill>
-          <a:ln>
-            <a:noFill/>
-          </a:ln>
-        </p:spPr>
-        <p:style>
-          <a:lnRef idx="2">
-            <a:schemeClr val="accent1">
-              <a:shade val="50000"/>
-            </a:schemeClr>
-          </a:lnRef>
-          <a:fillRef idx="1">
-            <a:schemeClr val="accent1"/>
-          </a:fillRef>
-          <a:effectRef idx="0">
-            <a:schemeClr val="accent1"/>
-          </a:effectRef>
-          <a:fontRef idx="minor">
-            <a:schemeClr val="lt1"/>
-          </a:fontRef>
-        </p:style>
-        <p:txBody>
-          <a:bodyPr rtlCol="0" anchor="ctr"/>
-          <a:lstStyle/>
-          <a:p>
-            <a:pPr algn="ctr"/>
-            <a:r>
-              <a:rPr lang="en-US" sz="1400" b="1" u="sng" dirty="0"/>
-              <a:t>In this case use an “outer” join</a:t>
-            </a:r>
-          </a:p>
-        </p:txBody>
-      </p:sp>
-      <p:sp>
-        <p:nvSpPr>
-          <p:cNvPr id="12" name="Freeform 11">
-            <a:extLst>
-              <a:ext uri="{FF2B5EF4-FFF2-40B4-BE49-F238E27FC236}">
-                <a16:creationId xmlns:a16="http://schemas.microsoft.com/office/drawing/2014/main" id="{42A78397-5370-F243-2508-B901B40B0FC2}"/>
-              </a:ext>
-            </a:extLst>
-          </p:cNvPr>
-          <p:cNvSpPr/>
-          <p:nvPr/>
-        </p:nvSpPr>
-        <p:spPr>
-          <a:xfrm>
-            <a:off x="4399368" y="2706955"/>
-            <a:ext cx="442596" cy="1332787"/>
-          </a:xfrm>
-          <a:custGeom>
-            <a:avLst/>
-            <a:gdLst>
-              <a:gd name="connsiteX0" fmla="*/ 221298 w 442596"/>
-              <a:gd name="connsiteY0" fmla="*/ 0 h 1332787"/>
-              <a:gd name="connsiteX1" fmla="*/ 251294 w 442596"/>
-              <a:gd name="connsiteY1" fmla="*/ 40112 h 1332787"/>
-              <a:gd name="connsiteX2" fmla="*/ 442596 w 442596"/>
-              <a:gd name="connsiteY2" fmla="*/ 666393 h 1332787"/>
-              <a:gd name="connsiteX3" fmla="*/ 251294 w 442596"/>
-              <a:gd name="connsiteY3" fmla="*/ 1292674 h 1332787"/>
-              <a:gd name="connsiteX4" fmla="*/ 221298 w 442596"/>
-              <a:gd name="connsiteY4" fmla="*/ 1332787 h 1332787"/>
-              <a:gd name="connsiteX5" fmla="*/ 191302 w 442596"/>
-              <a:gd name="connsiteY5" fmla="*/ 1292674 h 1332787"/>
-              <a:gd name="connsiteX6" fmla="*/ 0 w 442596"/>
-              <a:gd name="connsiteY6" fmla="*/ 666393 h 1332787"/>
-              <a:gd name="connsiteX7" fmla="*/ 191302 w 442596"/>
-              <a:gd name="connsiteY7" fmla="*/ 40112 h 1332787"/>
-              <a:gd name="connsiteX8" fmla="*/ 221298 w 442596"/>
-              <a:gd name="connsiteY8" fmla="*/ 0 h 1332787"/>
-            </a:gdLst>
-            <a:ahLst/>
-            <a:cxnLst>
-              <a:cxn ang="0">
-                <a:pos x="connsiteX0" y="connsiteY0"/>
-              </a:cxn>
-              <a:cxn ang="0">
-                <a:pos x="connsiteX1" y="connsiteY1"/>
-              </a:cxn>
-              <a:cxn ang="0">
-                <a:pos x="connsiteX2" y="connsiteY2"/>
-              </a:cxn>
-              <a:cxn ang="0">
-                <a:pos x="connsiteX3" y="connsiteY3"/>
-              </a:cxn>
-              <a:cxn ang="0">
-                <a:pos x="connsiteX4" y="connsiteY4"/>
-              </a:cxn>
-              <a:cxn ang="0">
-                <a:pos x="connsiteX5" y="connsiteY5"/>
-              </a:cxn>
-              <a:cxn ang="0">
-                <a:pos x="connsiteX6" y="connsiteY6"/>
-              </a:cxn>
-              <a:cxn ang="0">
-                <a:pos x="connsiteX7" y="connsiteY7"/>
-              </a:cxn>
-              <a:cxn ang="0">
-                <a:pos x="connsiteX8" y="connsiteY8"/>
-              </a:cxn>
-            </a:cxnLst>
-            <a:rect l="l" t="t" r="r" b="b"/>
-            <a:pathLst>
-              <a:path w="442596" h="1332787">
-                <a:moveTo>
-                  <a:pt x="221298" y="0"/>
-                </a:moveTo>
-                <a:lnTo>
-                  <a:pt x="251294" y="40112"/>
-                </a:lnTo>
-                <a:cubicBezTo>
-                  <a:pt x="372072" y="218888"/>
-                  <a:pt x="442596" y="434405"/>
-                  <a:pt x="442596" y="666393"/>
-                </a:cubicBezTo>
-                <a:cubicBezTo>
-                  <a:pt x="442596" y="898382"/>
-                  <a:pt x="372072" y="1113898"/>
-                  <a:pt x="251294" y="1292674"/>
-                </a:cubicBezTo>
-                <a:lnTo>
-                  <a:pt x="221298" y="1332787"/>
-                </a:lnTo>
-                <a:lnTo>
-                  <a:pt x="191302" y="1292674"/>
-                </a:lnTo>
-                <a:cubicBezTo>
-                  <a:pt x="70524" y="1113898"/>
-                  <a:pt x="0" y="898382"/>
-                  <a:pt x="0" y="666393"/>
-                </a:cubicBezTo>
-                <a:cubicBezTo>
-                  <a:pt x="0" y="434405"/>
-                  <a:pt x="70524" y="218888"/>
-                  <a:pt x="191302" y="40112"/>
-                </a:cubicBezTo>
-                <a:lnTo>
-                  <a:pt x="221298" y="0"/>
-                </a:lnTo>
-                <a:close/>
-              </a:path>
-            </a:pathLst>
-          </a:custGeom>
-          <a:noFill/>
-        </p:spPr>
-        <p:style>
-          <a:lnRef idx="2">
-            <a:schemeClr val="accent1">
-              <a:shade val="50000"/>
-            </a:schemeClr>
-          </a:lnRef>
-          <a:fillRef idx="1">
-            <a:schemeClr val="accent1"/>
-          </a:fillRef>
-          <a:effectRef idx="0">
-            <a:schemeClr val="accent1"/>
-          </a:effectRef>
-          <a:fontRef idx="minor">
-            <a:schemeClr val="lt1"/>
-          </a:fontRef>
-        </p:style>
-        <p:txBody>
-          <a:bodyPr wrap="square" rtlCol="0" anchor="ctr">
-            <a:noAutofit/>
-          </a:bodyPr>
-          <a:lstStyle/>
-          <a:p>
-            <a:pPr algn="ctr"/>
-            <a:endParaRPr lang="en-US" dirty="0"/>
-          </a:p>
-        </p:txBody>
-      </p:sp>
-      <p:sp>
-        <p:nvSpPr>
-          <p:cNvPr id="11" name="Freeform 10">
-            <a:extLst>
-              <a:ext uri="{FF2B5EF4-FFF2-40B4-BE49-F238E27FC236}">
-                <a16:creationId xmlns:a16="http://schemas.microsoft.com/office/drawing/2014/main" id="{1F612FED-6126-8C7B-8025-FCDB739F80FD}"/>
-              </a:ext>
-            </a:extLst>
-          </p:cNvPr>
-          <p:cNvSpPr/>
-          <p:nvPr/>
-        </p:nvSpPr>
-        <p:spPr>
-          <a:xfrm>
-            <a:off x="2601684" y="2253207"/>
-            <a:ext cx="2018982" cy="2240280"/>
-          </a:xfrm>
-          <a:custGeom>
-            <a:avLst/>
-            <a:gdLst>
-              <a:gd name="connsiteX0" fmla="*/ 1120140 w 2018982"/>
-              <a:gd name="connsiteY0" fmla="*/ 0 h 2240280"/>
-              <a:gd name="connsiteX1" fmla="*/ 1984494 w 2018982"/>
-              <a:gd name="connsiteY1" fmla="*/ 407627 h 2240280"/>
-              <a:gd name="connsiteX2" fmla="*/ 2018982 w 2018982"/>
-              <a:gd name="connsiteY2" fmla="*/ 453747 h 2240280"/>
-              <a:gd name="connsiteX3" fmla="*/ 1988986 w 2018982"/>
-              <a:gd name="connsiteY3" fmla="*/ 493859 h 2240280"/>
-              <a:gd name="connsiteX4" fmla="*/ 1797684 w 2018982"/>
-              <a:gd name="connsiteY4" fmla="*/ 1120140 h 2240280"/>
-              <a:gd name="connsiteX5" fmla="*/ 1988986 w 2018982"/>
-              <a:gd name="connsiteY5" fmla="*/ 1746421 h 2240280"/>
-              <a:gd name="connsiteX6" fmla="*/ 2018982 w 2018982"/>
-              <a:gd name="connsiteY6" fmla="*/ 1786534 h 2240280"/>
-              <a:gd name="connsiteX7" fmla="*/ 1984494 w 2018982"/>
-              <a:gd name="connsiteY7" fmla="*/ 1832653 h 2240280"/>
-              <a:gd name="connsiteX8" fmla="*/ 1120140 w 2018982"/>
-              <a:gd name="connsiteY8" fmla="*/ 2240280 h 2240280"/>
-              <a:gd name="connsiteX9" fmla="*/ 0 w 2018982"/>
-              <a:gd name="connsiteY9" fmla="*/ 1120140 h 2240280"/>
-              <a:gd name="connsiteX10" fmla="*/ 1120140 w 2018982"/>
-              <a:gd name="connsiteY10" fmla="*/ 0 h 2240280"/>
-            </a:gdLst>
-            <a:ahLst/>
-            <a:cxnLst>
-              <a:cxn ang="0">
-                <a:pos x="connsiteX0" y="connsiteY0"/>
-              </a:cxn>
-              <a:cxn ang="0">
-                <a:pos x="connsiteX1" y="connsiteY1"/>
-              </a:cxn>
-              <a:cxn ang="0">
-                <a:pos x="connsiteX2" y="connsiteY2"/>
-              </a:cxn>
-              <a:cxn ang="0">
-                <a:pos x="connsiteX3" y="connsiteY3"/>
-              </a:cxn>
-              <a:cxn ang="0">
-                <a:pos x="connsiteX4" y="connsiteY4"/>
-              </a:cxn>
-              <a:cxn ang="0">
-                <a:pos x="connsiteX5" y="connsiteY5"/>
-              </a:cxn>
-              <a:cxn ang="0">
-                <a:pos x="connsiteX6" y="connsiteY6"/>
-              </a:cxn>
-              <a:cxn ang="0">
-                <a:pos x="connsiteX7" y="connsiteY7"/>
-              </a:cxn>
-              <a:cxn ang="0">
-                <a:pos x="connsiteX8" y="connsiteY8"/>
-              </a:cxn>
-              <a:cxn ang="0">
-                <a:pos x="connsiteX9" y="connsiteY9"/>
-              </a:cxn>
-              <a:cxn ang="0">
-                <a:pos x="connsiteX10" y="connsiteY10"/>
-              </a:cxn>
-            </a:cxnLst>
-            <a:rect l="l" t="t" r="r" b="b"/>
-            <a:pathLst>
-              <a:path w="2018982" h="2240280">
-                <a:moveTo>
-                  <a:pt x="1120140" y="0"/>
-                </a:moveTo>
-                <a:cubicBezTo>
-                  <a:pt x="1468123" y="0"/>
-                  <a:pt x="1779044" y="158679"/>
-                  <a:pt x="1984494" y="407627"/>
-                </a:cubicBezTo>
-                <a:lnTo>
-                  <a:pt x="2018982" y="453747"/>
-                </a:lnTo>
-                <a:lnTo>
-                  <a:pt x="1988986" y="493859"/>
-                </a:lnTo>
-                <a:cubicBezTo>
-                  <a:pt x="1868208" y="672635"/>
-                  <a:pt x="1797684" y="888152"/>
-                  <a:pt x="1797684" y="1120140"/>
-                </a:cubicBezTo>
-                <a:cubicBezTo>
-                  <a:pt x="1797684" y="1352129"/>
-                  <a:pt x="1868208" y="1567645"/>
-                  <a:pt x="1988986" y="1746421"/>
-                </a:cubicBezTo>
-                <a:lnTo>
-                  <a:pt x="2018982" y="1786534"/>
-                </a:lnTo>
-                <a:lnTo>
-                  <a:pt x="1984494" y="1832653"/>
-                </a:lnTo>
-                <a:cubicBezTo>
-                  <a:pt x="1779044" y="2081601"/>
-                  <a:pt x="1468123" y="2240280"/>
-                  <a:pt x="1120140" y="2240280"/>
-                </a:cubicBezTo>
-                <a:cubicBezTo>
-                  <a:pt x="501504" y="2240280"/>
-                  <a:pt x="0" y="1738776"/>
-                  <a:pt x="0" y="1120140"/>
-                </a:cubicBezTo>
-                <a:cubicBezTo>
-                  <a:pt x="0" y="501504"/>
-                  <a:pt x="501504" y="0"/>
-                  <a:pt x="1120140" y="0"/>
-                </a:cubicBezTo>
-                <a:close/>
-              </a:path>
-            </a:pathLst>
-          </a:custGeom>
-          <a:solidFill>
-            <a:schemeClr val="accent2"/>
-          </a:solidFill>
-        </p:spPr>
-        <p:style>
-          <a:lnRef idx="2">
-            <a:schemeClr val="accent1">
-              <a:shade val="50000"/>
-            </a:schemeClr>
-          </a:lnRef>
-          <a:fillRef idx="1">
-            <a:schemeClr val="accent1"/>
-          </a:fillRef>
-          <a:effectRef idx="0">
-            <a:schemeClr val="accent1"/>
-          </a:effectRef>
-          <a:fontRef idx="minor">
-            <a:schemeClr val="lt1"/>
-          </a:fontRef>
-        </p:style>
-        <p:txBody>
-          <a:bodyPr wrap="square" rtlCol="0" anchor="ctr">
-            <a:noAutofit/>
-          </a:bodyPr>
-          <a:lstStyle/>
-          <a:p>
-            <a:pPr algn="ctr"/>
-            <a:endParaRPr lang="en-US" dirty="0"/>
-          </a:p>
-        </p:txBody>
-      </p:sp>
-      <p:sp>
-        <p:nvSpPr>
-          <p:cNvPr id="3" name="Freeform 2">
-            <a:extLst>
-              <a:ext uri="{FF2B5EF4-FFF2-40B4-BE49-F238E27FC236}">
-                <a16:creationId xmlns:a16="http://schemas.microsoft.com/office/drawing/2014/main" id="{9800262D-7EB6-BEA3-9C45-A948336D9680}"/>
-              </a:ext>
-            </a:extLst>
-          </p:cNvPr>
-          <p:cNvSpPr/>
-          <p:nvPr/>
-        </p:nvSpPr>
-        <p:spPr>
-          <a:xfrm>
-            <a:off x="4620666" y="2253207"/>
-            <a:ext cx="2018982" cy="2240280"/>
-          </a:xfrm>
-          <a:custGeom>
-            <a:avLst/>
-            <a:gdLst>
-              <a:gd name="connsiteX0" fmla="*/ 898842 w 2018982"/>
-              <a:gd name="connsiteY0" fmla="*/ 0 h 2240280"/>
-              <a:gd name="connsiteX1" fmla="*/ 2018982 w 2018982"/>
-              <a:gd name="connsiteY1" fmla="*/ 1120140 h 2240280"/>
-              <a:gd name="connsiteX2" fmla="*/ 898842 w 2018982"/>
-              <a:gd name="connsiteY2" fmla="*/ 2240280 h 2240280"/>
-              <a:gd name="connsiteX3" fmla="*/ 34488 w 2018982"/>
-              <a:gd name="connsiteY3" fmla="*/ 1832653 h 2240280"/>
-              <a:gd name="connsiteX4" fmla="*/ 0 w 2018982"/>
-              <a:gd name="connsiteY4" fmla="*/ 1786534 h 2240280"/>
-              <a:gd name="connsiteX5" fmla="*/ 29996 w 2018982"/>
-              <a:gd name="connsiteY5" fmla="*/ 1746421 h 2240280"/>
-              <a:gd name="connsiteX6" fmla="*/ 221298 w 2018982"/>
-              <a:gd name="connsiteY6" fmla="*/ 1120140 h 2240280"/>
-              <a:gd name="connsiteX7" fmla="*/ 29996 w 2018982"/>
-              <a:gd name="connsiteY7" fmla="*/ 493859 h 2240280"/>
-              <a:gd name="connsiteX8" fmla="*/ 0 w 2018982"/>
-              <a:gd name="connsiteY8" fmla="*/ 453747 h 2240280"/>
-              <a:gd name="connsiteX9" fmla="*/ 34488 w 2018982"/>
-              <a:gd name="connsiteY9" fmla="*/ 407627 h 2240280"/>
-              <a:gd name="connsiteX10" fmla="*/ 898842 w 2018982"/>
-              <a:gd name="connsiteY10" fmla="*/ 0 h 2240280"/>
-            </a:gdLst>
-            <a:ahLst/>
-            <a:cxnLst>
-              <a:cxn ang="0">
-                <a:pos x="connsiteX0" y="connsiteY0"/>
-              </a:cxn>
-              <a:cxn ang="0">
-                <a:pos x="connsiteX1" y="connsiteY1"/>
-              </a:cxn>
-              <a:cxn ang="0">
-                <a:pos x="connsiteX2" y="connsiteY2"/>
-              </a:cxn>
-              <a:cxn ang="0">
-                <a:pos x="connsiteX3" y="connsiteY3"/>
-              </a:cxn>
-              <a:cxn ang="0">
-                <a:pos x="connsiteX4" y="connsiteY4"/>
-              </a:cxn>
-              <a:cxn ang="0">
-                <a:pos x="connsiteX5" y="connsiteY5"/>
-              </a:cxn>
-              <a:cxn ang="0">
-                <a:pos x="connsiteX6" y="connsiteY6"/>
-              </a:cxn>
-              <a:cxn ang="0">
-                <a:pos x="connsiteX7" y="connsiteY7"/>
-              </a:cxn>
-              <a:cxn ang="0">
-                <a:pos x="connsiteX8" y="connsiteY8"/>
-              </a:cxn>
-              <a:cxn ang="0">
-                <a:pos x="connsiteX9" y="connsiteY9"/>
-              </a:cxn>
-              <a:cxn ang="0">
-                <a:pos x="connsiteX10" y="connsiteY10"/>
-              </a:cxn>
-            </a:cxnLst>
-            <a:rect l="l" t="t" r="r" b="b"/>
-            <a:pathLst>
-              <a:path w="2018982" h="2240280">
-                <a:moveTo>
-                  <a:pt x="898842" y="0"/>
-                </a:moveTo>
-                <a:cubicBezTo>
-                  <a:pt x="1517478" y="0"/>
-                  <a:pt x="2018982" y="501504"/>
-                  <a:pt x="2018982" y="1120140"/>
-                </a:cubicBezTo>
-                <a:cubicBezTo>
-                  <a:pt x="2018982" y="1738776"/>
-                  <a:pt x="1517478" y="2240280"/>
-                  <a:pt x="898842" y="2240280"/>
-                </a:cubicBezTo>
-                <a:cubicBezTo>
-                  <a:pt x="550859" y="2240280"/>
-                  <a:pt x="239938" y="2081601"/>
-                  <a:pt x="34488" y="1832653"/>
-                </a:cubicBezTo>
-                <a:lnTo>
-                  <a:pt x="0" y="1786534"/>
-                </a:lnTo>
-                <a:lnTo>
-                  <a:pt x="29996" y="1746421"/>
-                </a:lnTo>
-                <a:cubicBezTo>
-                  <a:pt x="150774" y="1567645"/>
-                  <a:pt x="221298" y="1352129"/>
-                  <a:pt x="221298" y="1120140"/>
-                </a:cubicBezTo>
-                <a:cubicBezTo>
-                  <a:pt x="221298" y="888152"/>
-                  <a:pt x="150774" y="672635"/>
-                  <a:pt x="29996" y="493859"/>
-                </a:cubicBezTo>
-                <a:lnTo>
-                  <a:pt x="0" y="453747"/>
-                </a:lnTo>
-                <a:lnTo>
-                  <a:pt x="34488" y="407627"/>
-                </a:lnTo>
-                <a:cubicBezTo>
-                  <a:pt x="239938" y="158679"/>
-                  <a:pt x="550859" y="0"/>
-                  <a:pt x="898842" y="0"/>
-                </a:cubicBezTo>
-                <a:close/>
-              </a:path>
-            </a:pathLst>
-          </a:custGeom>
-          <a:solidFill>
-            <a:schemeClr val="accent2"/>
-          </a:solidFill>
-        </p:spPr>
-        <p:style>
-          <a:lnRef idx="2">
-            <a:schemeClr val="accent1">
-              <a:shade val="50000"/>
-            </a:schemeClr>
-          </a:lnRef>
-          <a:fillRef idx="1">
-            <a:schemeClr val="accent1"/>
-          </a:fillRef>
-          <a:effectRef idx="0">
-            <a:schemeClr val="accent1"/>
-          </a:effectRef>
-          <a:fontRef idx="minor">
-            <a:schemeClr val="lt1"/>
-          </a:fontRef>
-        </p:style>
-        <p:txBody>
-          <a:bodyPr wrap="square" rtlCol="0" anchor="ctr">
-            <a:noAutofit/>
-          </a:bodyPr>
-          <a:lstStyle/>
-          <a:p>
-            <a:pPr algn="ctr"/>
-            <a:endParaRPr lang="en-US" dirty="0">
-              <a:ln>
-                <a:solidFill>
-                  <a:sysClr val="windowText" lastClr="000000"/>
-                </a:solidFill>
-              </a:ln>
-            </a:endParaRPr>
-          </a:p>
-        </p:txBody>
-      </p:sp>
-      <p:sp>
-        <p:nvSpPr>
-          <p:cNvPr id="13" name="TextBox 12">
-            <a:extLst>
-              <a:ext uri="{FF2B5EF4-FFF2-40B4-BE49-F238E27FC236}">
-                <a16:creationId xmlns:a16="http://schemas.microsoft.com/office/drawing/2014/main" id="{2C177C5D-C201-33E7-817F-4924EE7C09DC}"/>
-              </a:ext>
-            </a:extLst>
-          </p:cNvPr>
-          <p:cNvSpPr txBox="1"/>
-          <p:nvPr/>
-        </p:nvSpPr>
-        <p:spPr>
-          <a:xfrm>
-            <a:off x="2755659" y="3059668"/>
-            <a:ext cx="1489734" cy="738664"/>
-          </a:xfrm>
-          <a:prstGeom prst="rect">
-            <a:avLst/>
-          </a:prstGeom>
-          <a:noFill/>
-        </p:spPr>
-        <p:txBody>
-          <a:bodyPr wrap="square" rtlCol="0">
-            <a:spAutoFit/>
-          </a:bodyPr>
-          <a:lstStyle/>
-          <a:p>
-            <a:pPr algn="ctr"/>
-            <a:r>
-              <a:rPr lang="en-US" sz="1400" dirty="0">
-                <a:highlight>
-                  <a:srgbClr val="FFFF00"/>
-                </a:highlight>
-              </a:rPr>
-              <a:t>Records in table A NOT in Table B are retained. </a:t>
-            </a:r>
-          </a:p>
-        </p:txBody>
-      </p:sp>
-      <p:sp>
-        <p:nvSpPr>
-          <p:cNvPr id="8" name="TextBox 7">
-            <a:extLst>
-              <a:ext uri="{FF2B5EF4-FFF2-40B4-BE49-F238E27FC236}">
-                <a16:creationId xmlns:a16="http://schemas.microsoft.com/office/drawing/2014/main" id="{634BCC87-D496-BBEB-025C-1D6E3E2C88DC}"/>
-              </a:ext>
-            </a:extLst>
-          </p:cNvPr>
-          <p:cNvSpPr txBox="1"/>
-          <p:nvPr/>
-        </p:nvSpPr>
-        <p:spPr>
-          <a:xfrm>
-            <a:off x="4928616" y="3059668"/>
-            <a:ext cx="1489734" cy="738664"/>
-          </a:xfrm>
-          <a:prstGeom prst="rect">
-            <a:avLst/>
-          </a:prstGeom>
-          <a:noFill/>
-        </p:spPr>
-        <p:txBody>
-          <a:bodyPr wrap="square" rtlCol="0">
-            <a:spAutoFit/>
-          </a:bodyPr>
-          <a:lstStyle/>
-          <a:p>
-            <a:pPr algn="ctr"/>
-            <a:r>
-              <a:rPr lang="en-US" sz="1400" dirty="0">
-                <a:highlight>
-                  <a:srgbClr val="FFFF00"/>
-                </a:highlight>
-              </a:rPr>
-              <a:t>Records in table B NOT in Table A are retained. </a:t>
-            </a:r>
-          </a:p>
-        </p:txBody>
-      </p:sp>
-    </p:spTree>
-    <p:extLst>
-      <p:ext uri="{BB962C8B-B14F-4D97-AF65-F5344CB8AC3E}">
-        <p14:creationId xmlns:p14="http://schemas.microsoft.com/office/powerpoint/2010/main" val="3009243539"/>
-      </p:ext>
-    </p:extLst>
-  </p:cSld>
-  <p:clrMapOvr>
-    <a:masterClrMapping/>
-  </p:clrMapOvr>
-</p:sld>
-</file>
-
-<file path=ppt/slides/slide15.xml><?xml version="1.0" encoding="utf-8"?>
-<p:sld xmlns:a="http://schemas.openxmlformats.org/drawingml/2006/main" xmlns:r="http://schemas.openxmlformats.org/officeDocument/2006/relationships" xmlns:p="http://schemas.openxmlformats.org/presentationml/2006/main">
-  <p:cSld>
-    <p:spTree>
-      <p:nvGrpSpPr>
-        <p:cNvPr id="1" name=""/>
-        <p:cNvGrpSpPr/>
-        <p:nvPr/>
-      </p:nvGrpSpPr>
-      <p:grpSpPr>
-        <a:xfrm>
-          <a:off x="0" y="0"/>
-          <a:ext cx="0" cy="0"/>
-          <a:chOff x="0" y="0"/>
-          <a:chExt cx="0" cy="0"/>
-        </a:xfrm>
-      </p:grpSpPr>
-      <p:sp>
-        <p:nvSpPr>
-          <p:cNvPr id="2" name="Title 1">
-            <a:extLst>
-              <a:ext uri="{FF2B5EF4-FFF2-40B4-BE49-F238E27FC236}">
-                <a16:creationId xmlns:a16="http://schemas.microsoft.com/office/drawing/2014/main" id="{C2704038-62BD-A58E-658D-441C9591EB0F}"/>
-              </a:ext>
-            </a:extLst>
-          </p:cNvPr>
-          <p:cNvSpPr>
-            <a:spLocks noGrp="1"/>
-          </p:cNvSpPr>
-          <p:nvPr>
-            <p:ph type="title"/>
-          </p:nvPr>
-        </p:nvSpPr>
-        <p:spPr>
-          <a:xfrm>
-            <a:off x="182880" y="383980"/>
-            <a:ext cx="8823960" cy="591477"/>
-          </a:xfrm>
-        </p:spPr>
-        <p:txBody>
-          <a:bodyPr/>
-          <a:lstStyle/>
-          <a:p>
-            <a:r>
-              <a:rPr lang="en-US" sz="2400" dirty="0"/>
-              <a:t>Do you want to remove records in Table A that are in table B?</a:t>
-            </a:r>
-          </a:p>
-        </p:txBody>
-      </p:sp>
-      <p:sp>
-        <p:nvSpPr>
-          <p:cNvPr id="4" name="Date Placeholder 3">
-            <a:extLst>
-              <a:ext uri="{FF2B5EF4-FFF2-40B4-BE49-F238E27FC236}">
-                <a16:creationId xmlns:a16="http://schemas.microsoft.com/office/drawing/2014/main" id="{000CE65B-D69B-61C8-C75D-E14AA9434086}"/>
-              </a:ext>
-            </a:extLst>
-          </p:cNvPr>
-          <p:cNvSpPr>
-            <a:spLocks noGrp="1"/>
-          </p:cNvSpPr>
-          <p:nvPr>
-            <p:ph type="dt" sz="half" idx="10"/>
-          </p:nvPr>
-        </p:nvSpPr>
-        <p:spPr/>
-        <p:txBody>
-          <a:bodyPr/>
-          <a:lstStyle/>
-          <a:p>
-            <a:fld id="{D753EFC8-4232-4598-94F6-94C0EBAFC469}" type="datetime1">
-              <a:rPr lang="en-US" smtClean="0"/>
-              <a:t>9/5/22</a:t>
-            </a:fld>
-            <a:endParaRPr lang="en-US"/>
-          </a:p>
-        </p:txBody>
-      </p:sp>
-      <p:sp>
-        <p:nvSpPr>
-          <p:cNvPr id="5" name="Slide Number Placeholder 4">
-            <a:extLst>
-              <a:ext uri="{FF2B5EF4-FFF2-40B4-BE49-F238E27FC236}">
-                <a16:creationId xmlns:a16="http://schemas.microsoft.com/office/drawing/2014/main" id="{23A233B3-D793-7097-E8D3-34BD78666ED5}"/>
-              </a:ext>
-            </a:extLst>
-          </p:cNvPr>
-          <p:cNvSpPr>
-            <a:spLocks noGrp="1"/>
-          </p:cNvSpPr>
-          <p:nvPr>
-            <p:ph type="sldNum" sz="quarter" idx="12"/>
-          </p:nvPr>
-        </p:nvSpPr>
-        <p:spPr/>
-        <p:txBody>
-          <a:bodyPr/>
-          <a:lstStyle/>
-          <a:p>
-            <a:fld id="{37290FF7-652B-4475-AEAB-8B1A5D23AE09}" type="slidenum">
-              <a:rPr lang="en-US" smtClean="0"/>
-              <a:t>15</a:t>
-            </a:fld>
-            <a:endParaRPr lang="en-US"/>
-          </a:p>
-        </p:txBody>
-      </p:sp>
-      <p:sp>
-        <p:nvSpPr>
-          <p:cNvPr id="6" name="Footer Placeholder 5">
-            <a:extLst>
-              <a:ext uri="{FF2B5EF4-FFF2-40B4-BE49-F238E27FC236}">
-                <a16:creationId xmlns:a16="http://schemas.microsoft.com/office/drawing/2014/main" id="{6993DB78-1B87-A726-6130-55B4DA150BC8}"/>
-              </a:ext>
-            </a:extLst>
-          </p:cNvPr>
-          <p:cNvSpPr>
-            <a:spLocks noGrp="1"/>
-          </p:cNvSpPr>
-          <p:nvPr>
-            <p:ph type="ftr" sz="quarter" idx="3"/>
-          </p:nvPr>
-        </p:nvSpPr>
-        <p:spPr/>
-        <p:txBody>
-          <a:bodyPr/>
-          <a:lstStyle/>
-          <a:p>
-            <a:r>
-              <a:rPr lang="en-US"/>
-              <a:t>Kwartler CSCI S-96</a:t>
-            </a:r>
-            <a:endParaRPr lang="en-US" dirty="0"/>
-          </a:p>
-        </p:txBody>
-      </p:sp>
-      <p:sp>
-        <p:nvSpPr>
-          <p:cNvPr id="7" name="Rectangle 6">
-            <a:extLst>
-              <a:ext uri="{FF2B5EF4-FFF2-40B4-BE49-F238E27FC236}">
-                <a16:creationId xmlns:a16="http://schemas.microsoft.com/office/drawing/2014/main" id="{2BDBB0D3-2C1D-6778-EA80-ADAC3073197B}"/>
-              </a:ext>
-            </a:extLst>
-          </p:cNvPr>
-          <p:cNvSpPr/>
-          <p:nvPr/>
-        </p:nvSpPr>
-        <p:spPr>
-          <a:xfrm>
-            <a:off x="558769" y="5721081"/>
-            <a:ext cx="8026463" cy="470519"/>
-          </a:xfrm>
-          <a:prstGeom prst="rect">
-            <a:avLst/>
-          </a:prstGeom>
-          <a:solidFill>
-            <a:schemeClr val="accent6"/>
-          </a:solidFill>
-          <a:ln>
-            <a:noFill/>
-          </a:ln>
-        </p:spPr>
-        <p:style>
-          <a:lnRef idx="2">
-            <a:schemeClr val="accent1">
-              <a:shade val="50000"/>
-            </a:schemeClr>
-          </a:lnRef>
-          <a:fillRef idx="1">
-            <a:schemeClr val="accent1"/>
-          </a:fillRef>
-          <a:effectRef idx="0">
-            <a:schemeClr val="accent1"/>
-          </a:effectRef>
-          <a:fontRef idx="minor">
-            <a:schemeClr val="lt1"/>
-          </a:fontRef>
-        </p:style>
-        <p:txBody>
-          <a:bodyPr rtlCol="0" anchor="ctr"/>
-          <a:lstStyle/>
-          <a:p>
-            <a:pPr algn="ctr"/>
-            <a:r>
-              <a:rPr lang="en-US" sz="1400" b="1" u="sng" dirty="0"/>
-              <a:t>In this case use an “anti” join</a:t>
-            </a:r>
-          </a:p>
-        </p:txBody>
-      </p:sp>
-      <p:sp>
-        <p:nvSpPr>
-          <p:cNvPr id="12" name="Freeform 11">
-            <a:extLst>
-              <a:ext uri="{FF2B5EF4-FFF2-40B4-BE49-F238E27FC236}">
-                <a16:creationId xmlns:a16="http://schemas.microsoft.com/office/drawing/2014/main" id="{42A78397-5370-F243-2508-B901B40B0FC2}"/>
-              </a:ext>
-            </a:extLst>
-          </p:cNvPr>
-          <p:cNvSpPr/>
-          <p:nvPr/>
-        </p:nvSpPr>
-        <p:spPr>
-          <a:xfrm>
-            <a:off x="4399368" y="2706955"/>
-            <a:ext cx="442596" cy="1332787"/>
-          </a:xfrm>
-          <a:custGeom>
-            <a:avLst/>
-            <a:gdLst>
-              <a:gd name="connsiteX0" fmla="*/ 221298 w 442596"/>
-              <a:gd name="connsiteY0" fmla="*/ 0 h 1332787"/>
-              <a:gd name="connsiteX1" fmla="*/ 251294 w 442596"/>
-              <a:gd name="connsiteY1" fmla="*/ 40112 h 1332787"/>
-              <a:gd name="connsiteX2" fmla="*/ 442596 w 442596"/>
-              <a:gd name="connsiteY2" fmla="*/ 666393 h 1332787"/>
-              <a:gd name="connsiteX3" fmla="*/ 251294 w 442596"/>
-              <a:gd name="connsiteY3" fmla="*/ 1292674 h 1332787"/>
-              <a:gd name="connsiteX4" fmla="*/ 221298 w 442596"/>
-              <a:gd name="connsiteY4" fmla="*/ 1332787 h 1332787"/>
-              <a:gd name="connsiteX5" fmla="*/ 191302 w 442596"/>
-              <a:gd name="connsiteY5" fmla="*/ 1292674 h 1332787"/>
-              <a:gd name="connsiteX6" fmla="*/ 0 w 442596"/>
-              <a:gd name="connsiteY6" fmla="*/ 666393 h 1332787"/>
-              <a:gd name="connsiteX7" fmla="*/ 191302 w 442596"/>
-              <a:gd name="connsiteY7" fmla="*/ 40112 h 1332787"/>
-              <a:gd name="connsiteX8" fmla="*/ 221298 w 442596"/>
-              <a:gd name="connsiteY8" fmla="*/ 0 h 1332787"/>
-            </a:gdLst>
-            <a:ahLst/>
-            <a:cxnLst>
-              <a:cxn ang="0">
-                <a:pos x="connsiteX0" y="connsiteY0"/>
-              </a:cxn>
-              <a:cxn ang="0">
-                <a:pos x="connsiteX1" y="connsiteY1"/>
-              </a:cxn>
-              <a:cxn ang="0">
-                <a:pos x="connsiteX2" y="connsiteY2"/>
-              </a:cxn>
-              <a:cxn ang="0">
-                <a:pos x="connsiteX3" y="connsiteY3"/>
-              </a:cxn>
-              <a:cxn ang="0">
-                <a:pos x="connsiteX4" y="connsiteY4"/>
-              </a:cxn>
-              <a:cxn ang="0">
-                <a:pos x="connsiteX5" y="connsiteY5"/>
-              </a:cxn>
-              <a:cxn ang="0">
-                <a:pos x="connsiteX6" y="connsiteY6"/>
-              </a:cxn>
-              <a:cxn ang="0">
-                <a:pos x="connsiteX7" y="connsiteY7"/>
-              </a:cxn>
-              <a:cxn ang="0">
-                <a:pos x="connsiteX8" y="connsiteY8"/>
-              </a:cxn>
-            </a:cxnLst>
-            <a:rect l="l" t="t" r="r" b="b"/>
-            <a:pathLst>
-              <a:path w="442596" h="1332787">
-                <a:moveTo>
-                  <a:pt x="221298" y="0"/>
-                </a:moveTo>
-                <a:lnTo>
-                  <a:pt x="251294" y="40112"/>
-                </a:lnTo>
-                <a:cubicBezTo>
-                  <a:pt x="372072" y="218888"/>
-                  <a:pt x="442596" y="434405"/>
-                  <a:pt x="442596" y="666393"/>
-                </a:cubicBezTo>
-                <a:cubicBezTo>
-                  <a:pt x="442596" y="898382"/>
-                  <a:pt x="372072" y="1113898"/>
-                  <a:pt x="251294" y="1292674"/>
-                </a:cubicBezTo>
-                <a:lnTo>
-                  <a:pt x="221298" y="1332787"/>
-                </a:lnTo>
-                <a:lnTo>
-                  <a:pt x="191302" y="1292674"/>
-                </a:lnTo>
-                <a:cubicBezTo>
-                  <a:pt x="70524" y="1113898"/>
-                  <a:pt x="0" y="898382"/>
-                  <a:pt x="0" y="666393"/>
-                </a:cubicBezTo>
-                <a:cubicBezTo>
-                  <a:pt x="0" y="434405"/>
-                  <a:pt x="70524" y="218888"/>
-                  <a:pt x="191302" y="40112"/>
-                </a:cubicBezTo>
-                <a:lnTo>
-                  <a:pt x="221298" y="0"/>
-                </a:lnTo>
-                <a:close/>
-              </a:path>
-            </a:pathLst>
-          </a:custGeom>
-          <a:noFill/>
-        </p:spPr>
-        <p:style>
-          <a:lnRef idx="2">
-            <a:schemeClr val="accent1">
-              <a:shade val="50000"/>
-            </a:schemeClr>
-          </a:lnRef>
-          <a:fillRef idx="1">
-            <a:schemeClr val="accent1"/>
-          </a:fillRef>
-          <a:effectRef idx="0">
-            <a:schemeClr val="accent1"/>
-          </a:effectRef>
-          <a:fontRef idx="minor">
-            <a:schemeClr val="lt1"/>
-          </a:fontRef>
-        </p:style>
-        <p:txBody>
-          <a:bodyPr wrap="square" rtlCol="0" anchor="ctr">
-            <a:noAutofit/>
-          </a:bodyPr>
-          <a:lstStyle/>
-          <a:p>
-            <a:pPr algn="ctr"/>
-            <a:endParaRPr lang="en-US" dirty="0"/>
-          </a:p>
-        </p:txBody>
-      </p:sp>
-      <p:sp>
-        <p:nvSpPr>
-          <p:cNvPr id="11" name="Freeform 10">
-            <a:extLst>
-              <a:ext uri="{FF2B5EF4-FFF2-40B4-BE49-F238E27FC236}">
-                <a16:creationId xmlns:a16="http://schemas.microsoft.com/office/drawing/2014/main" id="{1F612FED-6126-8C7B-8025-FCDB739F80FD}"/>
-              </a:ext>
-            </a:extLst>
-          </p:cNvPr>
-          <p:cNvSpPr/>
-          <p:nvPr/>
-        </p:nvSpPr>
-        <p:spPr>
-          <a:xfrm>
-            <a:off x="2601684" y="2253207"/>
-            <a:ext cx="2018982" cy="2240280"/>
-          </a:xfrm>
-          <a:custGeom>
-            <a:avLst/>
-            <a:gdLst>
-              <a:gd name="connsiteX0" fmla="*/ 1120140 w 2018982"/>
-              <a:gd name="connsiteY0" fmla="*/ 0 h 2240280"/>
-              <a:gd name="connsiteX1" fmla="*/ 1984494 w 2018982"/>
-              <a:gd name="connsiteY1" fmla="*/ 407627 h 2240280"/>
-              <a:gd name="connsiteX2" fmla="*/ 2018982 w 2018982"/>
-              <a:gd name="connsiteY2" fmla="*/ 453747 h 2240280"/>
-              <a:gd name="connsiteX3" fmla="*/ 1988986 w 2018982"/>
-              <a:gd name="connsiteY3" fmla="*/ 493859 h 2240280"/>
-              <a:gd name="connsiteX4" fmla="*/ 1797684 w 2018982"/>
-              <a:gd name="connsiteY4" fmla="*/ 1120140 h 2240280"/>
-              <a:gd name="connsiteX5" fmla="*/ 1988986 w 2018982"/>
-              <a:gd name="connsiteY5" fmla="*/ 1746421 h 2240280"/>
-              <a:gd name="connsiteX6" fmla="*/ 2018982 w 2018982"/>
-              <a:gd name="connsiteY6" fmla="*/ 1786534 h 2240280"/>
-              <a:gd name="connsiteX7" fmla="*/ 1984494 w 2018982"/>
-              <a:gd name="connsiteY7" fmla="*/ 1832653 h 2240280"/>
-              <a:gd name="connsiteX8" fmla="*/ 1120140 w 2018982"/>
-              <a:gd name="connsiteY8" fmla="*/ 2240280 h 2240280"/>
-              <a:gd name="connsiteX9" fmla="*/ 0 w 2018982"/>
-              <a:gd name="connsiteY9" fmla="*/ 1120140 h 2240280"/>
-              <a:gd name="connsiteX10" fmla="*/ 1120140 w 2018982"/>
-              <a:gd name="connsiteY10" fmla="*/ 0 h 2240280"/>
-            </a:gdLst>
-            <a:ahLst/>
-            <a:cxnLst>
-              <a:cxn ang="0">
-                <a:pos x="connsiteX0" y="connsiteY0"/>
-              </a:cxn>
-              <a:cxn ang="0">
-                <a:pos x="connsiteX1" y="connsiteY1"/>
-              </a:cxn>
-              <a:cxn ang="0">
-                <a:pos x="connsiteX2" y="connsiteY2"/>
-              </a:cxn>
-              <a:cxn ang="0">
-                <a:pos x="connsiteX3" y="connsiteY3"/>
-              </a:cxn>
-              <a:cxn ang="0">
-                <a:pos x="connsiteX4" y="connsiteY4"/>
-              </a:cxn>
-              <a:cxn ang="0">
-                <a:pos x="connsiteX5" y="connsiteY5"/>
-              </a:cxn>
-              <a:cxn ang="0">
-                <a:pos x="connsiteX6" y="connsiteY6"/>
-              </a:cxn>
-              <a:cxn ang="0">
-                <a:pos x="connsiteX7" y="connsiteY7"/>
-              </a:cxn>
-              <a:cxn ang="0">
-                <a:pos x="connsiteX8" y="connsiteY8"/>
-              </a:cxn>
-              <a:cxn ang="0">
-                <a:pos x="connsiteX9" y="connsiteY9"/>
-              </a:cxn>
-              <a:cxn ang="0">
-                <a:pos x="connsiteX10" y="connsiteY10"/>
-              </a:cxn>
-            </a:cxnLst>
-            <a:rect l="l" t="t" r="r" b="b"/>
-            <a:pathLst>
-              <a:path w="2018982" h="2240280">
-                <a:moveTo>
-                  <a:pt x="1120140" y="0"/>
-                </a:moveTo>
-                <a:cubicBezTo>
-                  <a:pt x="1468123" y="0"/>
-                  <a:pt x="1779044" y="158679"/>
-                  <a:pt x="1984494" y="407627"/>
-                </a:cubicBezTo>
-                <a:lnTo>
-                  <a:pt x="2018982" y="453747"/>
-                </a:lnTo>
-                <a:lnTo>
-                  <a:pt x="1988986" y="493859"/>
-                </a:lnTo>
-                <a:cubicBezTo>
-                  <a:pt x="1868208" y="672635"/>
-                  <a:pt x="1797684" y="888152"/>
-                  <a:pt x="1797684" y="1120140"/>
-                </a:cubicBezTo>
-                <a:cubicBezTo>
-                  <a:pt x="1797684" y="1352129"/>
-                  <a:pt x="1868208" y="1567645"/>
-                  <a:pt x="1988986" y="1746421"/>
-                </a:cubicBezTo>
-                <a:lnTo>
-                  <a:pt x="2018982" y="1786534"/>
-                </a:lnTo>
-                <a:lnTo>
-                  <a:pt x="1984494" y="1832653"/>
-                </a:lnTo>
-                <a:cubicBezTo>
-                  <a:pt x="1779044" y="2081601"/>
-                  <a:pt x="1468123" y="2240280"/>
-                  <a:pt x="1120140" y="2240280"/>
-                </a:cubicBezTo>
-                <a:cubicBezTo>
-                  <a:pt x="501504" y="2240280"/>
-                  <a:pt x="0" y="1738776"/>
-                  <a:pt x="0" y="1120140"/>
-                </a:cubicBezTo>
-                <a:cubicBezTo>
-                  <a:pt x="0" y="501504"/>
-                  <a:pt x="501504" y="0"/>
-                  <a:pt x="1120140" y="0"/>
-                </a:cubicBezTo>
-                <a:close/>
-              </a:path>
-            </a:pathLst>
-          </a:custGeom>
-          <a:solidFill>
-            <a:schemeClr val="accent2"/>
-          </a:solidFill>
-        </p:spPr>
-        <p:style>
-          <a:lnRef idx="2">
-            <a:schemeClr val="accent1">
-              <a:shade val="50000"/>
-            </a:schemeClr>
-          </a:lnRef>
-          <a:fillRef idx="1">
-            <a:schemeClr val="accent1"/>
-          </a:fillRef>
-          <a:effectRef idx="0">
-            <a:schemeClr val="accent1"/>
-          </a:effectRef>
-          <a:fontRef idx="minor">
-            <a:schemeClr val="lt1"/>
-          </a:fontRef>
-        </p:style>
-        <p:txBody>
-          <a:bodyPr wrap="square" rtlCol="0" anchor="ctr">
-            <a:noAutofit/>
-          </a:bodyPr>
-          <a:lstStyle/>
-          <a:p>
-            <a:pPr algn="ctr"/>
-            <a:endParaRPr lang="en-US" dirty="0"/>
-          </a:p>
-        </p:txBody>
-      </p:sp>
-      <p:sp>
-        <p:nvSpPr>
-          <p:cNvPr id="3" name="Freeform 2">
-            <a:extLst>
-              <a:ext uri="{FF2B5EF4-FFF2-40B4-BE49-F238E27FC236}">
-                <a16:creationId xmlns:a16="http://schemas.microsoft.com/office/drawing/2014/main" id="{9800262D-7EB6-BEA3-9C45-A948336D9680}"/>
-              </a:ext>
-            </a:extLst>
-          </p:cNvPr>
-          <p:cNvSpPr/>
-          <p:nvPr/>
-        </p:nvSpPr>
-        <p:spPr>
-          <a:xfrm>
-            <a:off x="4620666" y="2253207"/>
-            <a:ext cx="2018982" cy="2240280"/>
-          </a:xfrm>
-          <a:custGeom>
-            <a:avLst/>
-            <a:gdLst>
-              <a:gd name="connsiteX0" fmla="*/ 898842 w 2018982"/>
-              <a:gd name="connsiteY0" fmla="*/ 0 h 2240280"/>
-              <a:gd name="connsiteX1" fmla="*/ 2018982 w 2018982"/>
-              <a:gd name="connsiteY1" fmla="*/ 1120140 h 2240280"/>
-              <a:gd name="connsiteX2" fmla="*/ 898842 w 2018982"/>
-              <a:gd name="connsiteY2" fmla="*/ 2240280 h 2240280"/>
-              <a:gd name="connsiteX3" fmla="*/ 34488 w 2018982"/>
-              <a:gd name="connsiteY3" fmla="*/ 1832653 h 2240280"/>
-              <a:gd name="connsiteX4" fmla="*/ 0 w 2018982"/>
-              <a:gd name="connsiteY4" fmla="*/ 1786534 h 2240280"/>
-              <a:gd name="connsiteX5" fmla="*/ 29996 w 2018982"/>
-              <a:gd name="connsiteY5" fmla="*/ 1746421 h 2240280"/>
-              <a:gd name="connsiteX6" fmla="*/ 221298 w 2018982"/>
-              <a:gd name="connsiteY6" fmla="*/ 1120140 h 2240280"/>
-              <a:gd name="connsiteX7" fmla="*/ 29996 w 2018982"/>
-              <a:gd name="connsiteY7" fmla="*/ 493859 h 2240280"/>
-              <a:gd name="connsiteX8" fmla="*/ 0 w 2018982"/>
-              <a:gd name="connsiteY8" fmla="*/ 453747 h 2240280"/>
-              <a:gd name="connsiteX9" fmla="*/ 34488 w 2018982"/>
-              <a:gd name="connsiteY9" fmla="*/ 407627 h 2240280"/>
-              <a:gd name="connsiteX10" fmla="*/ 898842 w 2018982"/>
-              <a:gd name="connsiteY10" fmla="*/ 0 h 2240280"/>
-            </a:gdLst>
-            <a:ahLst/>
-            <a:cxnLst>
-              <a:cxn ang="0">
-                <a:pos x="connsiteX0" y="connsiteY0"/>
-              </a:cxn>
-              <a:cxn ang="0">
-                <a:pos x="connsiteX1" y="connsiteY1"/>
-              </a:cxn>
-              <a:cxn ang="0">
-                <a:pos x="connsiteX2" y="connsiteY2"/>
-              </a:cxn>
-              <a:cxn ang="0">
-                <a:pos x="connsiteX3" y="connsiteY3"/>
-              </a:cxn>
-              <a:cxn ang="0">
-                <a:pos x="connsiteX4" y="connsiteY4"/>
-              </a:cxn>
-              <a:cxn ang="0">
-                <a:pos x="connsiteX5" y="connsiteY5"/>
-              </a:cxn>
-              <a:cxn ang="0">
-                <a:pos x="connsiteX6" y="connsiteY6"/>
-              </a:cxn>
-              <a:cxn ang="0">
-                <a:pos x="connsiteX7" y="connsiteY7"/>
-              </a:cxn>
-              <a:cxn ang="0">
-                <a:pos x="connsiteX8" y="connsiteY8"/>
-              </a:cxn>
-              <a:cxn ang="0">
-                <a:pos x="connsiteX9" y="connsiteY9"/>
-              </a:cxn>
-              <a:cxn ang="0">
-                <a:pos x="connsiteX10" y="connsiteY10"/>
-              </a:cxn>
-            </a:cxnLst>
-            <a:rect l="l" t="t" r="r" b="b"/>
-            <a:pathLst>
-              <a:path w="2018982" h="2240280">
-                <a:moveTo>
-                  <a:pt x="898842" y="0"/>
-                </a:moveTo>
-                <a:cubicBezTo>
-                  <a:pt x="1517478" y="0"/>
-                  <a:pt x="2018982" y="501504"/>
-                  <a:pt x="2018982" y="1120140"/>
-                </a:cubicBezTo>
-                <a:cubicBezTo>
-                  <a:pt x="2018982" y="1738776"/>
-                  <a:pt x="1517478" y="2240280"/>
-                  <a:pt x="898842" y="2240280"/>
-                </a:cubicBezTo>
-                <a:cubicBezTo>
-                  <a:pt x="550859" y="2240280"/>
-                  <a:pt x="239938" y="2081601"/>
-                  <a:pt x="34488" y="1832653"/>
-                </a:cubicBezTo>
-                <a:lnTo>
-                  <a:pt x="0" y="1786534"/>
-                </a:lnTo>
-                <a:lnTo>
-                  <a:pt x="29996" y="1746421"/>
-                </a:lnTo>
-                <a:cubicBezTo>
-                  <a:pt x="150774" y="1567645"/>
-                  <a:pt x="221298" y="1352129"/>
-                  <a:pt x="221298" y="1120140"/>
-                </a:cubicBezTo>
-                <a:cubicBezTo>
-                  <a:pt x="221298" y="888152"/>
-                  <a:pt x="150774" y="672635"/>
-                  <a:pt x="29996" y="493859"/>
-                </a:cubicBezTo>
-                <a:lnTo>
-                  <a:pt x="0" y="453747"/>
-                </a:lnTo>
-                <a:lnTo>
-                  <a:pt x="34488" y="407627"/>
-                </a:lnTo>
-                <a:cubicBezTo>
-                  <a:pt x="239938" y="158679"/>
-                  <a:pt x="550859" y="0"/>
-                  <a:pt x="898842" y="0"/>
-                </a:cubicBezTo>
-                <a:close/>
-              </a:path>
-            </a:pathLst>
-          </a:custGeom>
-          <a:noFill/>
-        </p:spPr>
-        <p:style>
-          <a:lnRef idx="2">
-            <a:schemeClr val="accent1">
-              <a:shade val="50000"/>
-            </a:schemeClr>
-          </a:lnRef>
-          <a:fillRef idx="1">
-            <a:schemeClr val="accent1"/>
-          </a:fillRef>
-          <a:effectRef idx="0">
-            <a:schemeClr val="accent1"/>
-          </a:effectRef>
-          <a:fontRef idx="minor">
-            <a:schemeClr val="lt1"/>
-          </a:fontRef>
-        </p:style>
-        <p:txBody>
-          <a:bodyPr wrap="square" rtlCol="0" anchor="ctr">
-            <a:noAutofit/>
-          </a:bodyPr>
-          <a:lstStyle/>
-          <a:p>
-            <a:pPr algn="ctr"/>
-            <a:endParaRPr lang="en-US" dirty="0">
-              <a:ln>
-                <a:solidFill>
-                  <a:sysClr val="windowText" lastClr="000000"/>
-                </a:solidFill>
-              </a:ln>
-            </a:endParaRPr>
-          </a:p>
-        </p:txBody>
-      </p:sp>
-      <p:sp>
-        <p:nvSpPr>
-          <p:cNvPr id="8" name="TextBox 7">
-            <a:extLst>
-              <a:ext uri="{FF2B5EF4-FFF2-40B4-BE49-F238E27FC236}">
-                <a16:creationId xmlns:a16="http://schemas.microsoft.com/office/drawing/2014/main" id="{634BCC87-D496-BBEB-025C-1D6E3E2C88DC}"/>
-              </a:ext>
-            </a:extLst>
-          </p:cNvPr>
-          <p:cNvSpPr txBox="1"/>
-          <p:nvPr/>
-        </p:nvSpPr>
-        <p:spPr>
-          <a:xfrm>
-            <a:off x="4928616" y="3059668"/>
-            <a:ext cx="1489734" cy="523220"/>
-          </a:xfrm>
-          <a:prstGeom prst="rect">
-            <a:avLst/>
-          </a:prstGeom>
-          <a:noFill/>
-        </p:spPr>
-        <p:txBody>
-          <a:bodyPr wrap="square" rtlCol="0">
-            <a:spAutoFit/>
-          </a:bodyPr>
-          <a:lstStyle/>
-          <a:p>
-            <a:pPr algn="ctr"/>
-            <a:r>
-              <a:rPr lang="en-US" sz="1400" dirty="0">
-                <a:highlight>
-                  <a:srgbClr val="FFFF00"/>
-                </a:highlight>
-              </a:rPr>
-              <a:t>Records in table A &amp; B are dropped. </a:t>
-            </a:r>
-          </a:p>
-        </p:txBody>
-      </p:sp>
-    </p:spTree>
-    <p:extLst>
-      <p:ext uri="{BB962C8B-B14F-4D97-AF65-F5344CB8AC3E}">
-        <p14:creationId xmlns:p14="http://schemas.microsoft.com/office/powerpoint/2010/main" val="3143683649"/>
-      </p:ext>
-    </p:extLst>
-  </p:cSld>
-  <p:clrMapOvr>
-    <a:masterClrMapping/>
-  </p:clrMapOvr>
-</p:sld>
-</file>
-
-<file path=ppt/slides/slide16.xml><?xml version="1.0" encoding="utf-8"?>
-<p:sld xmlns:a="http://schemas.openxmlformats.org/drawingml/2006/main" xmlns:r="http://schemas.openxmlformats.org/officeDocument/2006/relationships" xmlns:p="http://schemas.openxmlformats.org/presentationml/2006/main">
-  <p:cSld>
-    <p:spTree>
-      <p:nvGrpSpPr>
-        <p:cNvPr id="1" name=""/>
-        <p:cNvGrpSpPr/>
-        <p:nvPr/>
-      </p:nvGrpSpPr>
-      <p:grpSpPr>
-        <a:xfrm>
-          <a:off x="0" y="0"/>
-          <a:ext cx="0" cy="0"/>
-          <a:chOff x="0" y="0"/>
-          <a:chExt cx="0" cy="0"/>
-        </a:xfrm>
-      </p:grpSpPr>
-      <p:sp>
-        <p:nvSpPr>
-          <p:cNvPr id="2" name="Title 1">
-            <a:extLst>
-              <a:ext uri="{FF2B5EF4-FFF2-40B4-BE49-F238E27FC236}">
-                <a16:creationId xmlns:a16="http://schemas.microsoft.com/office/drawing/2014/main" id="{C2704038-62BD-A58E-658D-441C9591EB0F}"/>
-              </a:ext>
-            </a:extLst>
-          </p:cNvPr>
-          <p:cNvSpPr>
-            <a:spLocks noGrp="1"/>
-          </p:cNvSpPr>
-          <p:nvPr>
-            <p:ph type="title"/>
-          </p:nvPr>
-        </p:nvSpPr>
-        <p:spPr>
-          <a:xfrm>
-            <a:off x="182880" y="383980"/>
-            <a:ext cx="8823960" cy="591477"/>
-          </a:xfrm>
-        </p:spPr>
-        <p:txBody>
-          <a:bodyPr/>
-          <a:lstStyle/>
-          <a:p>
-            <a:r>
-              <a:rPr lang="en-US" sz="2400" dirty="0"/>
-              <a:t>Do you want to just keep all records?</a:t>
-            </a:r>
-          </a:p>
-        </p:txBody>
-      </p:sp>
-      <p:sp>
-        <p:nvSpPr>
-          <p:cNvPr id="4" name="Date Placeholder 3">
-            <a:extLst>
-              <a:ext uri="{FF2B5EF4-FFF2-40B4-BE49-F238E27FC236}">
-                <a16:creationId xmlns:a16="http://schemas.microsoft.com/office/drawing/2014/main" id="{000CE65B-D69B-61C8-C75D-E14AA9434086}"/>
-              </a:ext>
-            </a:extLst>
-          </p:cNvPr>
-          <p:cNvSpPr>
-            <a:spLocks noGrp="1"/>
-          </p:cNvSpPr>
-          <p:nvPr>
-            <p:ph type="dt" sz="half" idx="10"/>
-          </p:nvPr>
-        </p:nvSpPr>
-        <p:spPr/>
-        <p:txBody>
-          <a:bodyPr/>
-          <a:lstStyle/>
-          <a:p>
-            <a:fld id="{D753EFC8-4232-4598-94F6-94C0EBAFC469}" type="datetime1">
-              <a:rPr lang="en-US" smtClean="0"/>
-              <a:t>9/5/22</a:t>
-            </a:fld>
-            <a:endParaRPr lang="en-US"/>
-          </a:p>
-        </p:txBody>
-      </p:sp>
-      <p:sp>
-        <p:nvSpPr>
-          <p:cNvPr id="5" name="Slide Number Placeholder 4">
-            <a:extLst>
-              <a:ext uri="{FF2B5EF4-FFF2-40B4-BE49-F238E27FC236}">
-                <a16:creationId xmlns:a16="http://schemas.microsoft.com/office/drawing/2014/main" id="{23A233B3-D793-7097-E8D3-34BD78666ED5}"/>
-              </a:ext>
-            </a:extLst>
-          </p:cNvPr>
-          <p:cNvSpPr>
-            <a:spLocks noGrp="1"/>
-          </p:cNvSpPr>
-          <p:nvPr>
-            <p:ph type="sldNum" sz="quarter" idx="12"/>
-          </p:nvPr>
-        </p:nvSpPr>
-        <p:spPr/>
-        <p:txBody>
-          <a:bodyPr/>
-          <a:lstStyle/>
-          <a:p>
-            <a:fld id="{37290FF7-652B-4475-AEAB-8B1A5D23AE09}" type="slidenum">
-              <a:rPr lang="en-US" smtClean="0"/>
-              <a:t>16</a:t>
-            </a:fld>
-            <a:endParaRPr lang="en-US"/>
-          </a:p>
-        </p:txBody>
-      </p:sp>
-      <p:sp>
-        <p:nvSpPr>
-          <p:cNvPr id="6" name="Footer Placeholder 5">
-            <a:extLst>
-              <a:ext uri="{FF2B5EF4-FFF2-40B4-BE49-F238E27FC236}">
-                <a16:creationId xmlns:a16="http://schemas.microsoft.com/office/drawing/2014/main" id="{6993DB78-1B87-A726-6130-55B4DA150BC8}"/>
-              </a:ext>
-            </a:extLst>
-          </p:cNvPr>
-          <p:cNvSpPr>
-            <a:spLocks noGrp="1"/>
-          </p:cNvSpPr>
-          <p:nvPr>
-            <p:ph type="ftr" sz="quarter" idx="3"/>
-          </p:nvPr>
-        </p:nvSpPr>
-        <p:spPr/>
-        <p:txBody>
-          <a:bodyPr/>
-          <a:lstStyle/>
-          <a:p>
-            <a:r>
-              <a:rPr lang="en-US"/>
-              <a:t>Kwartler CSCI S-96</a:t>
-            </a:r>
-            <a:endParaRPr lang="en-US" dirty="0"/>
-          </a:p>
-        </p:txBody>
-      </p:sp>
-      <p:sp>
-        <p:nvSpPr>
-          <p:cNvPr id="7" name="Rectangle 6">
-            <a:extLst>
-              <a:ext uri="{FF2B5EF4-FFF2-40B4-BE49-F238E27FC236}">
-                <a16:creationId xmlns:a16="http://schemas.microsoft.com/office/drawing/2014/main" id="{2BDBB0D3-2C1D-6778-EA80-ADAC3073197B}"/>
-              </a:ext>
-            </a:extLst>
-          </p:cNvPr>
-          <p:cNvSpPr/>
-          <p:nvPr/>
-        </p:nvSpPr>
-        <p:spPr>
-          <a:xfrm>
-            <a:off x="558769" y="5721081"/>
-            <a:ext cx="8026463" cy="470519"/>
-          </a:xfrm>
-          <a:prstGeom prst="rect">
-            <a:avLst/>
-          </a:prstGeom>
-          <a:solidFill>
-            <a:schemeClr val="accent6"/>
-          </a:solidFill>
-          <a:ln>
-            <a:noFill/>
-          </a:ln>
-        </p:spPr>
-        <p:style>
-          <a:lnRef idx="2">
-            <a:schemeClr val="accent1">
-              <a:shade val="50000"/>
-            </a:schemeClr>
-          </a:lnRef>
-          <a:fillRef idx="1">
-            <a:schemeClr val="accent1"/>
-          </a:fillRef>
-          <a:effectRef idx="0">
-            <a:schemeClr val="accent1"/>
-          </a:effectRef>
-          <a:fontRef idx="minor">
-            <a:schemeClr val="lt1"/>
-          </a:fontRef>
-        </p:style>
-        <p:txBody>
-          <a:bodyPr rtlCol="0" anchor="ctr"/>
-          <a:lstStyle/>
-          <a:p>
-            <a:pPr algn="ctr"/>
-            <a:r>
-              <a:rPr lang="en-US" sz="1400" b="1" u="sng" dirty="0"/>
-              <a:t>In this case use a “full” join</a:t>
-            </a:r>
-          </a:p>
-        </p:txBody>
-      </p:sp>
-      <p:sp>
-        <p:nvSpPr>
-          <p:cNvPr id="12" name="Freeform 11">
-            <a:extLst>
-              <a:ext uri="{FF2B5EF4-FFF2-40B4-BE49-F238E27FC236}">
-                <a16:creationId xmlns:a16="http://schemas.microsoft.com/office/drawing/2014/main" id="{42A78397-5370-F243-2508-B901B40B0FC2}"/>
-              </a:ext>
-            </a:extLst>
-          </p:cNvPr>
-          <p:cNvSpPr/>
-          <p:nvPr/>
-        </p:nvSpPr>
-        <p:spPr>
-          <a:xfrm>
-            <a:off x="4399368" y="2706955"/>
-            <a:ext cx="442596" cy="1332787"/>
-          </a:xfrm>
-          <a:custGeom>
-            <a:avLst/>
-            <a:gdLst>
-              <a:gd name="connsiteX0" fmla="*/ 221298 w 442596"/>
-              <a:gd name="connsiteY0" fmla="*/ 0 h 1332787"/>
-              <a:gd name="connsiteX1" fmla="*/ 251294 w 442596"/>
-              <a:gd name="connsiteY1" fmla="*/ 40112 h 1332787"/>
-              <a:gd name="connsiteX2" fmla="*/ 442596 w 442596"/>
-              <a:gd name="connsiteY2" fmla="*/ 666393 h 1332787"/>
-              <a:gd name="connsiteX3" fmla="*/ 251294 w 442596"/>
-              <a:gd name="connsiteY3" fmla="*/ 1292674 h 1332787"/>
-              <a:gd name="connsiteX4" fmla="*/ 221298 w 442596"/>
-              <a:gd name="connsiteY4" fmla="*/ 1332787 h 1332787"/>
-              <a:gd name="connsiteX5" fmla="*/ 191302 w 442596"/>
-              <a:gd name="connsiteY5" fmla="*/ 1292674 h 1332787"/>
-              <a:gd name="connsiteX6" fmla="*/ 0 w 442596"/>
-              <a:gd name="connsiteY6" fmla="*/ 666393 h 1332787"/>
-              <a:gd name="connsiteX7" fmla="*/ 191302 w 442596"/>
-              <a:gd name="connsiteY7" fmla="*/ 40112 h 1332787"/>
-              <a:gd name="connsiteX8" fmla="*/ 221298 w 442596"/>
-              <a:gd name="connsiteY8" fmla="*/ 0 h 1332787"/>
-            </a:gdLst>
-            <a:ahLst/>
-            <a:cxnLst>
-              <a:cxn ang="0">
-                <a:pos x="connsiteX0" y="connsiteY0"/>
-              </a:cxn>
-              <a:cxn ang="0">
-                <a:pos x="connsiteX1" y="connsiteY1"/>
-              </a:cxn>
-              <a:cxn ang="0">
-                <a:pos x="connsiteX2" y="connsiteY2"/>
-              </a:cxn>
-              <a:cxn ang="0">
-                <a:pos x="connsiteX3" y="connsiteY3"/>
-              </a:cxn>
-              <a:cxn ang="0">
-                <a:pos x="connsiteX4" y="connsiteY4"/>
-              </a:cxn>
-              <a:cxn ang="0">
-                <a:pos x="connsiteX5" y="connsiteY5"/>
-              </a:cxn>
-              <a:cxn ang="0">
-                <a:pos x="connsiteX6" y="connsiteY6"/>
-              </a:cxn>
-              <a:cxn ang="0">
-                <a:pos x="connsiteX7" y="connsiteY7"/>
-              </a:cxn>
-              <a:cxn ang="0">
-                <a:pos x="connsiteX8" y="connsiteY8"/>
-              </a:cxn>
-            </a:cxnLst>
-            <a:rect l="l" t="t" r="r" b="b"/>
-            <a:pathLst>
-              <a:path w="442596" h="1332787">
-                <a:moveTo>
-                  <a:pt x="221298" y="0"/>
-                </a:moveTo>
-                <a:lnTo>
-                  <a:pt x="251294" y="40112"/>
-                </a:lnTo>
-                <a:cubicBezTo>
-                  <a:pt x="372072" y="218888"/>
-                  <a:pt x="442596" y="434405"/>
-                  <a:pt x="442596" y="666393"/>
-                </a:cubicBezTo>
-                <a:cubicBezTo>
-                  <a:pt x="442596" y="898382"/>
-                  <a:pt x="372072" y="1113898"/>
-                  <a:pt x="251294" y="1292674"/>
-                </a:cubicBezTo>
-                <a:lnTo>
-                  <a:pt x="221298" y="1332787"/>
-                </a:lnTo>
-                <a:lnTo>
-                  <a:pt x="191302" y="1292674"/>
-                </a:lnTo>
-                <a:cubicBezTo>
-                  <a:pt x="70524" y="1113898"/>
-                  <a:pt x="0" y="898382"/>
-                  <a:pt x="0" y="666393"/>
-                </a:cubicBezTo>
-                <a:cubicBezTo>
-                  <a:pt x="0" y="434405"/>
-                  <a:pt x="70524" y="218888"/>
-                  <a:pt x="191302" y="40112"/>
-                </a:cubicBezTo>
-                <a:lnTo>
-                  <a:pt x="221298" y="0"/>
-                </a:lnTo>
-                <a:close/>
-              </a:path>
-            </a:pathLst>
-          </a:custGeom>
-          <a:solidFill>
-            <a:schemeClr val="accent2"/>
-          </a:solidFill>
-        </p:spPr>
-        <p:style>
-          <a:lnRef idx="2">
-            <a:schemeClr val="accent1">
-              <a:shade val="50000"/>
-            </a:schemeClr>
-          </a:lnRef>
-          <a:fillRef idx="1">
-            <a:schemeClr val="accent1"/>
-          </a:fillRef>
-          <a:effectRef idx="0">
-            <a:schemeClr val="accent1"/>
-          </a:effectRef>
-          <a:fontRef idx="minor">
-            <a:schemeClr val="lt1"/>
-          </a:fontRef>
-        </p:style>
-        <p:txBody>
-          <a:bodyPr wrap="square" rtlCol="0" anchor="ctr">
-            <a:noAutofit/>
-          </a:bodyPr>
-          <a:lstStyle/>
-          <a:p>
-            <a:pPr algn="ctr"/>
-            <a:endParaRPr lang="en-US" dirty="0"/>
-          </a:p>
-        </p:txBody>
-      </p:sp>
-      <p:sp>
-        <p:nvSpPr>
-          <p:cNvPr id="11" name="Freeform 10">
-            <a:extLst>
-              <a:ext uri="{FF2B5EF4-FFF2-40B4-BE49-F238E27FC236}">
-                <a16:creationId xmlns:a16="http://schemas.microsoft.com/office/drawing/2014/main" id="{1F612FED-6126-8C7B-8025-FCDB739F80FD}"/>
-              </a:ext>
-            </a:extLst>
-          </p:cNvPr>
-          <p:cNvSpPr/>
-          <p:nvPr/>
-        </p:nvSpPr>
-        <p:spPr>
-          <a:xfrm>
-            <a:off x="2601684" y="2253207"/>
-            <a:ext cx="2018982" cy="2240280"/>
-          </a:xfrm>
-          <a:custGeom>
-            <a:avLst/>
-            <a:gdLst>
-              <a:gd name="connsiteX0" fmla="*/ 1120140 w 2018982"/>
-              <a:gd name="connsiteY0" fmla="*/ 0 h 2240280"/>
-              <a:gd name="connsiteX1" fmla="*/ 1984494 w 2018982"/>
-              <a:gd name="connsiteY1" fmla="*/ 407627 h 2240280"/>
-              <a:gd name="connsiteX2" fmla="*/ 2018982 w 2018982"/>
-              <a:gd name="connsiteY2" fmla="*/ 453747 h 2240280"/>
-              <a:gd name="connsiteX3" fmla="*/ 1988986 w 2018982"/>
-              <a:gd name="connsiteY3" fmla="*/ 493859 h 2240280"/>
-              <a:gd name="connsiteX4" fmla="*/ 1797684 w 2018982"/>
-              <a:gd name="connsiteY4" fmla="*/ 1120140 h 2240280"/>
-              <a:gd name="connsiteX5" fmla="*/ 1988986 w 2018982"/>
-              <a:gd name="connsiteY5" fmla="*/ 1746421 h 2240280"/>
-              <a:gd name="connsiteX6" fmla="*/ 2018982 w 2018982"/>
-              <a:gd name="connsiteY6" fmla="*/ 1786534 h 2240280"/>
-              <a:gd name="connsiteX7" fmla="*/ 1984494 w 2018982"/>
-              <a:gd name="connsiteY7" fmla="*/ 1832653 h 2240280"/>
-              <a:gd name="connsiteX8" fmla="*/ 1120140 w 2018982"/>
-              <a:gd name="connsiteY8" fmla="*/ 2240280 h 2240280"/>
-              <a:gd name="connsiteX9" fmla="*/ 0 w 2018982"/>
-              <a:gd name="connsiteY9" fmla="*/ 1120140 h 2240280"/>
-              <a:gd name="connsiteX10" fmla="*/ 1120140 w 2018982"/>
-              <a:gd name="connsiteY10" fmla="*/ 0 h 2240280"/>
-            </a:gdLst>
-            <a:ahLst/>
-            <a:cxnLst>
-              <a:cxn ang="0">
-                <a:pos x="connsiteX0" y="connsiteY0"/>
-              </a:cxn>
-              <a:cxn ang="0">
-                <a:pos x="connsiteX1" y="connsiteY1"/>
-              </a:cxn>
-              <a:cxn ang="0">
-                <a:pos x="connsiteX2" y="connsiteY2"/>
-              </a:cxn>
-              <a:cxn ang="0">
-                <a:pos x="connsiteX3" y="connsiteY3"/>
-              </a:cxn>
-              <a:cxn ang="0">
-                <a:pos x="connsiteX4" y="connsiteY4"/>
-              </a:cxn>
-              <a:cxn ang="0">
-                <a:pos x="connsiteX5" y="connsiteY5"/>
-              </a:cxn>
-              <a:cxn ang="0">
-                <a:pos x="connsiteX6" y="connsiteY6"/>
-              </a:cxn>
-              <a:cxn ang="0">
-                <a:pos x="connsiteX7" y="connsiteY7"/>
-              </a:cxn>
-              <a:cxn ang="0">
-                <a:pos x="connsiteX8" y="connsiteY8"/>
-              </a:cxn>
-              <a:cxn ang="0">
-                <a:pos x="connsiteX9" y="connsiteY9"/>
-              </a:cxn>
-              <a:cxn ang="0">
-                <a:pos x="connsiteX10" y="connsiteY10"/>
-              </a:cxn>
-            </a:cxnLst>
-            <a:rect l="l" t="t" r="r" b="b"/>
-            <a:pathLst>
-              <a:path w="2018982" h="2240280">
-                <a:moveTo>
-                  <a:pt x="1120140" y="0"/>
-                </a:moveTo>
-                <a:cubicBezTo>
-                  <a:pt x="1468123" y="0"/>
-                  <a:pt x="1779044" y="158679"/>
-                  <a:pt x="1984494" y="407627"/>
-                </a:cubicBezTo>
-                <a:lnTo>
-                  <a:pt x="2018982" y="453747"/>
-                </a:lnTo>
-                <a:lnTo>
-                  <a:pt x="1988986" y="493859"/>
-                </a:lnTo>
-                <a:cubicBezTo>
-                  <a:pt x="1868208" y="672635"/>
-                  <a:pt x="1797684" y="888152"/>
-                  <a:pt x="1797684" y="1120140"/>
-                </a:cubicBezTo>
-                <a:cubicBezTo>
-                  <a:pt x="1797684" y="1352129"/>
-                  <a:pt x="1868208" y="1567645"/>
-                  <a:pt x="1988986" y="1746421"/>
-                </a:cubicBezTo>
-                <a:lnTo>
-                  <a:pt x="2018982" y="1786534"/>
-                </a:lnTo>
-                <a:lnTo>
-                  <a:pt x="1984494" y="1832653"/>
-                </a:lnTo>
-                <a:cubicBezTo>
-                  <a:pt x="1779044" y="2081601"/>
-                  <a:pt x="1468123" y="2240280"/>
-                  <a:pt x="1120140" y="2240280"/>
-                </a:cubicBezTo>
-                <a:cubicBezTo>
-                  <a:pt x="501504" y="2240280"/>
-                  <a:pt x="0" y="1738776"/>
-                  <a:pt x="0" y="1120140"/>
-                </a:cubicBezTo>
-                <a:cubicBezTo>
-                  <a:pt x="0" y="501504"/>
-                  <a:pt x="501504" y="0"/>
-                  <a:pt x="1120140" y="0"/>
-                </a:cubicBezTo>
-                <a:close/>
-              </a:path>
-            </a:pathLst>
-          </a:custGeom>
-          <a:solidFill>
-            <a:schemeClr val="accent2"/>
-          </a:solidFill>
-        </p:spPr>
-        <p:style>
-          <a:lnRef idx="2">
-            <a:schemeClr val="accent1">
-              <a:shade val="50000"/>
-            </a:schemeClr>
-          </a:lnRef>
-          <a:fillRef idx="1">
-            <a:schemeClr val="accent1"/>
-          </a:fillRef>
-          <a:effectRef idx="0">
-            <a:schemeClr val="accent1"/>
-          </a:effectRef>
-          <a:fontRef idx="minor">
-            <a:schemeClr val="lt1"/>
-          </a:fontRef>
-        </p:style>
-        <p:txBody>
-          <a:bodyPr wrap="square" rtlCol="0" anchor="ctr">
-            <a:noAutofit/>
-          </a:bodyPr>
-          <a:lstStyle/>
-          <a:p>
-            <a:pPr algn="ctr"/>
-            <a:endParaRPr lang="en-US" dirty="0"/>
-          </a:p>
-        </p:txBody>
-      </p:sp>
-      <p:sp>
-        <p:nvSpPr>
-          <p:cNvPr id="3" name="Freeform 2">
-            <a:extLst>
-              <a:ext uri="{FF2B5EF4-FFF2-40B4-BE49-F238E27FC236}">
-                <a16:creationId xmlns:a16="http://schemas.microsoft.com/office/drawing/2014/main" id="{9800262D-7EB6-BEA3-9C45-A948336D9680}"/>
-              </a:ext>
-            </a:extLst>
-          </p:cNvPr>
-          <p:cNvSpPr/>
-          <p:nvPr/>
-        </p:nvSpPr>
-        <p:spPr>
-          <a:xfrm>
-            <a:off x="4620666" y="2253207"/>
-            <a:ext cx="2018982" cy="2240280"/>
-          </a:xfrm>
-          <a:custGeom>
-            <a:avLst/>
-            <a:gdLst>
-              <a:gd name="connsiteX0" fmla="*/ 898842 w 2018982"/>
-              <a:gd name="connsiteY0" fmla="*/ 0 h 2240280"/>
-              <a:gd name="connsiteX1" fmla="*/ 2018982 w 2018982"/>
-              <a:gd name="connsiteY1" fmla="*/ 1120140 h 2240280"/>
-              <a:gd name="connsiteX2" fmla="*/ 898842 w 2018982"/>
-              <a:gd name="connsiteY2" fmla="*/ 2240280 h 2240280"/>
-              <a:gd name="connsiteX3" fmla="*/ 34488 w 2018982"/>
-              <a:gd name="connsiteY3" fmla="*/ 1832653 h 2240280"/>
-              <a:gd name="connsiteX4" fmla="*/ 0 w 2018982"/>
-              <a:gd name="connsiteY4" fmla="*/ 1786534 h 2240280"/>
-              <a:gd name="connsiteX5" fmla="*/ 29996 w 2018982"/>
-              <a:gd name="connsiteY5" fmla="*/ 1746421 h 2240280"/>
-              <a:gd name="connsiteX6" fmla="*/ 221298 w 2018982"/>
-              <a:gd name="connsiteY6" fmla="*/ 1120140 h 2240280"/>
-              <a:gd name="connsiteX7" fmla="*/ 29996 w 2018982"/>
-              <a:gd name="connsiteY7" fmla="*/ 493859 h 2240280"/>
-              <a:gd name="connsiteX8" fmla="*/ 0 w 2018982"/>
-              <a:gd name="connsiteY8" fmla="*/ 453747 h 2240280"/>
-              <a:gd name="connsiteX9" fmla="*/ 34488 w 2018982"/>
-              <a:gd name="connsiteY9" fmla="*/ 407627 h 2240280"/>
-              <a:gd name="connsiteX10" fmla="*/ 898842 w 2018982"/>
-              <a:gd name="connsiteY10" fmla="*/ 0 h 2240280"/>
-            </a:gdLst>
-            <a:ahLst/>
-            <a:cxnLst>
-              <a:cxn ang="0">
-                <a:pos x="connsiteX0" y="connsiteY0"/>
-              </a:cxn>
-              <a:cxn ang="0">
-                <a:pos x="connsiteX1" y="connsiteY1"/>
-              </a:cxn>
-              <a:cxn ang="0">
-                <a:pos x="connsiteX2" y="connsiteY2"/>
-              </a:cxn>
-              <a:cxn ang="0">
-                <a:pos x="connsiteX3" y="connsiteY3"/>
-              </a:cxn>
-              <a:cxn ang="0">
-                <a:pos x="connsiteX4" y="connsiteY4"/>
-              </a:cxn>
-              <a:cxn ang="0">
-                <a:pos x="connsiteX5" y="connsiteY5"/>
-              </a:cxn>
-              <a:cxn ang="0">
-                <a:pos x="connsiteX6" y="connsiteY6"/>
-              </a:cxn>
-              <a:cxn ang="0">
-                <a:pos x="connsiteX7" y="connsiteY7"/>
-              </a:cxn>
-              <a:cxn ang="0">
-                <a:pos x="connsiteX8" y="connsiteY8"/>
-              </a:cxn>
-              <a:cxn ang="0">
-                <a:pos x="connsiteX9" y="connsiteY9"/>
-              </a:cxn>
-              <a:cxn ang="0">
-                <a:pos x="connsiteX10" y="connsiteY10"/>
-              </a:cxn>
-            </a:cxnLst>
-            <a:rect l="l" t="t" r="r" b="b"/>
-            <a:pathLst>
-              <a:path w="2018982" h="2240280">
-                <a:moveTo>
-                  <a:pt x="898842" y="0"/>
-                </a:moveTo>
-                <a:cubicBezTo>
-                  <a:pt x="1517478" y="0"/>
-                  <a:pt x="2018982" y="501504"/>
-                  <a:pt x="2018982" y="1120140"/>
-                </a:cubicBezTo>
-                <a:cubicBezTo>
-                  <a:pt x="2018982" y="1738776"/>
-                  <a:pt x="1517478" y="2240280"/>
-                  <a:pt x="898842" y="2240280"/>
-                </a:cubicBezTo>
-                <a:cubicBezTo>
-                  <a:pt x="550859" y="2240280"/>
-                  <a:pt x="239938" y="2081601"/>
-                  <a:pt x="34488" y="1832653"/>
-                </a:cubicBezTo>
-                <a:lnTo>
-                  <a:pt x="0" y="1786534"/>
-                </a:lnTo>
-                <a:lnTo>
-                  <a:pt x="29996" y="1746421"/>
-                </a:lnTo>
-                <a:cubicBezTo>
-                  <a:pt x="150774" y="1567645"/>
-                  <a:pt x="221298" y="1352129"/>
-                  <a:pt x="221298" y="1120140"/>
-                </a:cubicBezTo>
-                <a:cubicBezTo>
-                  <a:pt x="221298" y="888152"/>
-                  <a:pt x="150774" y="672635"/>
-                  <a:pt x="29996" y="493859"/>
-                </a:cubicBezTo>
-                <a:lnTo>
-                  <a:pt x="0" y="453747"/>
-                </a:lnTo>
-                <a:lnTo>
-                  <a:pt x="34488" y="407627"/>
-                </a:lnTo>
-                <a:cubicBezTo>
-                  <a:pt x="239938" y="158679"/>
-                  <a:pt x="550859" y="0"/>
-                  <a:pt x="898842" y="0"/>
-                </a:cubicBezTo>
-                <a:close/>
-              </a:path>
-            </a:pathLst>
-          </a:custGeom>
-          <a:solidFill>
-            <a:schemeClr val="accent2"/>
-          </a:solidFill>
-        </p:spPr>
-        <p:style>
-          <a:lnRef idx="2">
-            <a:schemeClr val="accent1">
-              <a:shade val="50000"/>
-            </a:schemeClr>
-          </a:lnRef>
-          <a:fillRef idx="1">
-            <a:schemeClr val="accent1"/>
-          </a:fillRef>
-          <a:effectRef idx="0">
-            <a:schemeClr val="accent1"/>
-          </a:effectRef>
-          <a:fontRef idx="minor">
-            <a:schemeClr val="lt1"/>
-          </a:fontRef>
-        </p:style>
-        <p:txBody>
-          <a:bodyPr wrap="square" rtlCol="0" anchor="ctr">
-            <a:noAutofit/>
-          </a:bodyPr>
-          <a:lstStyle/>
-          <a:p>
-            <a:pPr algn="ctr"/>
-            <a:endParaRPr lang="en-US" dirty="0">
-              <a:ln>
-                <a:solidFill>
-                  <a:sysClr val="windowText" lastClr="000000"/>
-                </a:solidFill>
-              </a:ln>
-            </a:endParaRPr>
-          </a:p>
-        </p:txBody>
-      </p:sp>
-      <p:sp>
-        <p:nvSpPr>
-          <p:cNvPr id="8" name="TextBox 7">
-            <a:extLst>
-              <a:ext uri="{FF2B5EF4-FFF2-40B4-BE49-F238E27FC236}">
-                <a16:creationId xmlns:a16="http://schemas.microsoft.com/office/drawing/2014/main" id="{634BCC87-D496-BBEB-025C-1D6E3E2C88DC}"/>
-              </a:ext>
-            </a:extLst>
-          </p:cNvPr>
-          <p:cNvSpPr txBox="1"/>
-          <p:nvPr/>
-        </p:nvSpPr>
-        <p:spPr>
-          <a:xfrm rot="19891778">
-            <a:off x="449387" y="2825298"/>
-            <a:ext cx="1489734" cy="738664"/>
-          </a:xfrm>
-          <a:prstGeom prst="rect">
-            <a:avLst/>
-          </a:prstGeom>
-          <a:noFill/>
-        </p:spPr>
-        <p:txBody>
-          <a:bodyPr wrap="square" rtlCol="0">
-            <a:spAutoFit/>
-          </a:bodyPr>
-          <a:lstStyle/>
-          <a:p>
-            <a:pPr algn="ctr"/>
-            <a:r>
-              <a:rPr lang="en-US" sz="1400" dirty="0">
-                <a:highlight>
-                  <a:srgbClr val="FFFF00"/>
-                </a:highlight>
-              </a:rPr>
-              <a:t>TBH this is what I find myself doing most often!</a:t>
-            </a:r>
-          </a:p>
-        </p:txBody>
-      </p:sp>
-    </p:spTree>
-    <p:extLst>
-      <p:ext uri="{BB962C8B-B14F-4D97-AF65-F5344CB8AC3E}">
-        <p14:creationId xmlns:p14="http://schemas.microsoft.com/office/powerpoint/2010/main" val="1553336355"/>
-      </p:ext>
-    </p:extLst>
-  </p:cSld>
-  <p:clrMapOvr>
-    <a:masterClrMapping/>
-  </p:clrMapOvr>
-</p:sld>
-</file>
-
-<file path=ppt/slides/slide17.xml><?xml version="1.0" encoding="utf-8"?>
-<p:sld xmlns:a="http://schemas.openxmlformats.org/drawingml/2006/main" xmlns:r="http://schemas.openxmlformats.org/officeDocument/2006/relationships" xmlns:p="http://schemas.openxmlformats.org/presentationml/2006/main">
-  <p:cSld>
-    <p:spTree>
-      <p:nvGrpSpPr>
-        <p:cNvPr id="1" name=""/>
-        <p:cNvGrpSpPr/>
-        <p:nvPr/>
-      </p:nvGrpSpPr>
-      <p:grpSpPr>
-        <a:xfrm>
-          <a:off x="0" y="0"/>
-          <a:ext cx="0" cy="0"/>
-          <a:chOff x="0" y="0"/>
-          <a:chExt cx="0" cy="0"/>
-        </a:xfrm>
-      </p:grpSpPr>
-      <p:sp>
-        <p:nvSpPr>
           <p:cNvPr id="2" name="Date Placeholder 1"/>
           <p:cNvSpPr>
             <a:spLocks noGrp="1"/>
@@ -11893,7 +7155,7 @@
                 </a:solidFill>
               </a:rPr>
               <a:pPr/>
-              <a:t>17</a:t>
+              <a:t>10</a:t>
             </a:fld>
             <a:endParaRPr lang="en-US">
               <a:solidFill>
@@ -12671,7 +7933,7 @@
 </p:sld>
 </file>
 
-<file path=ppt/slides/slide18.xml><?xml version="1.0" encoding="utf-8"?>
+<file path=ppt/slides/slide11.xml><?xml version="1.0" encoding="utf-8"?>
 <p:sld xmlns:a="http://schemas.openxmlformats.org/drawingml/2006/main" xmlns:r="http://schemas.openxmlformats.org/officeDocument/2006/relationships" xmlns:p="http://schemas.openxmlformats.org/presentationml/2006/main">
   <p:cSld>
     <p:spTree>
@@ -12770,7 +8032,7 @@
                 </a:solidFill>
               </a:rPr>
               <a:pPr/>
-              <a:t>18</a:t>
+              <a:t>11</a:t>
             </a:fld>
             <a:endParaRPr lang="en-US">
               <a:solidFill>
@@ -13923,7 +9185,7 @@
 </p:sld>
 </file>
 
-<file path=ppt/slides/slide19.xml><?xml version="1.0" encoding="utf-8"?>
+<file path=ppt/slides/slide12.xml><?xml version="1.0" encoding="utf-8"?>
 <p:sld xmlns:a="http://schemas.openxmlformats.org/drawingml/2006/main" xmlns:r="http://schemas.openxmlformats.org/officeDocument/2006/relationships" xmlns:p="http://schemas.openxmlformats.org/presentationml/2006/main">
   <p:cSld>
     <p:spTree>
@@ -14052,7 +9314,7 @@
                 </a:solidFill>
               </a:rPr>
               <a:pPr/>
-              <a:t>19</a:t>
+              <a:t>12</a:t>
             </a:fld>
             <a:endParaRPr lang="en-US">
               <a:solidFill>
@@ -15308,1573 +10570,7 @@
 </p:sld>
 </file>
 
-<file path=ppt/slides/slide2.xml><?xml version="1.0" encoding="utf-8"?>
-<p:sld xmlns:a="http://schemas.openxmlformats.org/drawingml/2006/main" xmlns:r="http://schemas.openxmlformats.org/officeDocument/2006/relationships" xmlns:p="http://schemas.openxmlformats.org/presentationml/2006/main">
-  <p:cSld>
-    <p:spTree>
-      <p:nvGrpSpPr>
-        <p:cNvPr id="1" name=""/>
-        <p:cNvGrpSpPr/>
-        <p:nvPr/>
-      </p:nvGrpSpPr>
-      <p:grpSpPr>
-        <a:xfrm>
-          <a:off x="0" y="0"/>
-          <a:ext cx="0" cy="0"/>
-          <a:chOff x="0" y="0"/>
-          <a:chExt cx="0" cy="0"/>
-        </a:xfrm>
-      </p:grpSpPr>
-      <p:sp>
-        <p:nvSpPr>
-          <p:cNvPr id="2" name="Title 1"/>
-          <p:cNvSpPr>
-            <a:spLocks noGrp="1"/>
-          </p:cNvSpPr>
-          <p:nvPr>
-            <p:ph type="title"/>
-          </p:nvPr>
-        </p:nvSpPr>
-        <p:spPr>
-          <a:xfrm>
-            <a:off x="208230" y="365126"/>
-            <a:ext cx="8307120" cy="591477"/>
-          </a:xfrm>
-        </p:spPr>
-        <p:txBody>
-          <a:bodyPr/>
-          <a:lstStyle/>
-          <a:p>
-            <a:r>
-              <a:rPr lang="en-US" dirty="0"/>
-              <a:t>More Complex Common R Object Types - Matrix</a:t>
-            </a:r>
-          </a:p>
-        </p:txBody>
-      </p:sp>
-      <p:sp>
-        <p:nvSpPr>
-          <p:cNvPr id="4" name="Date Placeholder 3"/>
-          <p:cNvSpPr>
-            <a:spLocks noGrp="1"/>
-          </p:cNvSpPr>
-          <p:nvPr>
-            <p:ph type="dt" sz="half" idx="10"/>
-          </p:nvPr>
-        </p:nvSpPr>
-        <p:spPr/>
-        <p:txBody>
-          <a:bodyPr/>
-          <a:lstStyle/>
-          <a:p>
-            <a:fld id="{D753EFC8-4232-4598-94F6-94C0EBAFC469}" type="datetime1">
-              <a:rPr lang="en-US" smtClean="0"/>
-              <a:t>9/5/22</a:t>
-            </a:fld>
-            <a:endParaRPr lang="en-US"/>
-          </a:p>
-        </p:txBody>
-      </p:sp>
-      <p:sp>
-        <p:nvSpPr>
-          <p:cNvPr id="5" name="Slide Number Placeholder 4"/>
-          <p:cNvSpPr>
-            <a:spLocks noGrp="1"/>
-          </p:cNvSpPr>
-          <p:nvPr>
-            <p:ph type="sldNum" sz="quarter" idx="12"/>
-          </p:nvPr>
-        </p:nvSpPr>
-        <p:spPr/>
-        <p:txBody>
-          <a:bodyPr/>
-          <a:lstStyle/>
-          <a:p>
-            <a:fld id="{37290FF7-652B-4475-AEAB-8B1A5D23AE09}" type="slidenum">
-              <a:rPr lang="en-US" smtClean="0"/>
-              <a:t>2</a:t>
-            </a:fld>
-            <a:endParaRPr lang="en-US"/>
-          </a:p>
-        </p:txBody>
-      </p:sp>
-      <p:pic>
-        <p:nvPicPr>
-          <p:cNvPr id="8" name="Picture 2" descr="R">
-            <a:extLst>
-              <a:ext uri="{FF2B5EF4-FFF2-40B4-BE49-F238E27FC236}">
-                <a16:creationId xmlns:a16="http://schemas.microsoft.com/office/drawing/2014/main" id="{11EF2ABC-BE3E-4FA6-BC36-D10C5F0CE43E}"/>
-              </a:ext>
-            </a:extLst>
-          </p:cNvPr>
-          <p:cNvPicPr>
-            <a:picLocks noChangeAspect="1" noChangeArrowheads="1"/>
-          </p:cNvPicPr>
-          <p:nvPr/>
-        </p:nvPicPr>
-        <p:blipFill>
-          <a:blip r:embed="rId2" cstate="print">
-            <a:extLst>
-              <a:ext uri="{28A0092B-C50C-407E-A947-70E740481C1C}">
-                <a14:useLocalDpi xmlns:a14="http://schemas.microsoft.com/office/drawing/2010/main" val="0"/>
-              </a:ext>
-            </a:extLst>
-          </a:blip>
-          <a:srcRect/>
-          <a:stretch>
-            <a:fillRect/>
-          </a:stretch>
-        </p:blipFill>
-        <p:spPr bwMode="auto">
-          <a:xfrm>
-            <a:off x="5690830" y="1761239"/>
-            <a:ext cx="478378" cy="370743"/>
-          </a:xfrm>
-          <a:prstGeom prst="rect">
-            <a:avLst/>
-          </a:prstGeom>
-          <a:noFill/>
-          <a:extLst>
-            <a:ext uri="{909E8E84-426E-40DD-AFC4-6F175D3DCCD1}">
-              <a14:hiddenFill xmlns:a14="http://schemas.microsoft.com/office/drawing/2010/main">
-                <a:solidFill>
-                  <a:srgbClr val="FFFFFF"/>
-                </a:solidFill>
-              </a14:hiddenFill>
-            </a:ext>
-          </a:extLst>
-        </p:spPr>
-      </p:pic>
-      <p:graphicFrame>
-        <p:nvGraphicFramePr>
-          <p:cNvPr id="9" name="Table 8">
-            <a:extLst>
-              <a:ext uri="{FF2B5EF4-FFF2-40B4-BE49-F238E27FC236}">
-                <a16:creationId xmlns:a16="http://schemas.microsoft.com/office/drawing/2014/main" id="{C43EFFA9-F6F7-41FD-9E92-35864945C357}"/>
-              </a:ext>
-            </a:extLst>
-          </p:cNvPr>
-          <p:cNvGraphicFramePr>
-            <a:graphicFrameLocks noGrp="1"/>
-          </p:cNvGraphicFramePr>
-          <p:nvPr/>
-        </p:nvGraphicFramePr>
-        <p:xfrm>
-          <a:off x="1466850" y="2291092"/>
-          <a:ext cx="2438400" cy="2095500"/>
-        </p:xfrm>
-        <a:graphic>
-          <a:graphicData uri="http://schemas.openxmlformats.org/drawingml/2006/table">
-            <a:tbl>
-              <a:tblPr>
-                <a:tableStyleId>{93296810-A885-4BE3-A3E7-6D5BEEA58F35}</a:tableStyleId>
-              </a:tblPr>
-              <a:tblGrid>
-                <a:gridCol w="609600">
-                  <a:extLst>
-                    <a:ext uri="{9D8B030D-6E8A-4147-A177-3AD203B41FA5}">
-                      <a16:colId xmlns:a16="http://schemas.microsoft.com/office/drawing/2014/main" val="2469119719"/>
-                    </a:ext>
-                  </a:extLst>
-                </a:gridCol>
-                <a:gridCol w="609600">
-                  <a:extLst>
-                    <a:ext uri="{9D8B030D-6E8A-4147-A177-3AD203B41FA5}">
-                      <a16:colId xmlns:a16="http://schemas.microsoft.com/office/drawing/2014/main" val="1652993356"/>
-                    </a:ext>
-                  </a:extLst>
-                </a:gridCol>
-                <a:gridCol w="609600">
-                  <a:extLst>
-                    <a:ext uri="{9D8B030D-6E8A-4147-A177-3AD203B41FA5}">
-                      <a16:colId xmlns:a16="http://schemas.microsoft.com/office/drawing/2014/main" val="1931418866"/>
-                    </a:ext>
-                  </a:extLst>
-                </a:gridCol>
-                <a:gridCol w="609600">
-                  <a:extLst>
-                    <a:ext uri="{9D8B030D-6E8A-4147-A177-3AD203B41FA5}">
-                      <a16:colId xmlns:a16="http://schemas.microsoft.com/office/drawing/2014/main" val="291378057"/>
-                    </a:ext>
-                  </a:extLst>
-                </a:gridCol>
-              </a:tblGrid>
-              <a:tr h="190500">
-                <a:tc>
-                  <a:txBody>
-                    <a:bodyPr/>
-                    <a:lstStyle/>
-                    <a:p>
-                      <a:pPr algn="ctr" fontAlgn="b"/>
-                      <a:r>
-                        <a:rPr lang="en-US" sz="1100" u="none" strike="noStrike">
-                          <a:effectLst/>
-                        </a:rPr>
-                        <a:t>RowID</a:t>
-                      </a:r>
-                      <a:endParaRPr lang="en-US" sz="1100" b="0" i="0" u="none" strike="noStrike">
-                        <a:solidFill>
-                          <a:srgbClr val="000000"/>
-                        </a:solidFill>
-                        <a:effectLst/>
-                        <a:latin typeface="Calibri" panose="020F0502020204030204" pitchFamily="34" charset="0"/>
-                      </a:endParaRPr>
-                    </a:p>
-                  </a:txBody>
-                  <a:tcPr marL="9525" marR="9525" marT="9525" marB="0" anchor="b"/>
-                </a:tc>
-                <a:tc>
-                  <a:txBody>
-                    <a:bodyPr/>
-                    <a:lstStyle/>
-                    <a:p>
-                      <a:pPr algn="ctr" fontAlgn="b"/>
-                      <a:r>
-                        <a:rPr lang="en-US" sz="1100" u="none" strike="noStrike">
-                          <a:effectLst/>
-                        </a:rPr>
-                        <a:t>breaks</a:t>
-                      </a:r>
-                      <a:endParaRPr lang="en-US" sz="1100" b="0" i="0" u="none" strike="noStrike">
-                        <a:solidFill>
-                          <a:srgbClr val="000000"/>
-                        </a:solidFill>
-                        <a:effectLst/>
-                        <a:latin typeface="Calibri" panose="020F0502020204030204" pitchFamily="34" charset="0"/>
-                      </a:endParaRPr>
-                    </a:p>
-                  </a:txBody>
-                  <a:tcPr marL="9525" marR="9525" marT="9525" marB="0" anchor="b"/>
-                </a:tc>
-                <a:tc>
-                  <a:txBody>
-                    <a:bodyPr/>
-                    <a:lstStyle/>
-                    <a:p>
-                      <a:pPr algn="ctr" fontAlgn="b"/>
-                      <a:r>
-                        <a:rPr lang="en-US" sz="1100" u="none" strike="noStrike">
-                          <a:effectLst/>
-                        </a:rPr>
-                        <a:t>wool</a:t>
-                      </a:r>
-                      <a:endParaRPr lang="en-US" sz="1100" b="0" i="0" u="none" strike="noStrike">
-                        <a:solidFill>
-                          <a:srgbClr val="000000"/>
-                        </a:solidFill>
-                        <a:effectLst/>
-                        <a:latin typeface="Calibri" panose="020F0502020204030204" pitchFamily="34" charset="0"/>
-                      </a:endParaRPr>
-                    </a:p>
-                  </a:txBody>
-                  <a:tcPr marL="9525" marR="9525" marT="9525" marB="0" anchor="b"/>
-                </a:tc>
-                <a:tc>
-                  <a:txBody>
-                    <a:bodyPr/>
-                    <a:lstStyle/>
-                    <a:p>
-                      <a:pPr algn="ctr" fontAlgn="b"/>
-                      <a:r>
-                        <a:rPr lang="en-US" sz="1100" u="none" strike="noStrike">
-                          <a:effectLst/>
-                        </a:rPr>
-                        <a:t>tension</a:t>
-                      </a:r>
-                      <a:endParaRPr lang="en-US" sz="1100" b="0" i="0" u="none" strike="noStrike">
-                        <a:solidFill>
-                          <a:srgbClr val="000000"/>
-                        </a:solidFill>
-                        <a:effectLst/>
-                        <a:latin typeface="Calibri" panose="020F0502020204030204" pitchFamily="34" charset="0"/>
-                      </a:endParaRPr>
-                    </a:p>
-                  </a:txBody>
-                  <a:tcPr marL="9525" marR="9525" marT="9525" marB="0" anchor="b"/>
-                </a:tc>
-                <a:extLst>
-                  <a:ext uri="{0D108BD9-81ED-4DB2-BD59-A6C34878D82A}">
-                    <a16:rowId xmlns:a16="http://schemas.microsoft.com/office/drawing/2014/main" val="3691778674"/>
-                  </a:ext>
-                </a:extLst>
-              </a:tr>
-              <a:tr h="190500">
-                <a:tc>
-                  <a:txBody>
-                    <a:bodyPr/>
-                    <a:lstStyle/>
-                    <a:p>
-                      <a:pPr algn="ctr" fontAlgn="b"/>
-                      <a:r>
-                        <a:rPr lang="en-US" sz="1100" u="none" strike="noStrike">
-                          <a:effectLst/>
-                        </a:rPr>
-                        <a:t>1</a:t>
-                      </a:r>
-                      <a:endParaRPr lang="en-US" sz="1100" b="0" i="0" u="none" strike="noStrike">
-                        <a:solidFill>
-                          <a:srgbClr val="000000"/>
-                        </a:solidFill>
-                        <a:effectLst/>
-                        <a:latin typeface="Calibri" panose="020F0502020204030204" pitchFamily="34" charset="0"/>
-                      </a:endParaRPr>
-                    </a:p>
-                  </a:txBody>
-                  <a:tcPr marL="9525" marR="9525" marT="9525" marB="0" anchor="b"/>
-                </a:tc>
-                <a:tc>
-                  <a:txBody>
-                    <a:bodyPr/>
-                    <a:lstStyle/>
-                    <a:p>
-                      <a:pPr algn="ctr" fontAlgn="b"/>
-                      <a:r>
-                        <a:rPr lang="en-US" sz="1100" u="none" strike="noStrike">
-                          <a:effectLst/>
-                        </a:rPr>
-                        <a:t>26</a:t>
-                      </a:r>
-                      <a:endParaRPr lang="en-US" sz="1100" b="0" i="0" u="none" strike="noStrike">
-                        <a:solidFill>
-                          <a:srgbClr val="000000"/>
-                        </a:solidFill>
-                        <a:effectLst/>
-                        <a:latin typeface="Calibri" panose="020F0502020204030204" pitchFamily="34" charset="0"/>
-                      </a:endParaRPr>
-                    </a:p>
-                  </a:txBody>
-                  <a:tcPr marL="9525" marR="9525" marT="9525" marB="0" anchor="b"/>
-                </a:tc>
-                <a:tc>
-                  <a:txBody>
-                    <a:bodyPr/>
-                    <a:lstStyle/>
-                    <a:p>
-                      <a:pPr algn="ctr" fontAlgn="b"/>
-                      <a:r>
-                        <a:rPr lang="en-US" sz="1100" u="none" strike="noStrike">
-                          <a:effectLst/>
-                        </a:rPr>
-                        <a:t>A</a:t>
-                      </a:r>
-                      <a:endParaRPr lang="en-US" sz="1100" b="0" i="0" u="none" strike="noStrike">
-                        <a:solidFill>
-                          <a:srgbClr val="000000"/>
-                        </a:solidFill>
-                        <a:effectLst/>
-                        <a:latin typeface="Calibri" panose="020F0502020204030204" pitchFamily="34" charset="0"/>
-                      </a:endParaRPr>
-                    </a:p>
-                  </a:txBody>
-                  <a:tcPr marL="9525" marR="9525" marT="9525" marB="0" anchor="b"/>
-                </a:tc>
-                <a:tc>
-                  <a:txBody>
-                    <a:bodyPr/>
-                    <a:lstStyle/>
-                    <a:p>
-                      <a:pPr algn="ctr" fontAlgn="b"/>
-                      <a:r>
-                        <a:rPr lang="en-US" sz="1100" u="none" strike="noStrike">
-                          <a:effectLst/>
-                        </a:rPr>
-                        <a:t>L</a:t>
-                      </a:r>
-                      <a:endParaRPr lang="en-US" sz="1100" b="0" i="0" u="none" strike="noStrike">
-                        <a:solidFill>
-                          <a:srgbClr val="000000"/>
-                        </a:solidFill>
-                        <a:effectLst/>
-                        <a:latin typeface="Calibri" panose="020F0502020204030204" pitchFamily="34" charset="0"/>
-                      </a:endParaRPr>
-                    </a:p>
-                  </a:txBody>
-                  <a:tcPr marL="9525" marR="9525" marT="9525" marB="0" anchor="b"/>
-                </a:tc>
-                <a:extLst>
-                  <a:ext uri="{0D108BD9-81ED-4DB2-BD59-A6C34878D82A}">
-                    <a16:rowId xmlns:a16="http://schemas.microsoft.com/office/drawing/2014/main" val="1891799582"/>
-                  </a:ext>
-                </a:extLst>
-              </a:tr>
-              <a:tr h="190500">
-                <a:tc>
-                  <a:txBody>
-                    <a:bodyPr/>
-                    <a:lstStyle/>
-                    <a:p>
-                      <a:pPr algn="ctr" fontAlgn="b"/>
-                      <a:r>
-                        <a:rPr lang="en-US" sz="1100" u="none" strike="noStrike">
-                          <a:effectLst/>
-                        </a:rPr>
-                        <a:t>2</a:t>
-                      </a:r>
-                      <a:endParaRPr lang="en-US" sz="1100" b="0" i="0" u="none" strike="noStrike">
-                        <a:solidFill>
-                          <a:srgbClr val="000000"/>
-                        </a:solidFill>
-                        <a:effectLst/>
-                        <a:latin typeface="Calibri" panose="020F0502020204030204" pitchFamily="34" charset="0"/>
-                      </a:endParaRPr>
-                    </a:p>
-                  </a:txBody>
-                  <a:tcPr marL="9525" marR="9525" marT="9525" marB="0" anchor="b"/>
-                </a:tc>
-                <a:tc>
-                  <a:txBody>
-                    <a:bodyPr/>
-                    <a:lstStyle/>
-                    <a:p>
-                      <a:pPr algn="ctr" fontAlgn="b"/>
-                      <a:r>
-                        <a:rPr lang="en-US" sz="1100" u="none" strike="noStrike">
-                          <a:effectLst/>
-                        </a:rPr>
-                        <a:t>30</a:t>
-                      </a:r>
-                      <a:endParaRPr lang="en-US" sz="1100" b="0" i="0" u="none" strike="noStrike">
-                        <a:solidFill>
-                          <a:srgbClr val="000000"/>
-                        </a:solidFill>
-                        <a:effectLst/>
-                        <a:latin typeface="Calibri" panose="020F0502020204030204" pitchFamily="34" charset="0"/>
-                      </a:endParaRPr>
-                    </a:p>
-                  </a:txBody>
-                  <a:tcPr marL="9525" marR="9525" marT="9525" marB="0" anchor="b"/>
-                </a:tc>
-                <a:tc>
-                  <a:txBody>
-                    <a:bodyPr/>
-                    <a:lstStyle/>
-                    <a:p>
-                      <a:pPr algn="ctr" fontAlgn="b"/>
-                      <a:r>
-                        <a:rPr lang="en-US" sz="1100" u="none" strike="noStrike">
-                          <a:effectLst/>
-                        </a:rPr>
-                        <a:t>A</a:t>
-                      </a:r>
-                      <a:endParaRPr lang="en-US" sz="1100" b="0" i="0" u="none" strike="noStrike">
-                        <a:solidFill>
-                          <a:srgbClr val="000000"/>
-                        </a:solidFill>
-                        <a:effectLst/>
-                        <a:latin typeface="Calibri" panose="020F0502020204030204" pitchFamily="34" charset="0"/>
-                      </a:endParaRPr>
-                    </a:p>
-                  </a:txBody>
-                  <a:tcPr marL="9525" marR="9525" marT="9525" marB="0" anchor="b"/>
-                </a:tc>
-                <a:tc>
-                  <a:txBody>
-                    <a:bodyPr/>
-                    <a:lstStyle/>
-                    <a:p>
-                      <a:pPr algn="ctr" fontAlgn="b"/>
-                      <a:r>
-                        <a:rPr lang="en-US" sz="1100" u="none" strike="noStrike">
-                          <a:effectLst/>
-                        </a:rPr>
-                        <a:t>L</a:t>
-                      </a:r>
-                      <a:endParaRPr lang="en-US" sz="1100" b="0" i="0" u="none" strike="noStrike">
-                        <a:solidFill>
-                          <a:srgbClr val="000000"/>
-                        </a:solidFill>
-                        <a:effectLst/>
-                        <a:latin typeface="Calibri" panose="020F0502020204030204" pitchFamily="34" charset="0"/>
-                      </a:endParaRPr>
-                    </a:p>
-                  </a:txBody>
-                  <a:tcPr marL="9525" marR="9525" marT="9525" marB="0" anchor="b"/>
-                </a:tc>
-                <a:extLst>
-                  <a:ext uri="{0D108BD9-81ED-4DB2-BD59-A6C34878D82A}">
-                    <a16:rowId xmlns:a16="http://schemas.microsoft.com/office/drawing/2014/main" val="832303193"/>
-                  </a:ext>
-                </a:extLst>
-              </a:tr>
-              <a:tr h="190500">
-                <a:tc>
-                  <a:txBody>
-                    <a:bodyPr/>
-                    <a:lstStyle/>
-                    <a:p>
-                      <a:pPr algn="ctr" fontAlgn="b"/>
-                      <a:r>
-                        <a:rPr lang="en-US" sz="1100" u="none" strike="noStrike">
-                          <a:effectLst/>
-                        </a:rPr>
-                        <a:t>3</a:t>
-                      </a:r>
-                      <a:endParaRPr lang="en-US" sz="1100" b="0" i="0" u="none" strike="noStrike">
-                        <a:solidFill>
-                          <a:srgbClr val="000000"/>
-                        </a:solidFill>
-                        <a:effectLst/>
-                        <a:latin typeface="Calibri" panose="020F0502020204030204" pitchFamily="34" charset="0"/>
-                      </a:endParaRPr>
-                    </a:p>
-                  </a:txBody>
-                  <a:tcPr marL="9525" marR="9525" marT="9525" marB="0" anchor="b"/>
-                </a:tc>
-                <a:tc>
-                  <a:txBody>
-                    <a:bodyPr/>
-                    <a:lstStyle/>
-                    <a:p>
-                      <a:pPr algn="ctr" fontAlgn="b"/>
-                      <a:r>
-                        <a:rPr lang="en-US" sz="1100" u="none" strike="noStrike">
-                          <a:effectLst/>
-                        </a:rPr>
-                        <a:t>54</a:t>
-                      </a:r>
-                      <a:endParaRPr lang="en-US" sz="1100" b="0" i="0" u="none" strike="noStrike">
-                        <a:solidFill>
-                          <a:srgbClr val="000000"/>
-                        </a:solidFill>
-                        <a:effectLst/>
-                        <a:latin typeface="Calibri" panose="020F0502020204030204" pitchFamily="34" charset="0"/>
-                      </a:endParaRPr>
-                    </a:p>
-                  </a:txBody>
-                  <a:tcPr marL="9525" marR="9525" marT="9525" marB="0" anchor="b"/>
-                </a:tc>
-                <a:tc>
-                  <a:txBody>
-                    <a:bodyPr/>
-                    <a:lstStyle/>
-                    <a:p>
-                      <a:pPr algn="ctr" fontAlgn="b"/>
-                      <a:r>
-                        <a:rPr lang="en-US" sz="1100" u="none" strike="noStrike">
-                          <a:effectLst/>
-                        </a:rPr>
-                        <a:t>A</a:t>
-                      </a:r>
-                      <a:endParaRPr lang="en-US" sz="1100" b="0" i="0" u="none" strike="noStrike">
-                        <a:solidFill>
-                          <a:srgbClr val="000000"/>
-                        </a:solidFill>
-                        <a:effectLst/>
-                        <a:latin typeface="Calibri" panose="020F0502020204030204" pitchFamily="34" charset="0"/>
-                      </a:endParaRPr>
-                    </a:p>
-                  </a:txBody>
-                  <a:tcPr marL="9525" marR="9525" marT="9525" marB="0" anchor="b"/>
-                </a:tc>
-                <a:tc>
-                  <a:txBody>
-                    <a:bodyPr/>
-                    <a:lstStyle/>
-                    <a:p>
-                      <a:pPr algn="ctr" fontAlgn="b"/>
-                      <a:r>
-                        <a:rPr lang="en-US" sz="1100" u="none" strike="noStrike">
-                          <a:effectLst/>
-                        </a:rPr>
-                        <a:t>L</a:t>
-                      </a:r>
-                      <a:endParaRPr lang="en-US" sz="1100" b="0" i="0" u="none" strike="noStrike">
-                        <a:solidFill>
-                          <a:srgbClr val="000000"/>
-                        </a:solidFill>
-                        <a:effectLst/>
-                        <a:latin typeface="Calibri" panose="020F0502020204030204" pitchFamily="34" charset="0"/>
-                      </a:endParaRPr>
-                    </a:p>
-                  </a:txBody>
-                  <a:tcPr marL="9525" marR="9525" marT="9525" marB="0" anchor="b"/>
-                </a:tc>
-                <a:extLst>
-                  <a:ext uri="{0D108BD9-81ED-4DB2-BD59-A6C34878D82A}">
-                    <a16:rowId xmlns:a16="http://schemas.microsoft.com/office/drawing/2014/main" val="2433369760"/>
-                  </a:ext>
-                </a:extLst>
-              </a:tr>
-              <a:tr h="190500">
-                <a:tc>
-                  <a:txBody>
-                    <a:bodyPr/>
-                    <a:lstStyle/>
-                    <a:p>
-                      <a:pPr algn="ctr" fontAlgn="b"/>
-                      <a:r>
-                        <a:rPr lang="en-US" sz="1100" u="none" strike="noStrike">
-                          <a:effectLst/>
-                        </a:rPr>
-                        <a:t>4</a:t>
-                      </a:r>
-                      <a:endParaRPr lang="en-US" sz="1100" b="0" i="0" u="none" strike="noStrike">
-                        <a:solidFill>
-                          <a:srgbClr val="000000"/>
-                        </a:solidFill>
-                        <a:effectLst/>
-                        <a:latin typeface="Calibri" panose="020F0502020204030204" pitchFamily="34" charset="0"/>
-                      </a:endParaRPr>
-                    </a:p>
-                  </a:txBody>
-                  <a:tcPr marL="9525" marR="9525" marT="9525" marB="0" anchor="b"/>
-                </a:tc>
-                <a:tc>
-                  <a:txBody>
-                    <a:bodyPr/>
-                    <a:lstStyle/>
-                    <a:p>
-                      <a:pPr algn="ctr" fontAlgn="b"/>
-                      <a:r>
-                        <a:rPr lang="en-US" sz="1100" u="none" strike="noStrike">
-                          <a:effectLst/>
-                        </a:rPr>
-                        <a:t>25</a:t>
-                      </a:r>
-                      <a:endParaRPr lang="en-US" sz="1100" b="0" i="0" u="none" strike="noStrike">
-                        <a:solidFill>
-                          <a:srgbClr val="000000"/>
-                        </a:solidFill>
-                        <a:effectLst/>
-                        <a:latin typeface="Calibri" panose="020F0502020204030204" pitchFamily="34" charset="0"/>
-                      </a:endParaRPr>
-                    </a:p>
-                  </a:txBody>
-                  <a:tcPr marL="9525" marR="9525" marT="9525" marB="0" anchor="b"/>
-                </a:tc>
-                <a:tc>
-                  <a:txBody>
-                    <a:bodyPr/>
-                    <a:lstStyle/>
-                    <a:p>
-                      <a:pPr algn="ctr" fontAlgn="b"/>
-                      <a:r>
-                        <a:rPr lang="en-US" sz="1100" u="none" strike="noStrike">
-                          <a:effectLst/>
-                        </a:rPr>
-                        <a:t>A</a:t>
-                      </a:r>
-                      <a:endParaRPr lang="en-US" sz="1100" b="0" i="0" u="none" strike="noStrike">
-                        <a:solidFill>
-                          <a:srgbClr val="000000"/>
-                        </a:solidFill>
-                        <a:effectLst/>
-                        <a:latin typeface="Calibri" panose="020F0502020204030204" pitchFamily="34" charset="0"/>
-                      </a:endParaRPr>
-                    </a:p>
-                  </a:txBody>
-                  <a:tcPr marL="9525" marR="9525" marT="9525" marB="0" anchor="b"/>
-                </a:tc>
-                <a:tc>
-                  <a:txBody>
-                    <a:bodyPr/>
-                    <a:lstStyle/>
-                    <a:p>
-                      <a:pPr algn="ctr" fontAlgn="b"/>
-                      <a:r>
-                        <a:rPr lang="en-US" sz="1100" u="none" strike="noStrike">
-                          <a:effectLst/>
-                        </a:rPr>
-                        <a:t>L</a:t>
-                      </a:r>
-                      <a:endParaRPr lang="en-US" sz="1100" b="0" i="0" u="none" strike="noStrike">
-                        <a:solidFill>
-                          <a:srgbClr val="000000"/>
-                        </a:solidFill>
-                        <a:effectLst/>
-                        <a:latin typeface="Calibri" panose="020F0502020204030204" pitchFamily="34" charset="0"/>
-                      </a:endParaRPr>
-                    </a:p>
-                  </a:txBody>
-                  <a:tcPr marL="9525" marR="9525" marT="9525" marB="0" anchor="b"/>
-                </a:tc>
-                <a:extLst>
-                  <a:ext uri="{0D108BD9-81ED-4DB2-BD59-A6C34878D82A}">
-                    <a16:rowId xmlns:a16="http://schemas.microsoft.com/office/drawing/2014/main" val="1752936295"/>
-                  </a:ext>
-                </a:extLst>
-              </a:tr>
-              <a:tr h="190500">
-                <a:tc>
-                  <a:txBody>
-                    <a:bodyPr/>
-                    <a:lstStyle/>
-                    <a:p>
-                      <a:pPr algn="ctr" fontAlgn="b"/>
-                      <a:r>
-                        <a:rPr lang="en-US" sz="1100" u="none" strike="noStrike">
-                          <a:effectLst/>
-                        </a:rPr>
-                        <a:t>5</a:t>
-                      </a:r>
-                      <a:endParaRPr lang="en-US" sz="1100" b="0" i="0" u="none" strike="noStrike">
-                        <a:solidFill>
-                          <a:srgbClr val="000000"/>
-                        </a:solidFill>
-                        <a:effectLst/>
-                        <a:latin typeface="Calibri" panose="020F0502020204030204" pitchFamily="34" charset="0"/>
-                      </a:endParaRPr>
-                    </a:p>
-                  </a:txBody>
-                  <a:tcPr marL="9525" marR="9525" marT="9525" marB="0" anchor="b"/>
-                </a:tc>
-                <a:tc>
-                  <a:txBody>
-                    <a:bodyPr/>
-                    <a:lstStyle/>
-                    <a:p>
-                      <a:pPr algn="ctr" fontAlgn="b"/>
-                      <a:r>
-                        <a:rPr lang="en-US" sz="1100" u="none" strike="noStrike">
-                          <a:effectLst/>
-                        </a:rPr>
-                        <a:t>70</a:t>
-                      </a:r>
-                      <a:endParaRPr lang="en-US" sz="1100" b="0" i="0" u="none" strike="noStrike">
-                        <a:solidFill>
-                          <a:srgbClr val="000000"/>
-                        </a:solidFill>
-                        <a:effectLst/>
-                        <a:latin typeface="Calibri" panose="020F0502020204030204" pitchFamily="34" charset="0"/>
-                      </a:endParaRPr>
-                    </a:p>
-                  </a:txBody>
-                  <a:tcPr marL="9525" marR="9525" marT="9525" marB="0" anchor="b"/>
-                </a:tc>
-                <a:tc>
-                  <a:txBody>
-                    <a:bodyPr/>
-                    <a:lstStyle/>
-                    <a:p>
-                      <a:pPr algn="ctr" fontAlgn="b"/>
-                      <a:r>
-                        <a:rPr lang="en-US" sz="1100" u="none" strike="noStrike">
-                          <a:effectLst/>
-                        </a:rPr>
-                        <a:t>A</a:t>
-                      </a:r>
-                      <a:endParaRPr lang="en-US" sz="1100" b="0" i="0" u="none" strike="noStrike">
-                        <a:solidFill>
-                          <a:srgbClr val="000000"/>
-                        </a:solidFill>
-                        <a:effectLst/>
-                        <a:latin typeface="Calibri" panose="020F0502020204030204" pitchFamily="34" charset="0"/>
-                      </a:endParaRPr>
-                    </a:p>
-                  </a:txBody>
-                  <a:tcPr marL="9525" marR="9525" marT="9525" marB="0" anchor="b"/>
-                </a:tc>
-                <a:tc>
-                  <a:txBody>
-                    <a:bodyPr/>
-                    <a:lstStyle/>
-                    <a:p>
-                      <a:pPr algn="ctr" fontAlgn="b"/>
-                      <a:r>
-                        <a:rPr lang="en-US" sz="1100" u="none" strike="noStrike">
-                          <a:effectLst/>
-                        </a:rPr>
-                        <a:t>L</a:t>
-                      </a:r>
-                      <a:endParaRPr lang="en-US" sz="1100" b="0" i="0" u="none" strike="noStrike">
-                        <a:solidFill>
-                          <a:srgbClr val="000000"/>
-                        </a:solidFill>
-                        <a:effectLst/>
-                        <a:latin typeface="Calibri" panose="020F0502020204030204" pitchFamily="34" charset="0"/>
-                      </a:endParaRPr>
-                    </a:p>
-                  </a:txBody>
-                  <a:tcPr marL="9525" marR="9525" marT="9525" marB="0" anchor="b"/>
-                </a:tc>
-                <a:extLst>
-                  <a:ext uri="{0D108BD9-81ED-4DB2-BD59-A6C34878D82A}">
-                    <a16:rowId xmlns:a16="http://schemas.microsoft.com/office/drawing/2014/main" val="3330051059"/>
-                  </a:ext>
-                </a:extLst>
-              </a:tr>
-              <a:tr h="190500">
-                <a:tc>
-                  <a:txBody>
-                    <a:bodyPr/>
-                    <a:lstStyle/>
-                    <a:p>
-                      <a:pPr algn="ctr" fontAlgn="b"/>
-                      <a:r>
-                        <a:rPr lang="en-US" sz="1100" u="none" strike="noStrike">
-                          <a:effectLst/>
-                        </a:rPr>
-                        <a:t>6</a:t>
-                      </a:r>
-                      <a:endParaRPr lang="en-US" sz="1100" b="0" i="0" u="none" strike="noStrike">
-                        <a:solidFill>
-                          <a:srgbClr val="000000"/>
-                        </a:solidFill>
-                        <a:effectLst/>
-                        <a:latin typeface="Calibri" panose="020F0502020204030204" pitchFamily="34" charset="0"/>
-                      </a:endParaRPr>
-                    </a:p>
-                  </a:txBody>
-                  <a:tcPr marL="9525" marR="9525" marT="9525" marB="0" anchor="b"/>
-                </a:tc>
-                <a:tc>
-                  <a:txBody>
-                    <a:bodyPr/>
-                    <a:lstStyle/>
-                    <a:p>
-                      <a:pPr algn="ctr" fontAlgn="b"/>
-                      <a:r>
-                        <a:rPr lang="en-US" sz="1100" u="none" strike="noStrike">
-                          <a:effectLst/>
-                        </a:rPr>
-                        <a:t>52</a:t>
-                      </a:r>
-                      <a:endParaRPr lang="en-US" sz="1100" b="0" i="0" u="none" strike="noStrike">
-                        <a:solidFill>
-                          <a:srgbClr val="000000"/>
-                        </a:solidFill>
-                        <a:effectLst/>
-                        <a:latin typeface="Calibri" panose="020F0502020204030204" pitchFamily="34" charset="0"/>
-                      </a:endParaRPr>
-                    </a:p>
-                  </a:txBody>
-                  <a:tcPr marL="9525" marR="9525" marT="9525" marB="0" anchor="b"/>
-                </a:tc>
-                <a:tc>
-                  <a:txBody>
-                    <a:bodyPr/>
-                    <a:lstStyle/>
-                    <a:p>
-                      <a:pPr algn="ctr" fontAlgn="b"/>
-                      <a:r>
-                        <a:rPr lang="en-US" sz="1100" u="none" strike="noStrike">
-                          <a:effectLst/>
-                        </a:rPr>
-                        <a:t>A</a:t>
-                      </a:r>
-                      <a:endParaRPr lang="en-US" sz="1100" b="0" i="0" u="none" strike="noStrike">
-                        <a:solidFill>
-                          <a:srgbClr val="000000"/>
-                        </a:solidFill>
-                        <a:effectLst/>
-                        <a:latin typeface="Calibri" panose="020F0502020204030204" pitchFamily="34" charset="0"/>
-                      </a:endParaRPr>
-                    </a:p>
-                  </a:txBody>
-                  <a:tcPr marL="9525" marR="9525" marT="9525" marB="0" anchor="b"/>
-                </a:tc>
-                <a:tc>
-                  <a:txBody>
-                    <a:bodyPr/>
-                    <a:lstStyle/>
-                    <a:p>
-                      <a:pPr algn="ctr" fontAlgn="b"/>
-                      <a:r>
-                        <a:rPr lang="en-US" sz="1100" u="none" strike="noStrike">
-                          <a:effectLst/>
-                        </a:rPr>
-                        <a:t>L</a:t>
-                      </a:r>
-                      <a:endParaRPr lang="en-US" sz="1100" b="0" i="0" u="none" strike="noStrike">
-                        <a:solidFill>
-                          <a:srgbClr val="000000"/>
-                        </a:solidFill>
-                        <a:effectLst/>
-                        <a:latin typeface="Calibri" panose="020F0502020204030204" pitchFamily="34" charset="0"/>
-                      </a:endParaRPr>
-                    </a:p>
-                  </a:txBody>
-                  <a:tcPr marL="9525" marR="9525" marT="9525" marB="0" anchor="b"/>
-                </a:tc>
-                <a:extLst>
-                  <a:ext uri="{0D108BD9-81ED-4DB2-BD59-A6C34878D82A}">
-                    <a16:rowId xmlns:a16="http://schemas.microsoft.com/office/drawing/2014/main" val="1159698332"/>
-                  </a:ext>
-                </a:extLst>
-              </a:tr>
-              <a:tr h="190500">
-                <a:tc>
-                  <a:txBody>
-                    <a:bodyPr/>
-                    <a:lstStyle/>
-                    <a:p>
-                      <a:pPr algn="ctr" fontAlgn="b"/>
-                      <a:r>
-                        <a:rPr lang="en-US" sz="1100" u="none" strike="noStrike">
-                          <a:effectLst/>
-                        </a:rPr>
-                        <a:t>7</a:t>
-                      </a:r>
-                      <a:endParaRPr lang="en-US" sz="1100" b="0" i="0" u="none" strike="noStrike">
-                        <a:solidFill>
-                          <a:srgbClr val="000000"/>
-                        </a:solidFill>
-                        <a:effectLst/>
-                        <a:latin typeface="Calibri" panose="020F0502020204030204" pitchFamily="34" charset="0"/>
-                      </a:endParaRPr>
-                    </a:p>
-                  </a:txBody>
-                  <a:tcPr marL="9525" marR="9525" marT="9525" marB="0" anchor="b"/>
-                </a:tc>
-                <a:tc>
-                  <a:txBody>
-                    <a:bodyPr/>
-                    <a:lstStyle/>
-                    <a:p>
-                      <a:pPr algn="ctr" fontAlgn="b"/>
-                      <a:r>
-                        <a:rPr lang="en-US" sz="1100" u="none" strike="noStrike">
-                          <a:effectLst/>
-                        </a:rPr>
-                        <a:t>51</a:t>
-                      </a:r>
-                      <a:endParaRPr lang="en-US" sz="1100" b="0" i="0" u="none" strike="noStrike">
-                        <a:solidFill>
-                          <a:srgbClr val="000000"/>
-                        </a:solidFill>
-                        <a:effectLst/>
-                        <a:latin typeface="Calibri" panose="020F0502020204030204" pitchFamily="34" charset="0"/>
-                      </a:endParaRPr>
-                    </a:p>
-                  </a:txBody>
-                  <a:tcPr marL="9525" marR="9525" marT="9525" marB="0" anchor="b"/>
-                </a:tc>
-                <a:tc>
-                  <a:txBody>
-                    <a:bodyPr/>
-                    <a:lstStyle/>
-                    <a:p>
-                      <a:pPr algn="ctr" fontAlgn="b"/>
-                      <a:r>
-                        <a:rPr lang="en-US" sz="1100" u="none" strike="noStrike">
-                          <a:effectLst/>
-                        </a:rPr>
-                        <a:t>A</a:t>
-                      </a:r>
-                      <a:endParaRPr lang="en-US" sz="1100" b="0" i="0" u="none" strike="noStrike">
-                        <a:solidFill>
-                          <a:srgbClr val="000000"/>
-                        </a:solidFill>
-                        <a:effectLst/>
-                        <a:latin typeface="Calibri" panose="020F0502020204030204" pitchFamily="34" charset="0"/>
-                      </a:endParaRPr>
-                    </a:p>
-                  </a:txBody>
-                  <a:tcPr marL="9525" marR="9525" marT="9525" marB="0" anchor="b"/>
-                </a:tc>
-                <a:tc>
-                  <a:txBody>
-                    <a:bodyPr/>
-                    <a:lstStyle/>
-                    <a:p>
-                      <a:pPr algn="ctr" fontAlgn="b"/>
-                      <a:r>
-                        <a:rPr lang="en-US" sz="1100" u="none" strike="noStrike">
-                          <a:effectLst/>
-                        </a:rPr>
-                        <a:t>L</a:t>
-                      </a:r>
-                      <a:endParaRPr lang="en-US" sz="1100" b="0" i="0" u="none" strike="noStrike">
-                        <a:solidFill>
-                          <a:srgbClr val="000000"/>
-                        </a:solidFill>
-                        <a:effectLst/>
-                        <a:latin typeface="Calibri" panose="020F0502020204030204" pitchFamily="34" charset="0"/>
-                      </a:endParaRPr>
-                    </a:p>
-                  </a:txBody>
-                  <a:tcPr marL="9525" marR="9525" marT="9525" marB="0" anchor="b"/>
-                </a:tc>
-                <a:extLst>
-                  <a:ext uri="{0D108BD9-81ED-4DB2-BD59-A6C34878D82A}">
-                    <a16:rowId xmlns:a16="http://schemas.microsoft.com/office/drawing/2014/main" val="2917359803"/>
-                  </a:ext>
-                </a:extLst>
-              </a:tr>
-              <a:tr h="190500">
-                <a:tc>
-                  <a:txBody>
-                    <a:bodyPr/>
-                    <a:lstStyle/>
-                    <a:p>
-                      <a:pPr algn="ctr" fontAlgn="b"/>
-                      <a:r>
-                        <a:rPr lang="en-US" sz="1100" u="none" strike="noStrike">
-                          <a:effectLst/>
-                        </a:rPr>
-                        <a:t>8</a:t>
-                      </a:r>
-                      <a:endParaRPr lang="en-US" sz="1100" b="0" i="0" u="none" strike="noStrike">
-                        <a:solidFill>
-                          <a:srgbClr val="000000"/>
-                        </a:solidFill>
-                        <a:effectLst/>
-                        <a:latin typeface="Calibri" panose="020F0502020204030204" pitchFamily="34" charset="0"/>
-                      </a:endParaRPr>
-                    </a:p>
-                  </a:txBody>
-                  <a:tcPr marL="9525" marR="9525" marT="9525" marB="0" anchor="b"/>
-                </a:tc>
-                <a:tc>
-                  <a:txBody>
-                    <a:bodyPr/>
-                    <a:lstStyle/>
-                    <a:p>
-                      <a:pPr algn="ctr" fontAlgn="b"/>
-                      <a:r>
-                        <a:rPr lang="en-US" sz="1100" u="none" strike="noStrike">
-                          <a:effectLst/>
-                        </a:rPr>
-                        <a:t>26</a:t>
-                      </a:r>
-                      <a:endParaRPr lang="en-US" sz="1100" b="0" i="0" u="none" strike="noStrike">
-                        <a:solidFill>
-                          <a:srgbClr val="000000"/>
-                        </a:solidFill>
-                        <a:effectLst/>
-                        <a:latin typeface="Calibri" panose="020F0502020204030204" pitchFamily="34" charset="0"/>
-                      </a:endParaRPr>
-                    </a:p>
-                  </a:txBody>
-                  <a:tcPr marL="9525" marR="9525" marT="9525" marB="0" anchor="b"/>
-                </a:tc>
-                <a:tc>
-                  <a:txBody>
-                    <a:bodyPr/>
-                    <a:lstStyle/>
-                    <a:p>
-                      <a:pPr algn="ctr" fontAlgn="b"/>
-                      <a:r>
-                        <a:rPr lang="en-US" sz="1100" u="none" strike="noStrike">
-                          <a:effectLst/>
-                        </a:rPr>
-                        <a:t>A</a:t>
-                      </a:r>
-                      <a:endParaRPr lang="en-US" sz="1100" b="0" i="0" u="none" strike="noStrike">
-                        <a:solidFill>
-                          <a:srgbClr val="000000"/>
-                        </a:solidFill>
-                        <a:effectLst/>
-                        <a:latin typeface="Calibri" panose="020F0502020204030204" pitchFamily="34" charset="0"/>
-                      </a:endParaRPr>
-                    </a:p>
-                  </a:txBody>
-                  <a:tcPr marL="9525" marR="9525" marT="9525" marB="0" anchor="b"/>
-                </a:tc>
-                <a:tc>
-                  <a:txBody>
-                    <a:bodyPr/>
-                    <a:lstStyle/>
-                    <a:p>
-                      <a:pPr algn="ctr" fontAlgn="b"/>
-                      <a:r>
-                        <a:rPr lang="en-US" sz="1100" u="none" strike="noStrike">
-                          <a:effectLst/>
-                        </a:rPr>
-                        <a:t>L</a:t>
-                      </a:r>
-                      <a:endParaRPr lang="en-US" sz="1100" b="0" i="0" u="none" strike="noStrike">
-                        <a:solidFill>
-                          <a:srgbClr val="000000"/>
-                        </a:solidFill>
-                        <a:effectLst/>
-                        <a:latin typeface="Calibri" panose="020F0502020204030204" pitchFamily="34" charset="0"/>
-                      </a:endParaRPr>
-                    </a:p>
-                  </a:txBody>
-                  <a:tcPr marL="9525" marR="9525" marT="9525" marB="0" anchor="b"/>
-                </a:tc>
-                <a:extLst>
-                  <a:ext uri="{0D108BD9-81ED-4DB2-BD59-A6C34878D82A}">
-                    <a16:rowId xmlns:a16="http://schemas.microsoft.com/office/drawing/2014/main" val="1340440246"/>
-                  </a:ext>
-                </a:extLst>
-              </a:tr>
-              <a:tr h="190500">
-                <a:tc>
-                  <a:txBody>
-                    <a:bodyPr/>
-                    <a:lstStyle/>
-                    <a:p>
-                      <a:pPr algn="ctr" fontAlgn="b"/>
-                      <a:r>
-                        <a:rPr lang="en-US" sz="1100" u="none" strike="noStrike">
-                          <a:effectLst/>
-                        </a:rPr>
-                        <a:t>9</a:t>
-                      </a:r>
-                      <a:endParaRPr lang="en-US" sz="1100" b="0" i="0" u="none" strike="noStrike">
-                        <a:solidFill>
-                          <a:srgbClr val="000000"/>
-                        </a:solidFill>
-                        <a:effectLst/>
-                        <a:latin typeface="Calibri" panose="020F0502020204030204" pitchFamily="34" charset="0"/>
-                      </a:endParaRPr>
-                    </a:p>
-                  </a:txBody>
-                  <a:tcPr marL="9525" marR="9525" marT="9525" marB="0" anchor="b"/>
-                </a:tc>
-                <a:tc>
-                  <a:txBody>
-                    <a:bodyPr/>
-                    <a:lstStyle/>
-                    <a:p>
-                      <a:pPr algn="ctr" fontAlgn="b"/>
-                      <a:r>
-                        <a:rPr lang="en-US" sz="1100" u="none" strike="noStrike">
-                          <a:effectLst/>
-                        </a:rPr>
-                        <a:t>67</a:t>
-                      </a:r>
-                      <a:endParaRPr lang="en-US" sz="1100" b="0" i="0" u="none" strike="noStrike">
-                        <a:solidFill>
-                          <a:srgbClr val="000000"/>
-                        </a:solidFill>
-                        <a:effectLst/>
-                        <a:latin typeface="Calibri" panose="020F0502020204030204" pitchFamily="34" charset="0"/>
-                      </a:endParaRPr>
-                    </a:p>
-                  </a:txBody>
-                  <a:tcPr marL="9525" marR="9525" marT="9525" marB="0" anchor="b"/>
-                </a:tc>
-                <a:tc>
-                  <a:txBody>
-                    <a:bodyPr/>
-                    <a:lstStyle/>
-                    <a:p>
-                      <a:pPr algn="ctr" fontAlgn="b"/>
-                      <a:r>
-                        <a:rPr lang="en-US" sz="1100" u="none" strike="noStrike">
-                          <a:effectLst/>
-                        </a:rPr>
-                        <a:t>A</a:t>
-                      </a:r>
-                      <a:endParaRPr lang="en-US" sz="1100" b="0" i="0" u="none" strike="noStrike">
-                        <a:solidFill>
-                          <a:srgbClr val="000000"/>
-                        </a:solidFill>
-                        <a:effectLst/>
-                        <a:latin typeface="Calibri" panose="020F0502020204030204" pitchFamily="34" charset="0"/>
-                      </a:endParaRPr>
-                    </a:p>
-                  </a:txBody>
-                  <a:tcPr marL="9525" marR="9525" marT="9525" marB="0" anchor="b"/>
-                </a:tc>
-                <a:tc>
-                  <a:txBody>
-                    <a:bodyPr/>
-                    <a:lstStyle/>
-                    <a:p>
-                      <a:pPr algn="ctr" fontAlgn="b"/>
-                      <a:r>
-                        <a:rPr lang="en-US" sz="1100" u="none" strike="noStrike">
-                          <a:effectLst/>
-                        </a:rPr>
-                        <a:t>L</a:t>
-                      </a:r>
-                      <a:endParaRPr lang="en-US" sz="1100" b="0" i="0" u="none" strike="noStrike">
-                        <a:solidFill>
-                          <a:srgbClr val="000000"/>
-                        </a:solidFill>
-                        <a:effectLst/>
-                        <a:latin typeface="Calibri" panose="020F0502020204030204" pitchFamily="34" charset="0"/>
-                      </a:endParaRPr>
-                    </a:p>
-                  </a:txBody>
-                  <a:tcPr marL="9525" marR="9525" marT="9525" marB="0" anchor="b"/>
-                </a:tc>
-                <a:extLst>
-                  <a:ext uri="{0D108BD9-81ED-4DB2-BD59-A6C34878D82A}">
-                    <a16:rowId xmlns:a16="http://schemas.microsoft.com/office/drawing/2014/main" val="1654006152"/>
-                  </a:ext>
-                </a:extLst>
-              </a:tr>
-              <a:tr h="190500">
-                <a:tc>
-                  <a:txBody>
-                    <a:bodyPr/>
-                    <a:lstStyle/>
-                    <a:p>
-                      <a:pPr algn="ctr" fontAlgn="b"/>
-                      <a:r>
-                        <a:rPr lang="en-US" sz="1100" u="none" strike="noStrike">
-                          <a:effectLst/>
-                        </a:rPr>
-                        <a:t>10</a:t>
-                      </a:r>
-                      <a:endParaRPr lang="en-US" sz="1100" b="0" i="0" u="none" strike="noStrike">
-                        <a:solidFill>
-                          <a:srgbClr val="000000"/>
-                        </a:solidFill>
-                        <a:effectLst/>
-                        <a:latin typeface="Calibri" panose="020F0502020204030204" pitchFamily="34" charset="0"/>
-                      </a:endParaRPr>
-                    </a:p>
-                  </a:txBody>
-                  <a:tcPr marL="9525" marR="9525" marT="9525" marB="0" anchor="b"/>
-                </a:tc>
-                <a:tc>
-                  <a:txBody>
-                    <a:bodyPr/>
-                    <a:lstStyle/>
-                    <a:p>
-                      <a:pPr algn="ctr" fontAlgn="b"/>
-                      <a:r>
-                        <a:rPr lang="en-US" sz="1100" u="none" strike="noStrike">
-                          <a:effectLst/>
-                        </a:rPr>
-                        <a:t>18</a:t>
-                      </a:r>
-                      <a:endParaRPr lang="en-US" sz="1100" b="0" i="0" u="none" strike="noStrike">
-                        <a:solidFill>
-                          <a:srgbClr val="000000"/>
-                        </a:solidFill>
-                        <a:effectLst/>
-                        <a:latin typeface="Calibri" panose="020F0502020204030204" pitchFamily="34" charset="0"/>
-                      </a:endParaRPr>
-                    </a:p>
-                  </a:txBody>
-                  <a:tcPr marL="9525" marR="9525" marT="9525" marB="0" anchor="b"/>
-                </a:tc>
-                <a:tc>
-                  <a:txBody>
-                    <a:bodyPr/>
-                    <a:lstStyle/>
-                    <a:p>
-                      <a:pPr algn="ctr" fontAlgn="b"/>
-                      <a:r>
-                        <a:rPr lang="en-US" sz="1100" u="none" strike="noStrike">
-                          <a:effectLst/>
-                        </a:rPr>
-                        <a:t>A</a:t>
-                      </a:r>
-                      <a:endParaRPr lang="en-US" sz="1100" b="0" i="0" u="none" strike="noStrike">
-                        <a:solidFill>
-                          <a:srgbClr val="000000"/>
-                        </a:solidFill>
-                        <a:effectLst/>
-                        <a:latin typeface="Calibri" panose="020F0502020204030204" pitchFamily="34" charset="0"/>
-                      </a:endParaRPr>
-                    </a:p>
-                  </a:txBody>
-                  <a:tcPr marL="9525" marR="9525" marT="9525" marB="0" anchor="b"/>
-                </a:tc>
-                <a:tc>
-                  <a:txBody>
-                    <a:bodyPr/>
-                    <a:lstStyle/>
-                    <a:p>
-                      <a:pPr algn="ctr" fontAlgn="b"/>
-                      <a:r>
-                        <a:rPr lang="en-US" sz="1100" u="none" strike="noStrike" dirty="0">
-                          <a:effectLst/>
-                        </a:rPr>
-                        <a:t>M</a:t>
-                      </a:r>
-                      <a:endParaRPr lang="en-US" sz="1100" b="0" i="0" u="none" strike="noStrike" dirty="0">
-                        <a:solidFill>
-                          <a:srgbClr val="000000"/>
-                        </a:solidFill>
-                        <a:effectLst/>
-                        <a:latin typeface="Calibri" panose="020F0502020204030204" pitchFamily="34" charset="0"/>
-                      </a:endParaRPr>
-                    </a:p>
-                  </a:txBody>
-                  <a:tcPr marL="9525" marR="9525" marT="9525" marB="0" anchor="b"/>
-                </a:tc>
-                <a:extLst>
-                  <a:ext uri="{0D108BD9-81ED-4DB2-BD59-A6C34878D82A}">
-                    <a16:rowId xmlns:a16="http://schemas.microsoft.com/office/drawing/2014/main" val="1064362663"/>
-                  </a:ext>
-                </a:extLst>
-              </a:tr>
-            </a:tbl>
-          </a:graphicData>
-        </a:graphic>
-      </p:graphicFrame>
-      <p:pic>
-        <p:nvPicPr>
-          <p:cNvPr id="10" name="Picture 10" descr="Image result for excel logo">
-            <a:extLst>
-              <a:ext uri="{FF2B5EF4-FFF2-40B4-BE49-F238E27FC236}">
-                <a16:creationId xmlns:a16="http://schemas.microsoft.com/office/drawing/2014/main" id="{A4412CD0-4E29-4683-869D-1BCF3F04706B}"/>
-              </a:ext>
-            </a:extLst>
-          </p:cNvPr>
-          <p:cNvPicPr>
-            <a:picLocks noChangeAspect="1" noChangeArrowheads="1"/>
-          </p:cNvPicPr>
-          <p:nvPr/>
-        </p:nvPicPr>
-        <p:blipFill>
-          <a:blip r:embed="rId3" cstate="print">
-            <a:extLst>
-              <a:ext uri="{28A0092B-C50C-407E-A947-70E740481C1C}">
-                <a14:useLocalDpi xmlns:a14="http://schemas.microsoft.com/office/drawing/2010/main" val="0"/>
-              </a:ext>
-            </a:extLst>
-          </a:blip>
-          <a:srcRect/>
-          <a:stretch>
-            <a:fillRect/>
-          </a:stretch>
-        </p:blipFill>
-        <p:spPr bwMode="auto">
-          <a:xfrm>
-            <a:off x="2487544" y="1834691"/>
-            <a:ext cx="397011" cy="389881"/>
-          </a:xfrm>
-          <a:prstGeom prst="rect">
-            <a:avLst/>
-          </a:prstGeom>
-          <a:noFill/>
-          <a:extLst>
-            <a:ext uri="{909E8E84-426E-40DD-AFC4-6F175D3DCCD1}">
-              <a14:hiddenFill xmlns:a14="http://schemas.microsoft.com/office/drawing/2010/main">
-                <a:solidFill>
-                  <a:srgbClr val="FFFFFF"/>
-                </a:solidFill>
-              </a14:hiddenFill>
-            </a:ext>
-          </a:extLst>
-        </p:spPr>
-      </p:pic>
-      <p:sp>
-        <p:nvSpPr>
-          <p:cNvPr id="11" name="Rectangle 10">
-            <a:extLst>
-              <a:ext uri="{FF2B5EF4-FFF2-40B4-BE49-F238E27FC236}">
-                <a16:creationId xmlns:a16="http://schemas.microsoft.com/office/drawing/2014/main" id="{84FBE488-E803-46D3-A80F-B3542A015599}"/>
-              </a:ext>
-            </a:extLst>
-          </p:cNvPr>
-          <p:cNvSpPr/>
-          <p:nvPr/>
-        </p:nvSpPr>
-        <p:spPr>
-          <a:xfrm>
-            <a:off x="558769" y="5721081"/>
-            <a:ext cx="8026463" cy="505642"/>
-          </a:xfrm>
-          <a:prstGeom prst="rect">
-            <a:avLst/>
-          </a:prstGeom>
-          <a:solidFill>
-            <a:schemeClr val="accent6"/>
-          </a:solidFill>
-          <a:ln>
-            <a:noFill/>
-          </a:ln>
-        </p:spPr>
-        <p:style>
-          <a:lnRef idx="2">
-            <a:schemeClr val="accent1">
-              <a:shade val="50000"/>
-            </a:schemeClr>
-          </a:lnRef>
-          <a:fillRef idx="1">
-            <a:schemeClr val="accent1"/>
-          </a:fillRef>
-          <a:effectRef idx="0">
-            <a:schemeClr val="accent1"/>
-          </a:effectRef>
-          <a:fontRef idx="minor">
-            <a:schemeClr val="lt1"/>
-          </a:fontRef>
-        </p:style>
-        <p:txBody>
-          <a:bodyPr rtlCol="0" anchor="ctr"/>
-          <a:lstStyle/>
-          <a:p>
-            <a:pPr algn="ctr"/>
-            <a:r>
-              <a:rPr lang="en-US" sz="1400" dirty="0"/>
-              <a:t>Matrices are organized into rows and columns.  In R, the row names are not actually a vector of the matrix but are an attribute of the matrix.  In excel you would need a standalone vector to capture that information.</a:t>
-            </a:r>
-          </a:p>
-        </p:txBody>
-      </p:sp>
-      <p:pic>
-        <p:nvPicPr>
-          <p:cNvPr id="13" name="Picture 12">
-            <a:extLst>
-              <a:ext uri="{FF2B5EF4-FFF2-40B4-BE49-F238E27FC236}">
-                <a16:creationId xmlns:a16="http://schemas.microsoft.com/office/drawing/2014/main" id="{3E03AA72-6817-4D67-8D8C-21E23A0DA83B}"/>
-              </a:ext>
-            </a:extLst>
-          </p:cNvPr>
-          <p:cNvPicPr>
-            <a:picLocks noChangeAspect="1"/>
-          </p:cNvPicPr>
-          <p:nvPr/>
-        </p:nvPicPr>
-        <p:blipFill>
-          <a:blip r:embed="rId4"/>
-          <a:stretch>
-            <a:fillRect/>
-          </a:stretch>
-        </p:blipFill>
-        <p:spPr>
-          <a:xfrm>
-            <a:off x="5009113" y="2291092"/>
-            <a:ext cx="2457450" cy="1752600"/>
-          </a:xfrm>
-          <a:prstGeom prst="rect">
-            <a:avLst/>
-          </a:prstGeom>
-        </p:spPr>
-      </p:pic>
-      <p:sp>
-        <p:nvSpPr>
-          <p:cNvPr id="14" name="Rectangle 13">
-            <a:extLst>
-              <a:ext uri="{FF2B5EF4-FFF2-40B4-BE49-F238E27FC236}">
-                <a16:creationId xmlns:a16="http://schemas.microsoft.com/office/drawing/2014/main" id="{ABF75034-7960-4D90-92F6-03555251D1D8}"/>
-              </a:ext>
-            </a:extLst>
-          </p:cNvPr>
-          <p:cNvSpPr/>
-          <p:nvPr/>
-        </p:nvSpPr>
-        <p:spPr>
-          <a:xfrm>
-            <a:off x="208230" y="1086231"/>
-            <a:ext cx="8664165" cy="416644"/>
-          </a:xfrm>
-          <a:prstGeom prst="rect">
-            <a:avLst/>
-          </a:prstGeom>
-        </p:spPr>
-        <p:style>
-          <a:lnRef idx="2">
-            <a:schemeClr val="accent1">
-              <a:shade val="50000"/>
-            </a:schemeClr>
-          </a:lnRef>
-          <a:fillRef idx="1">
-            <a:schemeClr val="accent1"/>
-          </a:fillRef>
-          <a:effectRef idx="0">
-            <a:schemeClr val="accent1"/>
-          </a:effectRef>
-          <a:fontRef idx="minor">
-            <a:schemeClr val="lt1"/>
-          </a:fontRef>
-        </p:style>
-        <p:txBody>
-          <a:bodyPr rtlCol="0" anchor="ctr"/>
-          <a:lstStyle/>
-          <a:p>
-            <a:pPr algn="ctr"/>
-            <a:r>
-              <a:rPr lang="en-US" dirty="0"/>
-              <a:t>Matrices are 2 dimensional data (rows/columns).  Each column must be the same type.</a:t>
-            </a:r>
-          </a:p>
-        </p:txBody>
-      </p:sp>
-      <p:sp>
-        <p:nvSpPr>
-          <p:cNvPr id="15" name="Rectangle 14">
-            <a:extLst>
-              <a:ext uri="{FF2B5EF4-FFF2-40B4-BE49-F238E27FC236}">
-                <a16:creationId xmlns:a16="http://schemas.microsoft.com/office/drawing/2014/main" id="{A3D248D2-A344-4958-A50B-A9E7590D792F}"/>
-              </a:ext>
-            </a:extLst>
-          </p:cNvPr>
-          <p:cNvSpPr/>
-          <p:nvPr/>
-        </p:nvSpPr>
-        <p:spPr>
-          <a:xfrm>
-            <a:off x="5305331" y="4053267"/>
-            <a:ext cx="1077362" cy="240105"/>
-          </a:xfrm>
-          <a:prstGeom prst="rect">
-            <a:avLst/>
-          </a:prstGeom>
-          <a:solidFill>
-            <a:schemeClr val="accent4"/>
-          </a:solidFill>
-          <a:ln>
-            <a:noFill/>
-          </a:ln>
-        </p:spPr>
-        <p:style>
-          <a:lnRef idx="2">
-            <a:schemeClr val="accent1">
-              <a:shade val="50000"/>
-            </a:schemeClr>
-          </a:lnRef>
-          <a:fillRef idx="1">
-            <a:schemeClr val="accent1"/>
-          </a:fillRef>
-          <a:effectRef idx="0">
-            <a:schemeClr val="accent1"/>
-          </a:effectRef>
-          <a:fontRef idx="minor">
-            <a:schemeClr val="lt1"/>
-          </a:fontRef>
-        </p:style>
-        <p:txBody>
-          <a:bodyPr rtlCol="0" anchor="ctr"/>
-          <a:lstStyle/>
-          <a:p>
-            <a:pPr algn="ctr"/>
-            <a:r>
-              <a:rPr lang="en-US" sz="1400" dirty="0"/>
-              <a:t>All strings</a:t>
-            </a:r>
-          </a:p>
-        </p:txBody>
-      </p:sp>
-      <p:sp>
-        <p:nvSpPr>
-          <p:cNvPr id="16" name="Footer Placeholder 4">
-            <a:extLst>
-              <a:ext uri="{FF2B5EF4-FFF2-40B4-BE49-F238E27FC236}">
-                <a16:creationId xmlns:a16="http://schemas.microsoft.com/office/drawing/2014/main" id="{A065A738-D0CD-1A4A-B56A-C88B2D560DC9}"/>
-              </a:ext>
-            </a:extLst>
-          </p:cNvPr>
-          <p:cNvSpPr>
-            <a:spLocks noGrp="1"/>
-          </p:cNvSpPr>
-          <p:nvPr>
-            <p:ph type="ftr" sz="quarter" idx="3"/>
-          </p:nvPr>
-        </p:nvSpPr>
-        <p:spPr>
-          <a:xfrm>
-            <a:off x="3028950" y="6356351"/>
-            <a:ext cx="3086100" cy="365125"/>
-          </a:xfrm>
-        </p:spPr>
-        <p:txBody>
-          <a:bodyPr/>
-          <a:lstStyle/>
-          <a:p>
-            <a:r>
-              <a:rPr lang="en-US" dirty="0"/>
-              <a:t>Kwartler CSCI E-96</a:t>
-            </a:r>
-          </a:p>
-        </p:txBody>
-      </p:sp>
-    </p:spTree>
-    <p:extLst>
-      <p:ext uri="{BB962C8B-B14F-4D97-AF65-F5344CB8AC3E}">
-        <p14:creationId xmlns:p14="http://schemas.microsoft.com/office/powerpoint/2010/main" val="2517573981"/>
-      </p:ext>
-    </p:extLst>
-  </p:cSld>
-  <p:clrMapOvr>
-    <a:masterClrMapping/>
-  </p:clrMapOvr>
-</p:sld>
-</file>
-
-<file path=ppt/slides/slide20.xml><?xml version="1.0" encoding="utf-8"?>
+<file path=ppt/slides/slide13.xml><?xml version="1.0" encoding="utf-8"?>
 <p:sld xmlns:a="http://schemas.openxmlformats.org/drawingml/2006/main" xmlns:r="http://schemas.openxmlformats.org/officeDocument/2006/relationships" xmlns:p="http://schemas.openxmlformats.org/presentationml/2006/main">
   <p:cSld>
     <p:spTree>
@@ -16973,7 +10669,7 @@
                 </a:solidFill>
               </a:rPr>
               <a:pPr/>
-              <a:t>20</a:t>
+              <a:t>13</a:t>
             </a:fld>
             <a:endParaRPr lang="en-US">
               <a:solidFill>
@@ -18326,7 +12022,7 @@
 </p:sld>
 </file>
 
-<file path=ppt/slides/slide21.xml><?xml version="1.0" encoding="utf-8"?>
+<file path=ppt/slides/slide14.xml><?xml version="1.0" encoding="utf-8"?>
 <p:sld xmlns:a="http://schemas.openxmlformats.org/drawingml/2006/main" xmlns:r="http://schemas.openxmlformats.org/officeDocument/2006/relationships" xmlns:p="http://schemas.openxmlformats.org/presentationml/2006/main">
   <p:cSld>
     <p:spTree>
@@ -18425,7 +12121,7 @@
                 </a:solidFill>
               </a:rPr>
               <a:pPr/>
-              <a:t>21</a:t>
+              <a:t>14</a:t>
             </a:fld>
             <a:endParaRPr lang="en-US">
               <a:solidFill>
@@ -19691,7 +13387,7 @@
 </p:sld>
 </file>
 
-<file path=ppt/slides/slide22.xml><?xml version="1.0" encoding="utf-8"?>
+<file path=ppt/slides/slide15.xml><?xml version="1.0" encoding="utf-8"?>
 <p:sld xmlns:a="http://schemas.openxmlformats.org/drawingml/2006/main" xmlns:r="http://schemas.openxmlformats.org/officeDocument/2006/relationships" xmlns:p="http://schemas.openxmlformats.org/presentationml/2006/main">
   <p:cSld>
     <p:spTree>
@@ -19788,7 +13484,7 @@
           <a:p>
             <a:fld id="{37290FF7-652B-4475-AEAB-8B1A5D23AE09}" type="slidenum">
               <a:rPr lang="en-US" smtClean="0"/>
-              <a:t>22</a:t>
+              <a:t>15</a:t>
             </a:fld>
             <a:endParaRPr lang="en-US"/>
           </a:p>
@@ -19963,6 +13659,1572 @@
     <p:extLst>
       <p:ext uri="{BB962C8B-B14F-4D97-AF65-F5344CB8AC3E}">
         <p14:creationId xmlns:p14="http://schemas.microsoft.com/office/powerpoint/2010/main" val="1324734029"/>
+      </p:ext>
+    </p:extLst>
+  </p:cSld>
+  <p:clrMapOvr>
+    <a:masterClrMapping/>
+  </p:clrMapOvr>
+</p:sld>
+</file>
+
+<file path=ppt/slides/slide2.xml><?xml version="1.0" encoding="utf-8"?>
+<p:sld xmlns:a="http://schemas.openxmlformats.org/drawingml/2006/main" xmlns:r="http://schemas.openxmlformats.org/officeDocument/2006/relationships" xmlns:p="http://schemas.openxmlformats.org/presentationml/2006/main">
+  <p:cSld>
+    <p:spTree>
+      <p:nvGrpSpPr>
+        <p:cNvPr id="1" name=""/>
+        <p:cNvGrpSpPr/>
+        <p:nvPr/>
+      </p:nvGrpSpPr>
+      <p:grpSpPr>
+        <a:xfrm>
+          <a:off x="0" y="0"/>
+          <a:ext cx="0" cy="0"/>
+          <a:chOff x="0" y="0"/>
+          <a:chExt cx="0" cy="0"/>
+        </a:xfrm>
+      </p:grpSpPr>
+      <p:sp>
+        <p:nvSpPr>
+          <p:cNvPr id="2" name="Title 1"/>
+          <p:cNvSpPr>
+            <a:spLocks noGrp="1"/>
+          </p:cNvSpPr>
+          <p:nvPr>
+            <p:ph type="title"/>
+          </p:nvPr>
+        </p:nvSpPr>
+        <p:spPr>
+          <a:xfrm>
+            <a:off x="208230" y="365126"/>
+            <a:ext cx="8307120" cy="591477"/>
+          </a:xfrm>
+        </p:spPr>
+        <p:txBody>
+          <a:bodyPr/>
+          <a:lstStyle/>
+          <a:p>
+            <a:r>
+              <a:rPr lang="en-US" dirty="0"/>
+              <a:t>More Complex Common R Object Types - Matrix</a:t>
+            </a:r>
+          </a:p>
+        </p:txBody>
+      </p:sp>
+      <p:sp>
+        <p:nvSpPr>
+          <p:cNvPr id="4" name="Date Placeholder 3"/>
+          <p:cNvSpPr>
+            <a:spLocks noGrp="1"/>
+          </p:cNvSpPr>
+          <p:nvPr>
+            <p:ph type="dt" sz="half" idx="10"/>
+          </p:nvPr>
+        </p:nvSpPr>
+        <p:spPr/>
+        <p:txBody>
+          <a:bodyPr/>
+          <a:lstStyle/>
+          <a:p>
+            <a:fld id="{D753EFC8-4232-4598-94F6-94C0EBAFC469}" type="datetime1">
+              <a:rPr lang="en-US" smtClean="0"/>
+              <a:t>9/5/22</a:t>
+            </a:fld>
+            <a:endParaRPr lang="en-US"/>
+          </a:p>
+        </p:txBody>
+      </p:sp>
+      <p:sp>
+        <p:nvSpPr>
+          <p:cNvPr id="5" name="Slide Number Placeholder 4"/>
+          <p:cNvSpPr>
+            <a:spLocks noGrp="1"/>
+          </p:cNvSpPr>
+          <p:nvPr>
+            <p:ph type="sldNum" sz="quarter" idx="12"/>
+          </p:nvPr>
+        </p:nvSpPr>
+        <p:spPr/>
+        <p:txBody>
+          <a:bodyPr/>
+          <a:lstStyle/>
+          <a:p>
+            <a:fld id="{37290FF7-652B-4475-AEAB-8B1A5D23AE09}" type="slidenum">
+              <a:rPr lang="en-US" smtClean="0"/>
+              <a:t>2</a:t>
+            </a:fld>
+            <a:endParaRPr lang="en-US"/>
+          </a:p>
+        </p:txBody>
+      </p:sp>
+      <p:pic>
+        <p:nvPicPr>
+          <p:cNvPr id="8" name="Picture 2" descr="R">
+            <a:extLst>
+              <a:ext uri="{FF2B5EF4-FFF2-40B4-BE49-F238E27FC236}">
+                <a16:creationId xmlns:a16="http://schemas.microsoft.com/office/drawing/2014/main" id="{11EF2ABC-BE3E-4FA6-BC36-D10C5F0CE43E}"/>
+              </a:ext>
+            </a:extLst>
+          </p:cNvPr>
+          <p:cNvPicPr>
+            <a:picLocks noChangeAspect="1" noChangeArrowheads="1"/>
+          </p:cNvPicPr>
+          <p:nvPr/>
+        </p:nvPicPr>
+        <p:blipFill>
+          <a:blip r:embed="rId2" cstate="print">
+            <a:extLst>
+              <a:ext uri="{28A0092B-C50C-407E-A947-70E740481C1C}">
+                <a14:useLocalDpi xmlns:a14="http://schemas.microsoft.com/office/drawing/2010/main" val="0"/>
+              </a:ext>
+            </a:extLst>
+          </a:blip>
+          <a:srcRect/>
+          <a:stretch>
+            <a:fillRect/>
+          </a:stretch>
+        </p:blipFill>
+        <p:spPr bwMode="auto">
+          <a:xfrm>
+            <a:off x="5690830" y="1761239"/>
+            <a:ext cx="478378" cy="370743"/>
+          </a:xfrm>
+          <a:prstGeom prst="rect">
+            <a:avLst/>
+          </a:prstGeom>
+          <a:noFill/>
+          <a:extLst>
+            <a:ext uri="{909E8E84-426E-40DD-AFC4-6F175D3DCCD1}">
+              <a14:hiddenFill xmlns:a14="http://schemas.microsoft.com/office/drawing/2010/main">
+                <a:solidFill>
+                  <a:srgbClr val="FFFFFF"/>
+                </a:solidFill>
+              </a14:hiddenFill>
+            </a:ext>
+          </a:extLst>
+        </p:spPr>
+      </p:pic>
+      <p:graphicFrame>
+        <p:nvGraphicFramePr>
+          <p:cNvPr id="9" name="Table 8">
+            <a:extLst>
+              <a:ext uri="{FF2B5EF4-FFF2-40B4-BE49-F238E27FC236}">
+                <a16:creationId xmlns:a16="http://schemas.microsoft.com/office/drawing/2014/main" id="{C43EFFA9-F6F7-41FD-9E92-35864945C357}"/>
+              </a:ext>
+            </a:extLst>
+          </p:cNvPr>
+          <p:cNvGraphicFramePr>
+            <a:graphicFrameLocks noGrp="1"/>
+          </p:cNvGraphicFramePr>
+          <p:nvPr/>
+        </p:nvGraphicFramePr>
+        <p:xfrm>
+          <a:off x="1466850" y="2291092"/>
+          <a:ext cx="2438400" cy="2095500"/>
+        </p:xfrm>
+        <a:graphic>
+          <a:graphicData uri="http://schemas.openxmlformats.org/drawingml/2006/table">
+            <a:tbl>
+              <a:tblPr>
+                <a:tableStyleId>{93296810-A885-4BE3-A3E7-6D5BEEA58F35}</a:tableStyleId>
+              </a:tblPr>
+              <a:tblGrid>
+                <a:gridCol w="609600">
+                  <a:extLst>
+                    <a:ext uri="{9D8B030D-6E8A-4147-A177-3AD203B41FA5}">
+                      <a16:colId xmlns:a16="http://schemas.microsoft.com/office/drawing/2014/main" val="2469119719"/>
+                    </a:ext>
+                  </a:extLst>
+                </a:gridCol>
+                <a:gridCol w="609600">
+                  <a:extLst>
+                    <a:ext uri="{9D8B030D-6E8A-4147-A177-3AD203B41FA5}">
+                      <a16:colId xmlns:a16="http://schemas.microsoft.com/office/drawing/2014/main" val="1652993356"/>
+                    </a:ext>
+                  </a:extLst>
+                </a:gridCol>
+                <a:gridCol w="609600">
+                  <a:extLst>
+                    <a:ext uri="{9D8B030D-6E8A-4147-A177-3AD203B41FA5}">
+                      <a16:colId xmlns:a16="http://schemas.microsoft.com/office/drawing/2014/main" val="1931418866"/>
+                    </a:ext>
+                  </a:extLst>
+                </a:gridCol>
+                <a:gridCol w="609600">
+                  <a:extLst>
+                    <a:ext uri="{9D8B030D-6E8A-4147-A177-3AD203B41FA5}">
+                      <a16:colId xmlns:a16="http://schemas.microsoft.com/office/drawing/2014/main" val="291378057"/>
+                    </a:ext>
+                  </a:extLst>
+                </a:gridCol>
+              </a:tblGrid>
+              <a:tr h="190500">
+                <a:tc>
+                  <a:txBody>
+                    <a:bodyPr/>
+                    <a:lstStyle/>
+                    <a:p>
+                      <a:pPr algn="ctr" fontAlgn="b"/>
+                      <a:r>
+                        <a:rPr lang="en-US" sz="1100" u="none" strike="noStrike">
+                          <a:effectLst/>
+                        </a:rPr>
+                        <a:t>RowID</a:t>
+                      </a:r>
+                      <a:endParaRPr lang="en-US" sz="1100" b="0" i="0" u="none" strike="noStrike">
+                        <a:solidFill>
+                          <a:srgbClr val="000000"/>
+                        </a:solidFill>
+                        <a:effectLst/>
+                        <a:latin typeface="Calibri" panose="020F0502020204030204" pitchFamily="34" charset="0"/>
+                      </a:endParaRPr>
+                    </a:p>
+                  </a:txBody>
+                  <a:tcPr marL="9525" marR="9525" marT="9525" marB="0" anchor="b"/>
+                </a:tc>
+                <a:tc>
+                  <a:txBody>
+                    <a:bodyPr/>
+                    <a:lstStyle/>
+                    <a:p>
+                      <a:pPr algn="ctr" fontAlgn="b"/>
+                      <a:r>
+                        <a:rPr lang="en-US" sz="1100" u="none" strike="noStrike">
+                          <a:effectLst/>
+                        </a:rPr>
+                        <a:t>breaks</a:t>
+                      </a:r>
+                      <a:endParaRPr lang="en-US" sz="1100" b="0" i="0" u="none" strike="noStrike">
+                        <a:solidFill>
+                          <a:srgbClr val="000000"/>
+                        </a:solidFill>
+                        <a:effectLst/>
+                        <a:latin typeface="Calibri" panose="020F0502020204030204" pitchFamily="34" charset="0"/>
+                      </a:endParaRPr>
+                    </a:p>
+                  </a:txBody>
+                  <a:tcPr marL="9525" marR="9525" marT="9525" marB="0" anchor="b"/>
+                </a:tc>
+                <a:tc>
+                  <a:txBody>
+                    <a:bodyPr/>
+                    <a:lstStyle/>
+                    <a:p>
+                      <a:pPr algn="ctr" fontAlgn="b"/>
+                      <a:r>
+                        <a:rPr lang="en-US" sz="1100" u="none" strike="noStrike">
+                          <a:effectLst/>
+                        </a:rPr>
+                        <a:t>wool</a:t>
+                      </a:r>
+                      <a:endParaRPr lang="en-US" sz="1100" b="0" i="0" u="none" strike="noStrike">
+                        <a:solidFill>
+                          <a:srgbClr val="000000"/>
+                        </a:solidFill>
+                        <a:effectLst/>
+                        <a:latin typeface="Calibri" panose="020F0502020204030204" pitchFamily="34" charset="0"/>
+                      </a:endParaRPr>
+                    </a:p>
+                  </a:txBody>
+                  <a:tcPr marL="9525" marR="9525" marT="9525" marB="0" anchor="b"/>
+                </a:tc>
+                <a:tc>
+                  <a:txBody>
+                    <a:bodyPr/>
+                    <a:lstStyle/>
+                    <a:p>
+                      <a:pPr algn="ctr" fontAlgn="b"/>
+                      <a:r>
+                        <a:rPr lang="en-US" sz="1100" u="none" strike="noStrike">
+                          <a:effectLst/>
+                        </a:rPr>
+                        <a:t>tension</a:t>
+                      </a:r>
+                      <a:endParaRPr lang="en-US" sz="1100" b="0" i="0" u="none" strike="noStrike">
+                        <a:solidFill>
+                          <a:srgbClr val="000000"/>
+                        </a:solidFill>
+                        <a:effectLst/>
+                        <a:latin typeface="Calibri" panose="020F0502020204030204" pitchFamily="34" charset="0"/>
+                      </a:endParaRPr>
+                    </a:p>
+                  </a:txBody>
+                  <a:tcPr marL="9525" marR="9525" marT="9525" marB="0" anchor="b"/>
+                </a:tc>
+                <a:extLst>
+                  <a:ext uri="{0D108BD9-81ED-4DB2-BD59-A6C34878D82A}">
+                    <a16:rowId xmlns:a16="http://schemas.microsoft.com/office/drawing/2014/main" val="3691778674"/>
+                  </a:ext>
+                </a:extLst>
+              </a:tr>
+              <a:tr h="190500">
+                <a:tc>
+                  <a:txBody>
+                    <a:bodyPr/>
+                    <a:lstStyle/>
+                    <a:p>
+                      <a:pPr algn="ctr" fontAlgn="b"/>
+                      <a:r>
+                        <a:rPr lang="en-US" sz="1100" u="none" strike="noStrike">
+                          <a:effectLst/>
+                        </a:rPr>
+                        <a:t>1</a:t>
+                      </a:r>
+                      <a:endParaRPr lang="en-US" sz="1100" b="0" i="0" u="none" strike="noStrike">
+                        <a:solidFill>
+                          <a:srgbClr val="000000"/>
+                        </a:solidFill>
+                        <a:effectLst/>
+                        <a:latin typeface="Calibri" panose="020F0502020204030204" pitchFamily="34" charset="0"/>
+                      </a:endParaRPr>
+                    </a:p>
+                  </a:txBody>
+                  <a:tcPr marL="9525" marR="9525" marT="9525" marB="0" anchor="b"/>
+                </a:tc>
+                <a:tc>
+                  <a:txBody>
+                    <a:bodyPr/>
+                    <a:lstStyle/>
+                    <a:p>
+                      <a:pPr algn="ctr" fontAlgn="b"/>
+                      <a:r>
+                        <a:rPr lang="en-US" sz="1100" u="none" strike="noStrike">
+                          <a:effectLst/>
+                        </a:rPr>
+                        <a:t>26</a:t>
+                      </a:r>
+                      <a:endParaRPr lang="en-US" sz="1100" b="0" i="0" u="none" strike="noStrike">
+                        <a:solidFill>
+                          <a:srgbClr val="000000"/>
+                        </a:solidFill>
+                        <a:effectLst/>
+                        <a:latin typeface="Calibri" panose="020F0502020204030204" pitchFamily="34" charset="0"/>
+                      </a:endParaRPr>
+                    </a:p>
+                  </a:txBody>
+                  <a:tcPr marL="9525" marR="9525" marT="9525" marB="0" anchor="b"/>
+                </a:tc>
+                <a:tc>
+                  <a:txBody>
+                    <a:bodyPr/>
+                    <a:lstStyle/>
+                    <a:p>
+                      <a:pPr algn="ctr" fontAlgn="b"/>
+                      <a:r>
+                        <a:rPr lang="en-US" sz="1100" u="none" strike="noStrike">
+                          <a:effectLst/>
+                        </a:rPr>
+                        <a:t>A</a:t>
+                      </a:r>
+                      <a:endParaRPr lang="en-US" sz="1100" b="0" i="0" u="none" strike="noStrike">
+                        <a:solidFill>
+                          <a:srgbClr val="000000"/>
+                        </a:solidFill>
+                        <a:effectLst/>
+                        <a:latin typeface="Calibri" panose="020F0502020204030204" pitchFamily="34" charset="0"/>
+                      </a:endParaRPr>
+                    </a:p>
+                  </a:txBody>
+                  <a:tcPr marL="9525" marR="9525" marT="9525" marB="0" anchor="b"/>
+                </a:tc>
+                <a:tc>
+                  <a:txBody>
+                    <a:bodyPr/>
+                    <a:lstStyle/>
+                    <a:p>
+                      <a:pPr algn="ctr" fontAlgn="b"/>
+                      <a:r>
+                        <a:rPr lang="en-US" sz="1100" u="none" strike="noStrike">
+                          <a:effectLst/>
+                        </a:rPr>
+                        <a:t>L</a:t>
+                      </a:r>
+                      <a:endParaRPr lang="en-US" sz="1100" b="0" i="0" u="none" strike="noStrike">
+                        <a:solidFill>
+                          <a:srgbClr val="000000"/>
+                        </a:solidFill>
+                        <a:effectLst/>
+                        <a:latin typeface="Calibri" panose="020F0502020204030204" pitchFamily="34" charset="0"/>
+                      </a:endParaRPr>
+                    </a:p>
+                  </a:txBody>
+                  <a:tcPr marL="9525" marR="9525" marT="9525" marB="0" anchor="b"/>
+                </a:tc>
+                <a:extLst>
+                  <a:ext uri="{0D108BD9-81ED-4DB2-BD59-A6C34878D82A}">
+                    <a16:rowId xmlns:a16="http://schemas.microsoft.com/office/drawing/2014/main" val="1891799582"/>
+                  </a:ext>
+                </a:extLst>
+              </a:tr>
+              <a:tr h="190500">
+                <a:tc>
+                  <a:txBody>
+                    <a:bodyPr/>
+                    <a:lstStyle/>
+                    <a:p>
+                      <a:pPr algn="ctr" fontAlgn="b"/>
+                      <a:r>
+                        <a:rPr lang="en-US" sz="1100" u="none" strike="noStrike">
+                          <a:effectLst/>
+                        </a:rPr>
+                        <a:t>2</a:t>
+                      </a:r>
+                      <a:endParaRPr lang="en-US" sz="1100" b="0" i="0" u="none" strike="noStrike">
+                        <a:solidFill>
+                          <a:srgbClr val="000000"/>
+                        </a:solidFill>
+                        <a:effectLst/>
+                        <a:latin typeface="Calibri" panose="020F0502020204030204" pitchFamily="34" charset="0"/>
+                      </a:endParaRPr>
+                    </a:p>
+                  </a:txBody>
+                  <a:tcPr marL="9525" marR="9525" marT="9525" marB="0" anchor="b"/>
+                </a:tc>
+                <a:tc>
+                  <a:txBody>
+                    <a:bodyPr/>
+                    <a:lstStyle/>
+                    <a:p>
+                      <a:pPr algn="ctr" fontAlgn="b"/>
+                      <a:r>
+                        <a:rPr lang="en-US" sz="1100" u="none" strike="noStrike">
+                          <a:effectLst/>
+                        </a:rPr>
+                        <a:t>30</a:t>
+                      </a:r>
+                      <a:endParaRPr lang="en-US" sz="1100" b="0" i="0" u="none" strike="noStrike">
+                        <a:solidFill>
+                          <a:srgbClr val="000000"/>
+                        </a:solidFill>
+                        <a:effectLst/>
+                        <a:latin typeface="Calibri" panose="020F0502020204030204" pitchFamily="34" charset="0"/>
+                      </a:endParaRPr>
+                    </a:p>
+                  </a:txBody>
+                  <a:tcPr marL="9525" marR="9525" marT="9525" marB="0" anchor="b"/>
+                </a:tc>
+                <a:tc>
+                  <a:txBody>
+                    <a:bodyPr/>
+                    <a:lstStyle/>
+                    <a:p>
+                      <a:pPr algn="ctr" fontAlgn="b"/>
+                      <a:r>
+                        <a:rPr lang="en-US" sz="1100" u="none" strike="noStrike">
+                          <a:effectLst/>
+                        </a:rPr>
+                        <a:t>A</a:t>
+                      </a:r>
+                      <a:endParaRPr lang="en-US" sz="1100" b="0" i="0" u="none" strike="noStrike">
+                        <a:solidFill>
+                          <a:srgbClr val="000000"/>
+                        </a:solidFill>
+                        <a:effectLst/>
+                        <a:latin typeface="Calibri" panose="020F0502020204030204" pitchFamily="34" charset="0"/>
+                      </a:endParaRPr>
+                    </a:p>
+                  </a:txBody>
+                  <a:tcPr marL="9525" marR="9525" marT="9525" marB="0" anchor="b"/>
+                </a:tc>
+                <a:tc>
+                  <a:txBody>
+                    <a:bodyPr/>
+                    <a:lstStyle/>
+                    <a:p>
+                      <a:pPr algn="ctr" fontAlgn="b"/>
+                      <a:r>
+                        <a:rPr lang="en-US" sz="1100" u="none" strike="noStrike">
+                          <a:effectLst/>
+                        </a:rPr>
+                        <a:t>L</a:t>
+                      </a:r>
+                      <a:endParaRPr lang="en-US" sz="1100" b="0" i="0" u="none" strike="noStrike">
+                        <a:solidFill>
+                          <a:srgbClr val="000000"/>
+                        </a:solidFill>
+                        <a:effectLst/>
+                        <a:latin typeface="Calibri" panose="020F0502020204030204" pitchFamily="34" charset="0"/>
+                      </a:endParaRPr>
+                    </a:p>
+                  </a:txBody>
+                  <a:tcPr marL="9525" marR="9525" marT="9525" marB="0" anchor="b"/>
+                </a:tc>
+                <a:extLst>
+                  <a:ext uri="{0D108BD9-81ED-4DB2-BD59-A6C34878D82A}">
+                    <a16:rowId xmlns:a16="http://schemas.microsoft.com/office/drawing/2014/main" val="832303193"/>
+                  </a:ext>
+                </a:extLst>
+              </a:tr>
+              <a:tr h="190500">
+                <a:tc>
+                  <a:txBody>
+                    <a:bodyPr/>
+                    <a:lstStyle/>
+                    <a:p>
+                      <a:pPr algn="ctr" fontAlgn="b"/>
+                      <a:r>
+                        <a:rPr lang="en-US" sz="1100" u="none" strike="noStrike">
+                          <a:effectLst/>
+                        </a:rPr>
+                        <a:t>3</a:t>
+                      </a:r>
+                      <a:endParaRPr lang="en-US" sz="1100" b="0" i="0" u="none" strike="noStrike">
+                        <a:solidFill>
+                          <a:srgbClr val="000000"/>
+                        </a:solidFill>
+                        <a:effectLst/>
+                        <a:latin typeface="Calibri" panose="020F0502020204030204" pitchFamily="34" charset="0"/>
+                      </a:endParaRPr>
+                    </a:p>
+                  </a:txBody>
+                  <a:tcPr marL="9525" marR="9525" marT="9525" marB="0" anchor="b"/>
+                </a:tc>
+                <a:tc>
+                  <a:txBody>
+                    <a:bodyPr/>
+                    <a:lstStyle/>
+                    <a:p>
+                      <a:pPr algn="ctr" fontAlgn="b"/>
+                      <a:r>
+                        <a:rPr lang="en-US" sz="1100" u="none" strike="noStrike">
+                          <a:effectLst/>
+                        </a:rPr>
+                        <a:t>54</a:t>
+                      </a:r>
+                      <a:endParaRPr lang="en-US" sz="1100" b="0" i="0" u="none" strike="noStrike">
+                        <a:solidFill>
+                          <a:srgbClr val="000000"/>
+                        </a:solidFill>
+                        <a:effectLst/>
+                        <a:latin typeface="Calibri" panose="020F0502020204030204" pitchFamily="34" charset="0"/>
+                      </a:endParaRPr>
+                    </a:p>
+                  </a:txBody>
+                  <a:tcPr marL="9525" marR="9525" marT="9525" marB="0" anchor="b"/>
+                </a:tc>
+                <a:tc>
+                  <a:txBody>
+                    <a:bodyPr/>
+                    <a:lstStyle/>
+                    <a:p>
+                      <a:pPr algn="ctr" fontAlgn="b"/>
+                      <a:r>
+                        <a:rPr lang="en-US" sz="1100" u="none" strike="noStrike">
+                          <a:effectLst/>
+                        </a:rPr>
+                        <a:t>A</a:t>
+                      </a:r>
+                      <a:endParaRPr lang="en-US" sz="1100" b="0" i="0" u="none" strike="noStrike">
+                        <a:solidFill>
+                          <a:srgbClr val="000000"/>
+                        </a:solidFill>
+                        <a:effectLst/>
+                        <a:latin typeface="Calibri" panose="020F0502020204030204" pitchFamily="34" charset="0"/>
+                      </a:endParaRPr>
+                    </a:p>
+                  </a:txBody>
+                  <a:tcPr marL="9525" marR="9525" marT="9525" marB="0" anchor="b"/>
+                </a:tc>
+                <a:tc>
+                  <a:txBody>
+                    <a:bodyPr/>
+                    <a:lstStyle/>
+                    <a:p>
+                      <a:pPr algn="ctr" fontAlgn="b"/>
+                      <a:r>
+                        <a:rPr lang="en-US" sz="1100" u="none" strike="noStrike">
+                          <a:effectLst/>
+                        </a:rPr>
+                        <a:t>L</a:t>
+                      </a:r>
+                      <a:endParaRPr lang="en-US" sz="1100" b="0" i="0" u="none" strike="noStrike">
+                        <a:solidFill>
+                          <a:srgbClr val="000000"/>
+                        </a:solidFill>
+                        <a:effectLst/>
+                        <a:latin typeface="Calibri" panose="020F0502020204030204" pitchFamily="34" charset="0"/>
+                      </a:endParaRPr>
+                    </a:p>
+                  </a:txBody>
+                  <a:tcPr marL="9525" marR="9525" marT="9525" marB="0" anchor="b"/>
+                </a:tc>
+                <a:extLst>
+                  <a:ext uri="{0D108BD9-81ED-4DB2-BD59-A6C34878D82A}">
+                    <a16:rowId xmlns:a16="http://schemas.microsoft.com/office/drawing/2014/main" val="2433369760"/>
+                  </a:ext>
+                </a:extLst>
+              </a:tr>
+              <a:tr h="190500">
+                <a:tc>
+                  <a:txBody>
+                    <a:bodyPr/>
+                    <a:lstStyle/>
+                    <a:p>
+                      <a:pPr algn="ctr" fontAlgn="b"/>
+                      <a:r>
+                        <a:rPr lang="en-US" sz="1100" u="none" strike="noStrike">
+                          <a:effectLst/>
+                        </a:rPr>
+                        <a:t>4</a:t>
+                      </a:r>
+                      <a:endParaRPr lang="en-US" sz="1100" b="0" i="0" u="none" strike="noStrike">
+                        <a:solidFill>
+                          <a:srgbClr val="000000"/>
+                        </a:solidFill>
+                        <a:effectLst/>
+                        <a:latin typeface="Calibri" panose="020F0502020204030204" pitchFamily="34" charset="0"/>
+                      </a:endParaRPr>
+                    </a:p>
+                  </a:txBody>
+                  <a:tcPr marL="9525" marR="9525" marT="9525" marB="0" anchor="b"/>
+                </a:tc>
+                <a:tc>
+                  <a:txBody>
+                    <a:bodyPr/>
+                    <a:lstStyle/>
+                    <a:p>
+                      <a:pPr algn="ctr" fontAlgn="b"/>
+                      <a:r>
+                        <a:rPr lang="en-US" sz="1100" u="none" strike="noStrike">
+                          <a:effectLst/>
+                        </a:rPr>
+                        <a:t>25</a:t>
+                      </a:r>
+                      <a:endParaRPr lang="en-US" sz="1100" b="0" i="0" u="none" strike="noStrike">
+                        <a:solidFill>
+                          <a:srgbClr val="000000"/>
+                        </a:solidFill>
+                        <a:effectLst/>
+                        <a:latin typeface="Calibri" panose="020F0502020204030204" pitchFamily="34" charset="0"/>
+                      </a:endParaRPr>
+                    </a:p>
+                  </a:txBody>
+                  <a:tcPr marL="9525" marR="9525" marT="9525" marB="0" anchor="b"/>
+                </a:tc>
+                <a:tc>
+                  <a:txBody>
+                    <a:bodyPr/>
+                    <a:lstStyle/>
+                    <a:p>
+                      <a:pPr algn="ctr" fontAlgn="b"/>
+                      <a:r>
+                        <a:rPr lang="en-US" sz="1100" u="none" strike="noStrike">
+                          <a:effectLst/>
+                        </a:rPr>
+                        <a:t>A</a:t>
+                      </a:r>
+                      <a:endParaRPr lang="en-US" sz="1100" b="0" i="0" u="none" strike="noStrike">
+                        <a:solidFill>
+                          <a:srgbClr val="000000"/>
+                        </a:solidFill>
+                        <a:effectLst/>
+                        <a:latin typeface="Calibri" panose="020F0502020204030204" pitchFamily="34" charset="0"/>
+                      </a:endParaRPr>
+                    </a:p>
+                  </a:txBody>
+                  <a:tcPr marL="9525" marR="9525" marT="9525" marB="0" anchor="b"/>
+                </a:tc>
+                <a:tc>
+                  <a:txBody>
+                    <a:bodyPr/>
+                    <a:lstStyle/>
+                    <a:p>
+                      <a:pPr algn="ctr" fontAlgn="b"/>
+                      <a:r>
+                        <a:rPr lang="en-US" sz="1100" u="none" strike="noStrike">
+                          <a:effectLst/>
+                        </a:rPr>
+                        <a:t>L</a:t>
+                      </a:r>
+                      <a:endParaRPr lang="en-US" sz="1100" b="0" i="0" u="none" strike="noStrike">
+                        <a:solidFill>
+                          <a:srgbClr val="000000"/>
+                        </a:solidFill>
+                        <a:effectLst/>
+                        <a:latin typeface="Calibri" panose="020F0502020204030204" pitchFamily="34" charset="0"/>
+                      </a:endParaRPr>
+                    </a:p>
+                  </a:txBody>
+                  <a:tcPr marL="9525" marR="9525" marT="9525" marB="0" anchor="b"/>
+                </a:tc>
+                <a:extLst>
+                  <a:ext uri="{0D108BD9-81ED-4DB2-BD59-A6C34878D82A}">
+                    <a16:rowId xmlns:a16="http://schemas.microsoft.com/office/drawing/2014/main" val="1752936295"/>
+                  </a:ext>
+                </a:extLst>
+              </a:tr>
+              <a:tr h="190500">
+                <a:tc>
+                  <a:txBody>
+                    <a:bodyPr/>
+                    <a:lstStyle/>
+                    <a:p>
+                      <a:pPr algn="ctr" fontAlgn="b"/>
+                      <a:r>
+                        <a:rPr lang="en-US" sz="1100" u="none" strike="noStrike">
+                          <a:effectLst/>
+                        </a:rPr>
+                        <a:t>5</a:t>
+                      </a:r>
+                      <a:endParaRPr lang="en-US" sz="1100" b="0" i="0" u="none" strike="noStrike">
+                        <a:solidFill>
+                          <a:srgbClr val="000000"/>
+                        </a:solidFill>
+                        <a:effectLst/>
+                        <a:latin typeface="Calibri" panose="020F0502020204030204" pitchFamily="34" charset="0"/>
+                      </a:endParaRPr>
+                    </a:p>
+                  </a:txBody>
+                  <a:tcPr marL="9525" marR="9525" marT="9525" marB="0" anchor="b"/>
+                </a:tc>
+                <a:tc>
+                  <a:txBody>
+                    <a:bodyPr/>
+                    <a:lstStyle/>
+                    <a:p>
+                      <a:pPr algn="ctr" fontAlgn="b"/>
+                      <a:r>
+                        <a:rPr lang="en-US" sz="1100" u="none" strike="noStrike">
+                          <a:effectLst/>
+                        </a:rPr>
+                        <a:t>70</a:t>
+                      </a:r>
+                      <a:endParaRPr lang="en-US" sz="1100" b="0" i="0" u="none" strike="noStrike">
+                        <a:solidFill>
+                          <a:srgbClr val="000000"/>
+                        </a:solidFill>
+                        <a:effectLst/>
+                        <a:latin typeface="Calibri" panose="020F0502020204030204" pitchFamily="34" charset="0"/>
+                      </a:endParaRPr>
+                    </a:p>
+                  </a:txBody>
+                  <a:tcPr marL="9525" marR="9525" marT="9525" marB="0" anchor="b"/>
+                </a:tc>
+                <a:tc>
+                  <a:txBody>
+                    <a:bodyPr/>
+                    <a:lstStyle/>
+                    <a:p>
+                      <a:pPr algn="ctr" fontAlgn="b"/>
+                      <a:r>
+                        <a:rPr lang="en-US" sz="1100" u="none" strike="noStrike">
+                          <a:effectLst/>
+                        </a:rPr>
+                        <a:t>A</a:t>
+                      </a:r>
+                      <a:endParaRPr lang="en-US" sz="1100" b="0" i="0" u="none" strike="noStrike">
+                        <a:solidFill>
+                          <a:srgbClr val="000000"/>
+                        </a:solidFill>
+                        <a:effectLst/>
+                        <a:latin typeface="Calibri" panose="020F0502020204030204" pitchFamily="34" charset="0"/>
+                      </a:endParaRPr>
+                    </a:p>
+                  </a:txBody>
+                  <a:tcPr marL="9525" marR="9525" marT="9525" marB="0" anchor="b"/>
+                </a:tc>
+                <a:tc>
+                  <a:txBody>
+                    <a:bodyPr/>
+                    <a:lstStyle/>
+                    <a:p>
+                      <a:pPr algn="ctr" fontAlgn="b"/>
+                      <a:r>
+                        <a:rPr lang="en-US" sz="1100" u="none" strike="noStrike">
+                          <a:effectLst/>
+                        </a:rPr>
+                        <a:t>L</a:t>
+                      </a:r>
+                      <a:endParaRPr lang="en-US" sz="1100" b="0" i="0" u="none" strike="noStrike">
+                        <a:solidFill>
+                          <a:srgbClr val="000000"/>
+                        </a:solidFill>
+                        <a:effectLst/>
+                        <a:latin typeface="Calibri" panose="020F0502020204030204" pitchFamily="34" charset="0"/>
+                      </a:endParaRPr>
+                    </a:p>
+                  </a:txBody>
+                  <a:tcPr marL="9525" marR="9525" marT="9525" marB="0" anchor="b"/>
+                </a:tc>
+                <a:extLst>
+                  <a:ext uri="{0D108BD9-81ED-4DB2-BD59-A6C34878D82A}">
+                    <a16:rowId xmlns:a16="http://schemas.microsoft.com/office/drawing/2014/main" val="3330051059"/>
+                  </a:ext>
+                </a:extLst>
+              </a:tr>
+              <a:tr h="190500">
+                <a:tc>
+                  <a:txBody>
+                    <a:bodyPr/>
+                    <a:lstStyle/>
+                    <a:p>
+                      <a:pPr algn="ctr" fontAlgn="b"/>
+                      <a:r>
+                        <a:rPr lang="en-US" sz="1100" u="none" strike="noStrike">
+                          <a:effectLst/>
+                        </a:rPr>
+                        <a:t>6</a:t>
+                      </a:r>
+                      <a:endParaRPr lang="en-US" sz="1100" b="0" i="0" u="none" strike="noStrike">
+                        <a:solidFill>
+                          <a:srgbClr val="000000"/>
+                        </a:solidFill>
+                        <a:effectLst/>
+                        <a:latin typeface="Calibri" panose="020F0502020204030204" pitchFamily="34" charset="0"/>
+                      </a:endParaRPr>
+                    </a:p>
+                  </a:txBody>
+                  <a:tcPr marL="9525" marR="9525" marT="9525" marB="0" anchor="b"/>
+                </a:tc>
+                <a:tc>
+                  <a:txBody>
+                    <a:bodyPr/>
+                    <a:lstStyle/>
+                    <a:p>
+                      <a:pPr algn="ctr" fontAlgn="b"/>
+                      <a:r>
+                        <a:rPr lang="en-US" sz="1100" u="none" strike="noStrike">
+                          <a:effectLst/>
+                        </a:rPr>
+                        <a:t>52</a:t>
+                      </a:r>
+                      <a:endParaRPr lang="en-US" sz="1100" b="0" i="0" u="none" strike="noStrike">
+                        <a:solidFill>
+                          <a:srgbClr val="000000"/>
+                        </a:solidFill>
+                        <a:effectLst/>
+                        <a:latin typeface="Calibri" panose="020F0502020204030204" pitchFamily="34" charset="0"/>
+                      </a:endParaRPr>
+                    </a:p>
+                  </a:txBody>
+                  <a:tcPr marL="9525" marR="9525" marT="9525" marB="0" anchor="b"/>
+                </a:tc>
+                <a:tc>
+                  <a:txBody>
+                    <a:bodyPr/>
+                    <a:lstStyle/>
+                    <a:p>
+                      <a:pPr algn="ctr" fontAlgn="b"/>
+                      <a:r>
+                        <a:rPr lang="en-US" sz="1100" u="none" strike="noStrike">
+                          <a:effectLst/>
+                        </a:rPr>
+                        <a:t>A</a:t>
+                      </a:r>
+                      <a:endParaRPr lang="en-US" sz="1100" b="0" i="0" u="none" strike="noStrike">
+                        <a:solidFill>
+                          <a:srgbClr val="000000"/>
+                        </a:solidFill>
+                        <a:effectLst/>
+                        <a:latin typeface="Calibri" panose="020F0502020204030204" pitchFamily="34" charset="0"/>
+                      </a:endParaRPr>
+                    </a:p>
+                  </a:txBody>
+                  <a:tcPr marL="9525" marR="9525" marT="9525" marB="0" anchor="b"/>
+                </a:tc>
+                <a:tc>
+                  <a:txBody>
+                    <a:bodyPr/>
+                    <a:lstStyle/>
+                    <a:p>
+                      <a:pPr algn="ctr" fontAlgn="b"/>
+                      <a:r>
+                        <a:rPr lang="en-US" sz="1100" u="none" strike="noStrike">
+                          <a:effectLst/>
+                        </a:rPr>
+                        <a:t>L</a:t>
+                      </a:r>
+                      <a:endParaRPr lang="en-US" sz="1100" b="0" i="0" u="none" strike="noStrike">
+                        <a:solidFill>
+                          <a:srgbClr val="000000"/>
+                        </a:solidFill>
+                        <a:effectLst/>
+                        <a:latin typeface="Calibri" panose="020F0502020204030204" pitchFamily="34" charset="0"/>
+                      </a:endParaRPr>
+                    </a:p>
+                  </a:txBody>
+                  <a:tcPr marL="9525" marR="9525" marT="9525" marB="0" anchor="b"/>
+                </a:tc>
+                <a:extLst>
+                  <a:ext uri="{0D108BD9-81ED-4DB2-BD59-A6C34878D82A}">
+                    <a16:rowId xmlns:a16="http://schemas.microsoft.com/office/drawing/2014/main" val="1159698332"/>
+                  </a:ext>
+                </a:extLst>
+              </a:tr>
+              <a:tr h="190500">
+                <a:tc>
+                  <a:txBody>
+                    <a:bodyPr/>
+                    <a:lstStyle/>
+                    <a:p>
+                      <a:pPr algn="ctr" fontAlgn="b"/>
+                      <a:r>
+                        <a:rPr lang="en-US" sz="1100" u="none" strike="noStrike">
+                          <a:effectLst/>
+                        </a:rPr>
+                        <a:t>7</a:t>
+                      </a:r>
+                      <a:endParaRPr lang="en-US" sz="1100" b="0" i="0" u="none" strike="noStrike">
+                        <a:solidFill>
+                          <a:srgbClr val="000000"/>
+                        </a:solidFill>
+                        <a:effectLst/>
+                        <a:latin typeface="Calibri" panose="020F0502020204030204" pitchFamily="34" charset="0"/>
+                      </a:endParaRPr>
+                    </a:p>
+                  </a:txBody>
+                  <a:tcPr marL="9525" marR="9525" marT="9525" marB="0" anchor="b"/>
+                </a:tc>
+                <a:tc>
+                  <a:txBody>
+                    <a:bodyPr/>
+                    <a:lstStyle/>
+                    <a:p>
+                      <a:pPr algn="ctr" fontAlgn="b"/>
+                      <a:r>
+                        <a:rPr lang="en-US" sz="1100" u="none" strike="noStrike">
+                          <a:effectLst/>
+                        </a:rPr>
+                        <a:t>51</a:t>
+                      </a:r>
+                      <a:endParaRPr lang="en-US" sz="1100" b="0" i="0" u="none" strike="noStrike">
+                        <a:solidFill>
+                          <a:srgbClr val="000000"/>
+                        </a:solidFill>
+                        <a:effectLst/>
+                        <a:latin typeface="Calibri" panose="020F0502020204030204" pitchFamily="34" charset="0"/>
+                      </a:endParaRPr>
+                    </a:p>
+                  </a:txBody>
+                  <a:tcPr marL="9525" marR="9525" marT="9525" marB="0" anchor="b"/>
+                </a:tc>
+                <a:tc>
+                  <a:txBody>
+                    <a:bodyPr/>
+                    <a:lstStyle/>
+                    <a:p>
+                      <a:pPr algn="ctr" fontAlgn="b"/>
+                      <a:r>
+                        <a:rPr lang="en-US" sz="1100" u="none" strike="noStrike">
+                          <a:effectLst/>
+                        </a:rPr>
+                        <a:t>A</a:t>
+                      </a:r>
+                      <a:endParaRPr lang="en-US" sz="1100" b="0" i="0" u="none" strike="noStrike">
+                        <a:solidFill>
+                          <a:srgbClr val="000000"/>
+                        </a:solidFill>
+                        <a:effectLst/>
+                        <a:latin typeface="Calibri" panose="020F0502020204030204" pitchFamily="34" charset="0"/>
+                      </a:endParaRPr>
+                    </a:p>
+                  </a:txBody>
+                  <a:tcPr marL="9525" marR="9525" marT="9525" marB="0" anchor="b"/>
+                </a:tc>
+                <a:tc>
+                  <a:txBody>
+                    <a:bodyPr/>
+                    <a:lstStyle/>
+                    <a:p>
+                      <a:pPr algn="ctr" fontAlgn="b"/>
+                      <a:r>
+                        <a:rPr lang="en-US" sz="1100" u="none" strike="noStrike">
+                          <a:effectLst/>
+                        </a:rPr>
+                        <a:t>L</a:t>
+                      </a:r>
+                      <a:endParaRPr lang="en-US" sz="1100" b="0" i="0" u="none" strike="noStrike">
+                        <a:solidFill>
+                          <a:srgbClr val="000000"/>
+                        </a:solidFill>
+                        <a:effectLst/>
+                        <a:latin typeface="Calibri" panose="020F0502020204030204" pitchFamily="34" charset="0"/>
+                      </a:endParaRPr>
+                    </a:p>
+                  </a:txBody>
+                  <a:tcPr marL="9525" marR="9525" marT="9525" marB="0" anchor="b"/>
+                </a:tc>
+                <a:extLst>
+                  <a:ext uri="{0D108BD9-81ED-4DB2-BD59-A6C34878D82A}">
+                    <a16:rowId xmlns:a16="http://schemas.microsoft.com/office/drawing/2014/main" val="2917359803"/>
+                  </a:ext>
+                </a:extLst>
+              </a:tr>
+              <a:tr h="190500">
+                <a:tc>
+                  <a:txBody>
+                    <a:bodyPr/>
+                    <a:lstStyle/>
+                    <a:p>
+                      <a:pPr algn="ctr" fontAlgn="b"/>
+                      <a:r>
+                        <a:rPr lang="en-US" sz="1100" u="none" strike="noStrike">
+                          <a:effectLst/>
+                        </a:rPr>
+                        <a:t>8</a:t>
+                      </a:r>
+                      <a:endParaRPr lang="en-US" sz="1100" b="0" i="0" u="none" strike="noStrike">
+                        <a:solidFill>
+                          <a:srgbClr val="000000"/>
+                        </a:solidFill>
+                        <a:effectLst/>
+                        <a:latin typeface="Calibri" panose="020F0502020204030204" pitchFamily="34" charset="0"/>
+                      </a:endParaRPr>
+                    </a:p>
+                  </a:txBody>
+                  <a:tcPr marL="9525" marR="9525" marT="9525" marB="0" anchor="b"/>
+                </a:tc>
+                <a:tc>
+                  <a:txBody>
+                    <a:bodyPr/>
+                    <a:lstStyle/>
+                    <a:p>
+                      <a:pPr algn="ctr" fontAlgn="b"/>
+                      <a:r>
+                        <a:rPr lang="en-US" sz="1100" u="none" strike="noStrike">
+                          <a:effectLst/>
+                        </a:rPr>
+                        <a:t>26</a:t>
+                      </a:r>
+                      <a:endParaRPr lang="en-US" sz="1100" b="0" i="0" u="none" strike="noStrike">
+                        <a:solidFill>
+                          <a:srgbClr val="000000"/>
+                        </a:solidFill>
+                        <a:effectLst/>
+                        <a:latin typeface="Calibri" panose="020F0502020204030204" pitchFamily="34" charset="0"/>
+                      </a:endParaRPr>
+                    </a:p>
+                  </a:txBody>
+                  <a:tcPr marL="9525" marR="9525" marT="9525" marB="0" anchor="b"/>
+                </a:tc>
+                <a:tc>
+                  <a:txBody>
+                    <a:bodyPr/>
+                    <a:lstStyle/>
+                    <a:p>
+                      <a:pPr algn="ctr" fontAlgn="b"/>
+                      <a:r>
+                        <a:rPr lang="en-US" sz="1100" u="none" strike="noStrike">
+                          <a:effectLst/>
+                        </a:rPr>
+                        <a:t>A</a:t>
+                      </a:r>
+                      <a:endParaRPr lang="en-US" sz="1100" b="0" i="0" u="none" strike="noStrike">
+                        <a:solidFill>
+                          <a:srgbClr val="000000"/>
+                        </a:solidFill>
+                        <a:effectLst/>
+                        <a:latin typeface="Calibri" panose="020F0502020204030204" pitchFamily="34" charset="0"/>
+                      </a:endParaRPr>
+                    </a:p>
+                  </a:txBody>
+                  <a:tcPr marL="9525" marR="9525" marT="9525" marB="0" anchor="b"/>
+                </a:tc>
+                <a:tc>
+                  <a:txBody>
+                    <a:bodyPr/>
+                    <a:lstStyle/>
+                    <a:p>
+                      <a:pPr algn="ctr" fontAlgn="b"/>
+                      <a:r>
+                        <a:rPr lang="en-US" sz="1100" u="none" strike="noStrike">
+                          <a:effectLst/>
+                        </a:rPr>
+                        <a:t>L</a:t>
+                      </a:r>
+                      <a:endParaRPr lang="en-US" sz="1100" b="0" i="0" u="none" strike="noStrike">
+                        <a:solidFill>
+                          <a:srgbClr val="000000"/>
+                        </a:solidFill>
+                        <a:effectLst/>
+                        <a:latin typeface="Calibri" panose="020F0502020204030204" pitchFamily="34" charset="0"/>
+                      </a:endParaRPr>
+                    </a:p>
+                  </a:txBody>
+                  <a:tcPr marL="9525" marR="9525" marT="9525" marB="0" anchor="b"/>
+                </a:tc>
+                <a:extLst>
+                  <a:ext uri="{0D108BD9-81ED-4DB2-BD59-A6C34878D82A}">
+                    <a16:rowId xmlns:a16="http://schemas.microsoft.com/office/drawing/2014/main" val="1340440246"/>
+                  </a:ext>
+                </a:extLst>
+              </a:tr>
+              <a:tr h="190500">
+                <a:tc>
+                  <a:txBody>
+                    <a:bodyPr/>
+                    <a:lstStyle/>
+                    <a:p>
+                      <a:pPr algn="ctr" fontAlgn="b"/>
+                      <a:r>
+                        <a:rPr lang="en-US" sz="1100" u="none" strike="noStrike">
+                          <a:effectLst/>
+                        </a:rPr>
+                        <a:t>9</a:t>
+                      </a:r>
+                      <a:endParaRPr lang="en-US" sz="1100" b="0" i="0" u="none" strike="noStrike">
+                        <a:solidFill>
+                          <a:srgbClr val="000000"/>
+                        </a:solidFill>
+                        <a:effectLst/>
+                        <a:latin typeface="Calibri" panose="020F0502020204030204" pitchFamily="34" charset="0"/>
+                      </a:endParaRPr>
+                    </a:p>
+                  </a:txBody>
+                  <a:tcPr marL="9525" marR="9525" marT="9525" marB="0" anchor="b"/>
+                </a:tc>
+                <a:tc>
+                  <a:txBody>
+                    <a:bodyPr/>
+                    <a:lstStyle/>
+                    <a:p>
+                      <a:pPr algn="ctr" fontAlgn="b"/>
+                      <a:r>
+                        <a:rPr lang="en-US" sz="1100" u="none" strike="noStrike">
+                          <a:effectLst/>
+                        </a:rPr>
+                        <a:t>67</a:t>
+                      </a:r>
+                      <a:endParaRPr lang="en-US" sz="1100" b="0" i="0" u="none" strike="noStrike">
+                        <a:solidFill>
+                          <a:srgbClr val="000000"/>
+                        </a:solidFill>
+                        <a:effectLst/>
+                        <a:latin typeface="Calibri" panose="020F0502020204030204" pitchFamily="34" charset="0"/>
+                      </a:endParaRPr>
+                    </a:p>
+                  </a:txBody>
+                  <a:tcPr marL="9525" marR="9525" marT="9525" marB="0" anchor="b"/>
+                </a:tc>
+                <a:tc>
+                  <a:txBody>
+                    <a:bodyPr/>
+                    <a:lstStyle/>
+                    <a:p>
+                      <a:pPr algn="ctr" fontAlgn="b"/>
+                      <a:r>
+                        <a:rPr lang="en-US" sz="1100" u="none" strike="noStrike">
+                          <a:effectLst/>
+                        </a:rPr>
+                        <a:t>A</a:t>
+                      </a:r>
+                      <a:endParaRPr lang="en-US" sz="1100" b="0" i="0" u="none" strike="noStrike">
+                        <a:solidFill>
+                          <a:srgbClr val="000000"/>
+                        </a:solidFill>
+                        <a:effectLst/>
+                        <a:latin typeface="Calibri" panose="020F0502020204030204" pitchFamily="34" charset="0"/>
+                      </a:endParaRPr>
+                    </a:p>
+                  </a:txBody>
+                  <a:tcPr marL="9525" marR="9525" marT="9525" marB="0" anchor="b"/>
+                </a:tc>
+                <a:tc>
+                  <a:txBody>
+                    <a:bodyPr/>
+                    <a:lstStyle/>
+                    <a:p>
+                      <a:pPr algn="ctr" fontAlgn="b"/>
+                      <a:r>
+                        <a:rPr lang="en-US" sz="1100" u="none" strike="noStrike">
+                          <a:effectLst/>
+                        </a:rPr>
+                        <a:t>L</a:t>
+                      </a:r>
+                      <a:endParaRPr lang="en-US" sz="1100" b="0" i="0" u="none" strike="noStrike">
+                        <a:solidFill>
+                          <a:srgbClr val="000000"/>
+                        </a:solidFill>
+                        <a:effectLst/>
+                        <a:latin typeface="Calibri" panose="020F0502020204030204" pitchFamily="34" charset="0"/>
+                      </a:endParaRPr>
+                    </a:p>
+                  </a:txBody>
+                  <a:tcPr marL="9525" marR="9525" marT="9525" marB="0" anchor="b"/>
+                </a:tc>
+                <a:extLst>
+                  <a:ext uri="{0D108BD9-81ED-4DB2-BD59-A6C34878D82A}">
+                    <a16:rowId xmlns:a16="http://schemas.microsoft.com/office/drawing/2014/main" val="1654006152"/>
+                  </a:ext>
+                </a:extLst>
+              </a:tr>
+              <a:tr h="190500">
+                <a:tc>
+                  <a:txBody>
+                    <a:bodyPr/>
+                    <a:lstStyle/>
+                    <a:p>
+                      <a:pPr algn="ctr" fontAlgn="b"/>
+                      <a:r>
+                        <a:rPr lang="en-US" sz="1100" u="none" strike="noStrike">
+                          <a:effectLst/>
+                        </a:rPr>
+                        <a:t>10</a:t>
+                      </a:r>
+                      <a:endParaRPr lang="en-US" sz="1100" b="0" i="0" u="none" strike="noStrike">
+                        <a:solidFill>
+                          <a:srgbClr val="000000"/>
+                        </a:solidFill>
+                        <a:effectLst/>
+                        <a:latin typeface="Calibri" panose="020F0502020204030204" pitchFamily="34" charset="0"/>
+                      </a:endParaRPr>
+                    </a:p>
+                  </a:txBody>
+                  <a:tcPr marL="9525" marR="9525" marT="9525" marB="0" anchor="b"/>
+                </a:tc>
+                <a:tc>
+                  <a:txBody>
+                    <a:bodyPr/>
+                    <a:lstStyle/>
+                    <a:p>
+                      <a:pPr algn="ctr" fontAlgn="b"/>
+                      <a:r>
+                        <a:rPr lang="en-US" sz="1100" u="none" strike="noStrike">
+                          <a:effectLst/>
+                        </a:rPr>
+                        <a:t>18</a:t>
+                      </a:r>
+                      <a:endParaRPr lang="en-US" sz="1100" b="0" i="0" u="none" strike="noStrike">
+                        <a:solidFill>
+                          <a:srgbClr val="000000"/>
+                        </a:solidFill>
+                        <a:effectLst/>
+                        <a:latin typeface="Calibri" panose="020F0502020204030204" pitchFamily="34" charset="0"/>
+                      </a:endParaRPr>
+                    </a:p>
+                  </a:txBody>
+                  <a:tcPr marL="9525" marR="9525" marT="9525" marB="0" anchor="b"/>
+                </a:tc>
+                <a:tc>
+                  <a:txBody>
+                    <a:bodyPr/>
+                    <a:lstStyle/>
+                    <a:p>
+                      <a:pPr algn="ctr" fontAlgn="b"/>
+                      <a:r>
+                        <a:rPr lang="en-US" sz="1100" u="none" strike="noStrike">
+                          <a:effectLst/>
+                        </a:rPr>
+                        <a:t>A</a:t>
+                      </a:r>
+                      <a:endParaRPr lang="en-US" sz="1100" b="0" i="0" u="none" strike="noStrike">
+                        <a:solidFill>
+                          <a:srgbClr val="000000"/>
+                        </a:solidFill>
+                        <a:effectLst/>
+                        <a:latin typeface="Calibri" panose="020F0502020204030204" pitchFamily="34" charset="0"/>
+                      </a:endParaRPr>
+                    </a:p>
+                  </a:txBody>
+                  <a:tcPr marL="9525" marR="9525" marT="9525" marB="0" anchor="b"/>
+                </a:tc>
+                <a:tc>
+                  <a:txBody>
+                    <a:bodyPr/>
+                    <a:lstStyle/>
+                    <a:p>
+                      <a:pPr algn="ctr" fontAlgn="b"/>
+                      <a:r>
+                        <a:rPr lang="en-US" sz="1100" u="none" strike="noStrike" dirty="0">
+                          <a:effectLst/>
+                        </a:rPr>
+                        <a:t>M</a:t>
+                      </a:r>
+                      <a:endParaRPr lang="en-US" sz="1100" b="0" i="0" u="none" strike="noStrike" dirty="0">
+                        <a:solidFill>
+                          <a:srgbClr val="000000"/>
+                        </a:solidFill>
+                        <a:effectLst/>
+                        <a:latin typeface="Calibri" panose="020F0502020204030204" pitchFamily="34" charset="0"/>
+                      </a:endParaRPr>
+                    </a:p>
+                  </a:txBody>
+                  <a:tcPr marL="9525" marR="9525" marT="9525" marB="0" anchor="b"/>
+                </a:tc>
+                <a:extLst>
+                  <a:ext uri="{0D108BD9-81ED-4DB2-BD59-A6C34878D82A}">
+                    <a16:rowId xmlns:a16="http://schemas.microsoft.com/office/drawing/2014/main" val="1064362663"/>
+                  </a:ext>
+                </a:extLst>
+              </a:tr>
+            </a:tbl>
+          </a:graphicData>
+        </a:graphic>
+      </p:graphicFrame>
+      <p:pic>
+        <p:nvPicPr>
+          <p:cNvPr id="10" name="Picture 10" descr="Image result for excel logo">
+            <a:extLst>
+              <a:ext uri="{FF2B5EF4-FFF2-40B4-BE49-F238E27FC236}">
+                <a16:creationId xmlns:a16="http://schemas.microsoft.com/office/drawing/2014/main" id="{A4412CD0-4E29-4683-869D-1BCF3F04706B}"/>
+              </a:ext>
+            </a:extLst>
+          </p:cNvPr>
+          <p:cNvPicPr>
+            <a:picLocks noChangeAspect="1" noChangeArrowheads="1"/>
+          </p:cNvPicPr>
+          <p:nvPr/>
+        </p:nvPicPr>
+        <p:blipFill>
+          <a:blip r:embed="rId3" cstate="print">
+            <a:extLst>
+              <a:ext uri="{28A0092B-C50C-407E-A947-70E740481C1C}">
+                <a14:useLocalDpi xmlns:a14="http://schemas.microsoft.com/office/drawing/2010/main" val="0"/>
+              </a:ext>
+            </a:extLst>
+          </a:blip>
+          <a:srcRect/>
+          <a:stretch>
+            <a:fillRect/>
+          </a:stretch>
+        </p:blipFill>
+        <p:spPr bwMode="auto">
+          <a:xfrm>
+            <a:off x="2487544" y="1834691"/>
+            <a:ext cx="397011" cy="389881"/>
+          </a:xfrm>
+          <a:prstGeom prst="rect">
+            <a:avLst/>
+          </a:prstGeom>
+          <a:noFill/>
+          <a:extLst>
+            <a:ext uri="{909E8E84-426E-40DD-AFC4-6F175D3DCCD1}">
+              <a14:hiddenFill xmlns:a14="http://schemas.microsoft.com/office/drawing/2010/main">
+                <a:solidFill>
+                  <a:srgbClr val="FFFFFF"/>
+                </a:solidFill>
+              </a14:hiddenFill>
+            </a:ext>
+          </a:extLst>
+        </p:spPr>
+      </p:pic>
+      <p:sp>
+        <p:nvSpPr>
+          <p:cNvPr id="11" name="Rectangle 10">
+            <a:extLst>
+              <a:ext uri="{FF2B5EF4-FFF2-40B4-BE49-F238E27FC236}">
+                <a16:creationId xmlns:a16="http://schemas.microsoft.com/office/drawing/2014/main" id="{84FBE488-E803-46D3-A80F-B3542A015599}"/>
+              </a:ext>
+            </a:extLst>
+          </p:cNvPr>
+          <p:cNvSpPr/>
+          <p:nvPr/>
+        </p:nvSpPr>
+        <p:spPr>
+          <a:xfrm>
+            <a:off x="558769" y="5721081"/>
+            <a:ext cx="8026463" cy="505642"/>
+          </a:xfrm>
+          <a:prstGeom prst="rect">
+            <a:avLst/>
+          </a:prstGeom>
+          <a:solidFill>
+            <a:schemeClr val="accent6"/>
+          </a:solidFill>
+          <a:ln>
+            <a:noFill/>
+          </a:ln>
+        </p:spPr>
+        <p:style>
+          <a:lnRef idx="2">
+            <a:schemeClr val="accent1">
+              <a:shade val="50000"/>
+            </a:schemeClr>
+          </a:lnRef>
+          <a:fillRef idx="1">
+            <a:schemeClr val="accent1"/>
+          </a:fillRef>
+          <a:effectRef idx="0">
+            <a:schemeClr val="accent1"/>
+          </a:effectRef>
+          <a:fontRef idx="minor">
+            <a:schemeClr val="lt1"/>
+          </a:fontRef>
+        </p:style>
+        <p:txBody>
+          <a:bodyPr rtlCol="0" anchor="ctr"/>
+          <a:lstStyle/>
+          <a:p>
+            <a:pPr algn="ctr"/>
+            <a:r>
+              <a:rPr lang="en-US" sz="1400" dirty="0"/>
+              <a:t>Matrices are organized into rows and columns.  In R, the row names are not actually a vector of the matrix but are an attribute of the matrix.  In excel you would need a standalone vector to capture that information.</a:t>
+            </a:r>
+          </a:p>
+        </p:txBody>
+      </p:sp>
+      <p:pic>
+        <p:nvPicPr>
+          <p:cNvPr id="13" name="Picture 12">
+            <a:extLst>
+              <a:ext uri="{FF2B5EF4-FFF2-40B4-BE49-F238E27FC236}">
+                <a16:creationId xmlns:a16="http://schemas.microsoft.com/office/drawing/2014/main" id="{3E03AA72-6817-4D67-8D8C-21E23A0DA83B}"/>
+              </a:ext>
+            </a:extLst>
+          </p:cNvPr>
+          <p:cNvPicPr>
+            <a:picLocks noChangeAspect="1"/>
+          </p:cNvPicPr>
+          <p:nvPr/>
+        </p:nvPicPr>
+        <p:blipFill>
+          <a:blip r:embed="rId4"/>
+          <a:stretch>
+            <a:fillRect/>
+          </a:stretch>
+        </p:blipFill>
+        <p:spPr>
+          <a:xfrm>
+            <a:off x="5009113" y="2291092"/>
+            <a:ext cx="2457450" cy="1752600"/>
+          </a:xfrm>
+          <a:prstGeom prst="rect">
+            <a:avLst/>
+          </a:prstGeom>
+        </p:spPr>
+      </p:pic>
+      <p:sp>
+        <p:nvSpPr>
+          <p:cNvPr id="14" name="Rectangle 13">
+            <a:extLst>
+              <a:ext uri="{FF2B5EF4-FFF2-40B4-BE49-F238E27FC236}">
+                <a16:creationId xmlns:a16="http://schemas.microsoft.com/office/drawing/2014/main" id="{ABF75034-7960-4D90-92F6-03555251D1D8}"/>
+              </a:ext>
+            </a:extLst>
+          </p:cNvPr>
+          <p:cNvSpPr/>
+          <p:nvPr/>
+        </p:nvSpPr>
+        <p:spPr>
+          <a:xfrm>
+            <a:off x="208230" y="1086231"/>
+            <a:ext cx="8664165" cy="416644"/>
+          </a:xfrm>
+          <a:prstGeom prst="rect">
+            <a:avLst/>
+          </a:prstGeom>
+        </p:spPr>
+        <p:style>
+          <a:lnRef idx="2">
+            <a:schemeClr val="accent1">
+              <a:shade val="50000"/>
+            </a:schemeClr>
+          </a:lnRef>
+          <a:fillRef idx="1">
+            <a:schemeClr val="accent1"/>
+          </a:fillRef>
+          <a:effectRef idx="0">
+            <a:schemeClr val="accent1"/>
+          </a:effectRef>
+          <a:fontRef idx="minor">
+            <a:schemeClr val="lt1"/>
+          </a:fontRef>
+        </p:style>
+        <p:txBody>
+          <a:bodyPr rtlCol="0" anchor="ctr"/>
+          <a:lstStyle/>
+          <a:p>
+            <a:pPr algn="ctr"/>
+            <a:r>
+              <a:rPr lang="en-US" dirty="0"/>
+              <a:t>Matrices are 2 dimensional data (rows/columns).  Each column must be the same type.</a:t>
+            </a:r>
+          </a:p>
+        </p:txBody>
+      </p:sp>
+      <p:sp>
+        <p:nvSpPr>
+          <p:cNvPr id="15" name="Rectangle 14">
+            <a:extLst>
+              <a:ext uri="{FF2B5EF4-FFF2-40B4-BE49-F238E27FC236}">
+                <a16:creationId xmlns:a16="http://schemas.microsoft.com/office/drawing/2014/main" id="{A3D248D2-A344-4958-A50B-A9E7590D792F}"/>
+              </a:ext>
+            </a:extLst>
+          </p:cNvPr>
+          <p:cNvSpPr/>
+          <p:nvPr/>
+        </p:nvSpPr>
+        <p:spPr>
+          <a:xfrm>
+            <a:off x="5305331" y="4053267"/>
+            <a:ext cx="1077362" cy="240105"/>
+          </a:xfrm>
+          <a:prstGeom prst="rect">
+            <a:avLst/>
+          </a:prstGeom>
+          <a:solidFill>
+            <a:schemeClr val="accent4"/>
+          </a:solidFill>
+          <a:ln>
+            <a:noFill/>
+          </a:ln>
+        </p:spPr>
+        <p:style>
+          <a:lnRef idx="2">
+            <a:schemeClr val="accent1">
+              <a:shade val="50000"/>
+            </a:schemeClr>
+          </a:lnRef>
+          <a:fillRef idx="1">
+            <a:schemeClr val="accent1"/>
+          </a:fillRef>
+          <a:effectRef idx="0">
+            <a:schemeClr val="accent1"/>
+          </a:effectRef>
+          <a:fontRef idx="minor">
+            <a:schemeClr val="lt1"/>
+          </a:fontRef>
+        </p:style>
+        <p:txBody>
+          <a:bodyPr rtlCol="0" anchor="ctr"/>
+          <a:lstStyle/>
+          <a:p>
+            <a:pPr algn="ctr"/>
+            <a:r>
+              <a:rPr lang="en-US" sz="1400" dirty="0"/>
+              <a:t>All strings</a:t>
+            </a:r>
+          </a:p>
+        </p:txBody>
+      </p:sp>
+      <p:sp>
+        <p:nvSpPr>
+          <p:cNvPr id="16" name="Footer Placeholder 4">
+            <a:extLst>
+              <a:ext uri="{FF2B5EF4-FFF2-40B4-BE49-F238E27FC236}">
+                <a16:creationId xmlns:a16="http://schemas.microsoft.com/office/drawing/2014/main" id="{A065A738-D0CD-1A4A-B56A-C88B2D560DC9}"/>
+              </a:ext>
+            </a:extLst>
+          </p:cNvPr>
+          <p:cNvSpPr>
+            <a:spLocks noGrp="1"/>
+          </p:cNvSpPr>
+          <p:nvPr>
+            <p:ph type="ftr" sz="quarter" idx="3"/>
+          </p:nvPr>
+        </p:nvSpPr>
+        <p:spPr>
+          <a:xfrm>
+            <a:off x="3028950" y="6356351"/>
+            <a:ext cx="3086100" cy="365125"/>
+          </a:xfrm>
+        </p:spPr>
+        <p:txBody>
+          <a:bodyPr/>
+          <a:lstStyle/>
+          <a:p>
+            <a:r>
+              <a:rPr lang="en-US" dirty="0"/>
+              <a:t>Kwartler CSCI E-96</a:t>
+            </a:r>
+          </a:p>
+        </p:txBody>
+      </p:sp>
+    </p:spTree>
+    <p:extLst>
+      <p:ext uri="{BB962C8B-B14F-4D97-AF65-F5344CB8AC3E}">
+        <p14:creationId xmlns:p14="http://schemas.microsoft.com/office/powerpoint/2010/main" val="2517573981"/>
       </p:ext>
     </p:extLst>
   </p:cSld>
